--- a/2022秋季-数据结构-第4章-树a.pptx
+++ b/2022秋季-数据结构-第4章-树a.pptx
@@ -127,7 +127,7 @@
       </a:defRPr>
     </a:lvl9pPr>
   </p:defaultTextStyle>
-  <p:modifyVerifier cryptProviderType="rsaFull" cryptAlgorithmClass="hash" cryptAlgorithmType="typeAny" cryptAlgorithmSid="4" spinCount="100000" saltData="iuysxshooWVYC6LBRVNsUw==" hashData="NYn4Z9HywIcZKcwN/ypKC4qeovo="/>
+  <p:modifyVerifier cryptProviderType="rsaFull" cryptAlgorithmClass="hash" cryptAlgorithmType="typeAny" cryptAlgorithmSid="4" spinCount="100000" saltData="tn/5zZqzY1URqbUf56P9cA==" hashData="EWlwge4ciEeQ9ol5cRBsueAK7fo="/>
 </p:presentation>
 </file>
 
@@ -32104,23 +32104,46 @@
           <a:p>
             <a:r>
               <a:rPr lang="en-US" altLang="zh-CN"/>
-              <a:t>level</a:t>
+              <a:t>depth</a:t>
             </a:r>
             <a:r>
               <a:rPr lang="zh-CN" altLang="en-US"/>
-              <a:t>、</a:t>
-            </a:r>
-            <a:r>
-              <a:rPr lang="en-US" altLang="zh-CN"/>
-              <a:t>depth</a:t>
-            </a:r>
-            <a:r>
-              <a:rPr lang="zh-CN" altLang="en-US"/>
-              <a:t>、</a:t>
-            </a:r>
-            <a:r>
-              <a:rPr lang="en-US" altLang="zh-CN"/>
-              <a:t>height</a:t>
+              <a:t>（</a:t>
+            </a:r>
+            <a:r>
+              <a:rPr lang="zh-CN" altLang="en-US">
+                <a:latin typeface="Arial Regular" panose="020B0604020202020204" charset="0"/>
+                <a:cs typeface="Arial Regular" panose="020B0604020202020204" charset="0"/>
+              </a:rPr>
+              <a:t>从</a:t>
+            </a:r>
+            <a:r>
+              <a:rPr lang="en-US" altLang="zh-CN">
+                <a:latin typeface="Arial Regular" panose="020B0604020202020204" charset="0"/>
+                <a:cs typeface="Arial Regular" panose="020B0604020202020204" charset="0"/>
+              </a:rPr>
+              <a:t>0</a:t>
+            </a:r>
+            <a:r>
+              <a:rPr lang="zh-CN" altLang="en-US">
+                <a:latin typeface="Arial Regular" panose="020B0604020202020204" charset="0"/>
+                <a:cs typeface="Arial Regular" panose="020B0604020202020204" charset="0"/>
+              </a:rPr>
+              <a:t>（</a:t>
+            </a:r>
+            <a:r>
+              <a:rPr lang="en-US" altLang="zh-CN">
+                <a:latin typeface="Arial Regular" panose="020B0604020202020204" charset="0"/>
+                <a:cs typeface="Arial Regular" panose="020B0604020202020204" charset="0"/>
+              </a:rPr>
+              <a:t>root</a:t>
+            </a:r>
+            <a:r>
+              <a:rPr lang="zh-CN" altLang="en-US">
+                <a:latin typeface="Arial Regular" panose="020B0604020202020204" charset="0"/>
+                <a:cs typeface="Arial Regular" panose="020B0604020202020204" charset="0"/>
+              </a:rPr>
+              <a:t>）开始）</a:t>
             </a:r>
             <a:endParaRPr lang="en-US" altLang="zh-CN"/>
           </a:p>
@@ -34887,7 +34910,7 @@
             </a:r>
             <a:r>
               <a:rPr lang="zh-CN" altLang="en-US"/>
-              <a:t>）”，也称为满二叉树</a:t>
+              <a:t>）”</a:t>
             </a:r>
             <a:endParaRPr lang="zh-CN" altLang="en-US"/>
           </a:p>
@@ -34942,7 +34965,11 @@
             </a:r>
             <a:r>
               <a:rPr lang="zh-CN" altLang="en-US"/>
-              <a:t>的结点与满二叉树中编号为 i 的结点在二叉树中的位置相同，则这棵二叉树称为“完全二叉树（</a:t>
+              <a:t>的结点与</a:t>
+            </a:r>
+            <a:r>
+              <a:rPr lang="zh-CN" altLang="en-US"/>
+              <a:t>完美二叉树中编号为 i 的结点在二叉树中的位置相同，则这棵二叉树称为“完全二叉树（</a:t>
             </a:r>
             <a:r>
               <a:rPr lang="zh-CN" altLang="en-US">
@@ -35014,7 +35041,15 @@
           <a:p>
             <a:r>
               <a:rPr lang="zh-CN" altLang="en-US"/>
-              <a:t> 一个二叉树第 i 层的最大结点数为：</a:t>
+              <a:t> 一个二叉树第 i 层（</a:t>
+            </a:r>
+            <a:r>
+              <a:rPr lang="en-US" altLang="zh-CN"/>
+              <a:t>depth = i</a:t>
+            </a:r>
+            <a:r>
+              <a:rPr lang="zh-CN" altLang="en-US"/>
+              <a:t>）的最大结点数为：</a:t>
             </a:r>
             <a:r>
               <a:rPr lang="en-US" b="1" dirty="0" smtClean="0">
@@ -35224,7 +35259,7 @@
             </a:r>
             <a:r>
               <a:rPr lang="zh-CN" altLang="en-US"/>
-              <a:t>是度为2的非叶结点个数，那么两者满足关系n</a:t>
+              <a:t>是度为2的结点个数，那么两者满足关系n</a:t>
             </a:r>
             <a:r>
               <a:rPr lang="zh-CN" altLang="en-US" baseline="-25000"/>
@@ -36535,7 +36570,7 @@
       </p:sp>
       <p:pic>
         <p:nvPicPr>
-          <p:cNvPr id="5" name="334E55B0-647D-440b-865C-3EC943EB4CBC-2" descr="wpsoffice"/>
+          <p:cNvPr id="5" name="334E55B0-647D-440b-865C-3EC943EB4CBC-1" descr="wpsoffice"/>
           <p:cNvPicPr>
             <a:picLocks noChangeAspect="1"/>
           </p:cNvPicPr>
@@ -36557,6 +36592,67 @@
           </a:prstGeom>
         </p:spPr>
       </p:pic>
+      <p:pic>
+        <p:nvPicPr>
+          <p:cNvPr id="7" name="334E55B0-647D-440b-865C-3EC943EB4CBC-2" descr="wpsoffice"/>
+          <p:cNvPicPr>
+            <a:picLocks noChangeAspect="1"/>
+          </p:cNvPicPr>
+          <p:nvPr/>
+        </p:nvPicPr>
+        <p:blipFill>
+          <a:blip r:embed="rId2"/>
+          <a:stretch>
+            <a:fillRect/>
+          </a:stretch>
+        </p:blipFill>
+        <p:spPr>
+          <a:xfrm>
+            <a:off x="9486265" y="3839210"/>
+            <a:ext cx="1088612" cy="720000"/>
+          </a:xfrm>
+          <a:prstGeom prst="rect">
+            <a:avLst/>
+          </a:prstGeom>
+        </p:spPr>
+      </p:pic>
+      <p:cxnSp>
+        <p:nvCxnSpPr>
+          <p:cNvPr id="8" name="直接箭头连接符 7"/>
+          <p:cNvCxnSpPr/>
+          <p:nvPr/>
+        </p:nvCxnSpPr>
+        <p:spPr>
+          <a:xfrm flipH="1" flipV="1">
+            <a:off x="7494270" y="4069080"/>
+            <a:ext cx="1771650" cy="338455"/>
+          </a:xfrm>
+          <a:prstGeom prst="straightConnector1">
+            <a:avLst/>
+          </a:prstGeom>
+          <a:ln w="41275" cmpd="sng">
+            <a:solidFill>
+              <a:srgbClr val="202020"/>
+            </a:solidFill>
+            <a:prstDash val="solid"/>
+            <a:tailEnd type="arrow"/>
+          </a:ln>
+        </p:spPr>
+        <p:style>
+          <a:lnRef idx="1">
+            <a:schemeClr val="accent1"/>
+          </a:lnRef>
+          <a:fillRef idx="0">
+            <a:schemeClr val="accent1"/>
+          </a:fillRef>
+          <a:effectRef idx="0">
+            <a:schemeClr val="accent1"/>
+          </a:effectRef>
+          <a:fontRef idx="minor">
+            <a:schemeClr val="tx1"/>
+          </a:fontRef>
+        </p:style>
+      </p:cxnSp>
     </p:spTree>
   </p:cSld>
   <p:clrMapOvr>
@@ -37373,8 +37469,11 @@
 <file path=customXml/item1.xml><?xml version="1.0" encoding="utf-8"?>
 <s:customData xmlns="http://www.wps.cn/officeDocument/2013/wpsCustomData" xmlns:s="http://www.wps.cn/officeDocument/2013/wpsCustomData">
   <extobjs>
+    <extobj name="334E55B0-647D-440b-865C-3EC943EB4CBC-1">
+      <extobjdata type="334E55B0-647D-440b-865C-3EC943EB4CBC" data="ewoJIkltZ1NldHRpbmdKc29uIiA6ICJ7XCJkcGlcIjpcIjYwMFwiLFwiZm9ybWF0XCI6XCJQTkdcIixcInRyYW5zcGFyZW50XCI6dHJ1ZSxcImF1dG9cIjpmYWxzZX0iLAoJIkxhdGV4IiA6ICJYRnNnWEd4bWJHOXZjbHhzYjJkZk1pQnVYSEptYkc5dmNpQmNYUT09IiwKCSJMYXRleEltZ0Jhc2U2NCIgOiAiaVZCT1J3MEtHZ29BQUFBTlNVaEVVZ0FBQVA0QUFBQlRCQU1BQUFCTk9xZFNBQUFBTUZCTVZFWC8vLzhBQUFBQUFBQUFBQUFBQUFBQUFBQUFBQUFBQUFBQUFBQUFBQUFBQUFBQUFBQUFBQUFBQUFBQUFBQUFBQUF2M2FCN0FBQUFEM1JTVGxNQUVOM3ZNbWFaaWF1N1JDSjJ6VlREb2lnMUFBQUFDWEJJV1hNQUFBN0VBQUFPeEFHVkt3NGJBQUFIbUVsRVFWUm9CZTFZVFdoY1ZSUytreWFtelV5YTJKVlVRa0lyV0JHWjJBZ3RWSGx4bys0U0ZVVGRUQVFwV2lrVHFiZ1JuSFRUall1cHVoUk1vSXRTbFRhb0d5dVM3TlJ1cHFSWUtWSW1DMUZFWmRJWmJkUFc5dmlkKy85ZVp1N01xOUJ4a1F2ejdybjNubk8rZTM3dTM0Z2RqNG51bGVmblJPRnE5K0JGL3FZb3JYY1JuLzRTeGV2ZHhMOFJ4Ly95OUxldnJleS9leE9pT1A0QWNibUxBZm1mNFdmZlB0eFYreEg0KzdycGYrQm51b3d2b2k3bUh5KzhmSmZ4cTV2NEhJYTdVeEw3RDROdStyOTcrLyttL3pmemIzUDlkYjcrVHE1Y1hQeFBHMlhiL1MvejRrcmowbHR4ak94THUyblBzK2g3RHBlbE5xK1g3UjgrOGFxVXp2eHlvYkZuT3E1SWlIYjRmVldpUE5HK1lVK3dkeDZ3UkVmRkNCM0s1Rzk1STAzSWNvTm9CdjJab2xTMG5HQnBneitRcHgrR3hjNHkvZVBKbFduOXljd3pST2VpVjBRZmtUODFqMHVSVyt1VC9jUVBqRW9EYmpnaFNaK3BEWDZaSG1EdWpLNmw1T2ZVbUFReFJYUmJpSDZpWUFJVUhoVzRVQzJMcmZnSmtWVytBR1ZLR0gvRVhFVmc1b0lXeVVSMGdFazhGYzRMMFV0aC8wZXJRc3pUbXBqL1NZcVg4ZDZLbFNCK05rOXptcnRHZjJ1cWgyaGFrZ2dENnFlWGRYL1RhbnNkM1VXNlBhamZlRFZqa09FTzR2Y1FpOHNDUHk4b3FrSU5SU0FBdWt1MW0zMjNjZDZVNldyNXVCcWRNc0tHT1loZnBwdUdEN2RTUkJJRjEzUDlYdDlDTkNhN0FwL1JLeGlza2czU2FESmRRL2dJdXA0MmxCUzBEblRxU0d3bGIzb3Q1bEJnQlpGalhFcW1hd2dmazEyMWVvZDBZNXRNZSs1R1NQeFZhVGw5b29wVVFkTHJqSkdMWnRFZkQrNC9KU0xIQzJ2SHVJWDB1NkY2YzVSTUp0WHZmM2x4Ym5mdWh4YzlsY3dZc0IrUjl0WVcwS1RmNFFlOWhCQUpiOXhIdGZRQXArbzlWb0tYZ3Mxb3hSVEFoMzd2bjZGZWpaWUt2LzhhVU9DeDgyWkcxZVFHR01CSHBNMmFoemk4SVhmYVZQNGYrQWlTbzBTekJwK0laK1NWQUQ0czlmQUY4RmNoR011L2hESlByMGZXeU80VDJETjE4cGp4QVA0Wm0rbVNPU0s1R1NLYmROYjdjVFhxbXRWRmwzTVFXWXV6QlBBTDhjbm1kUmpKaEJDUkdJc3JhOTdLdXpUMVUwRXhCL0JMRy9BbFhNV1lzMFRXcjgyQlZTOFN4NFlKSXN0eDNnQSsvT1lmVnJCZitnNDJLQjNGOXN1ZnNSQXdHM080ZEpMN1hBbmdsNXZqeDg5ZnEybmdjRlQvY2NFMkhlSEh2SnBjL3FIOUIvYmJpVU5kUkRRdXRkYW9QZ3lpUnJlNDBxVVB3MFNOTjAzYjFWN01zUlBiVUdpR2dQMlZlUDVEL1pnVWlzcDBiVEZ6eWx2VjJPUHo5WE5mbjBTSXBoMndwa1lkSS9aUWQ2Q3E0UUIrWVFQK2NaYkpYZXVkeDF5STN0TUFYRTNWSi9GdGVpTFV5S1pwa3hVVHdKL2FzUC9NQUVOc3VTS3kzK2NiOHY3TmJTN1o2SDFaUTJST0V0Nm5hTmFMRUV2T0ZZWWhnSS83aFJjdFBrVVhXR3BxM01pNmVsQWZSTmpmL0MxVE1sVGQ4aStwMC8vVW9wTU00Q054OWEyTjJiR00xTDJyTXVha0RWWGphdzZYY3ZKK3crZUd0U0t2MHI4NktYbmxKNEFQWS9STmp6bHgyK0RySm83UU5WbkZQdk16dWdrUEw4ZEcrSnBzVmhHT1VONjZzLzRWSUlBdnFyNHhneVozeThrVTVyT3hNYXRRd1RVV3g4ZThqWE5Bc215LzU5WFEraGRuZkdOZzJZelVYRlJ1OEZHMFlhemJvV2tHYjBaNkoraTU3Y21HN01kUjYzSU51VE1zNVNyZXBWQXJnbzkxQXVMT2tuRFBrSm0zVFA5cFNNUVNPSVNmaVZ3MkkvMzF0SmV3KzNnR01JbEI3Vk4vczFkTWNPS3FvdGlmYk1MOHNtNXoxUVEvTXNid0U4OUF3WTJ6U2d4VVk5ZXV5NWN2SFh2WERPSnhvQ2NIKy8wekN4TFdiNEx4MFNIdmhFb1Z2azN3eVI0U3NHWk1jNWJzWVlkZzIvS3hIdjJxUHEyb2pUdXNkK1FzU2NONllqdkVSbnlvc0I0N1FYVmxJMjdmMm54cGtaM0FQajBCVThWU1JuWjZsOWd0MG9iU2NjUE1kUUkvZS9EMUNNb2J4dzRPOHlnZW9QS3lOVkExRGtZblQ5QVcrVHhuVmxXR1hMYXBEbmpMTEg4SUlrdHo4dkEwL0VsOFpMSXV5bTRjcTFkL3Z2K1BQSzNMK2JCWTVvaGhrZldrVmNWRXhXV002a2RDbU9YUEQ4SEozdmtETVlHRS9RTTBzZmVSeXl1N0owemk1ZklTWlYxTmgwV0w5RGczTXZlZWZhR0tzVEh1c3dYVHRiUWtZTkNzN1JtaGV1UU1rZDBKZk10cWlleDNGeG9QSGJKTnNjTjNCZjUvc3BzN3M4RGFjY2NxcVNOK2l2d1c3VitJajdmRmo3T3pENTA5N0l6WTN6OUwxR0RmcENocDhYTjJjVW9RbkpIVEhsbzF1ZnE5c2Vaa1d2elJCRUxrL1VYQUw4MkY1akF0ZTlQaTF4SUJMdnJ0U3JzL0l6ZE9JeTEreWJjWDZncmVnNnBQWFl3M2dnUjYwdUtYYVM2bXJlYmhGeEp6aXpHMmFLVEZyN2kzdk5SWWNSdEFYM3d0dGdCTWRLZkZQNU00MzZ2NlZnSzFoZFRKQjZHMCtJUDJISlNHWUhzekM3NlBIazdZMWtrekxUN09FMy9CZitIMjI4cjFZUWJzZTZNVFdNdVRGaC9QUG5raUtnVzlidm5uZEdMMkpPNWZGcWs1a1JvZlcveFJxNnJpb2xIUkI4SFFtaDN0aEVpTkw3NGhla2RwenVENFdkVWdPUk9XcWZPZHdGcWU5UGppVDZJSGY4Y0IvTm04OTk2dW1GdEdhYzdxN29TNEEzenhWSVJ6bjMvck5oVno1dHpibVh6L3RKbkVuZUNMN0s4ZlRORGVpeTg3M1JXYTRNS1RXbkM5SFZDTVgvOUVsVTg3NEcvT2dtZVBMWXZOV1JLOVp4WGthZUNYck9oY2dxbmpwbFBoSHZ0QllienRkYm5CZDBaZHhvTXlyUWY5SjBIaS8rVVdRa3NHRXRlSkVVT2JSMFFMbWRiZGVLZllzdDZhelJ1NVIxMXJJVFgzTDJFaXMwbk1CSTkyQUFBQUFFbEZUa1N1UW1DQyIKfQo="/>
+    </extobj>
     <extobj name="334E55B0-647D-440b-865C-3EC943EB4CBC-2">
-      <extobjdata type="334E55B0-647D-440b-865C-3EC943EB4CBC" data="ewoJIkltZ1NldHRpbmdKc29uIiA6ICJ7XCJkcGlcIjpcIjYwMFwiLFwiZm9ybWF0XCI6XCJQTkdcIixcInRyYW5zcGFyZW50XCI6dHJ1ZSxcImF1dG9cIjpmYWxzZX0iLAoJIkxhdGV4IiA6ICJYRnNnWEd4bWJHOXZjbHhzYjJkZk1pQnVYSEptYkc5dmNpQmNYUT09IiwKCSJMYXRleEltZ0Jhc2U2NCIgOiAiaVZCT1J3MEtHZ29BQUFBTlNVaEVVZ0FBQVA0QUFBQlRCQU1BQUFCTk9xZFNBQUFBTUZCTVZFWC8vLzhBQUFBQUFBQUFBQUFBQUFBQUFBQUFBQUFBQUFBQUFBQUFBQUFBQUFBQUFBQUFBQUFBQUFBQUFBQUFBQUF2M2FCN0FBQUFEM1JTVGxNQUVOM3ZNbWFaaWF1N1JDSjJ6VlREb2lnMUFBQUFDWEJJV1hNQUFBN0VBQUFPeEFHVkt3NGJBQUFIbUVsRVFWUm9CZTFZVFdoY1ZSUytreWFtelV5YTJKVlVRa0lyV0JHWjJBZ3RWSGx4bys0U0ZVVGRUQVFwV2lrVHFiZ1JuSFRUall1cHVoUk1vSXRTbFRhb0d5dVM3TlJ1cHFSWUtWSW1DMUZFWmRJWmJkUFc5dmlkKy85ZVp1N01xOUJ4a1F2ejdybjNubk8rZTM3dTM0Z2RqNG51bGVmblJPRnE5K0JGL3FZb3JYY1JuLzRTeGV2ZHhMOFJ4Ly95OUxldnJleS9leE9pT1A0QWNibUxBZm1mNFdmZlB0eFYreEg0KzdycGYrQm51b3d2b2k3bUh5KzhmSmZ4cTV2NEhJYTdVeEw3RDROdStyOTcrLyttL3pmemIzUDlkYjcrVHE1Y1hQeFBHMlhiL1MvejRrcmowbHR4ak94THUyblBzK2g3RHBlbE5xK1g3UjgrOGFxVXp2eHlvYkZuT3E1SWlIYjRmVldpUE5HK1lVK3dkeDZ3UkVmRkNCM0s1Rzk1STAzSWNvTm9CdjJab2xTMG5HQnBneitRcHgrR3hjNHkvZVBKbFduOXljd3pST2VpVjBRZmtUODFqMHVSVyt1VC9jUVBqRW9EYmpnaFNaK3BEWDZaSG1EdWpLNmw1T2ZVbUFReFJYUmJpSDZpWUFJVUhoVzRVQzJMcmZnSmtWVytBR1ZLR0gvRVhFVmc1b0lXeVVSMGdFazhGYzRMMFV0aC8wZXJRc3pUbXBqL1NZcVg4ZDZLbFNCK05rOXptcnRHZjJ1cWgyaGFrZ2dENnFlWGRYL1RhbnNkM1VXNlBhamZlRFZqa09FTzR2Y1FpOHNDUHk4b3FrSU5SU0FBdWt1MW0zMjNjZDZVNldyNXVCcWRNc0tHT1loZnBwdUdEN2RTUkJJRjEzUDlYdDlDTkNhN0FwL1JLeGlza2czU2FESmRRL2dJdXA0MmxCUzBEblRxU0d3bGIzb3Q1bEJnQlpGalhFcW1hd2dmazEyMWVvZDBZNXRNZSs1R1NQeFZhVGw5b29wVVFkTHJqSkdMWnRFZkQrNC9KU0xIQzJ2SHVJWDB1NkY2YzVSTUp0WHZmM2x4Ym5mdWh4YzlsY3dZc0IrUjl0WVcwS1RmNFFlOWhCQUpiOXhIdGZRQXArbzlWb0tYZ3Mxb3hSVEFoMzd2bjZGZWpaWUt2LzhhVU9DeDgyWkcxZVFHR01CSHBNMmFoemk4SVhmYVZQNGYrQWlTbzBTekJwK0laK1NWQUQ0czlmQUY4RmNoR011L2hESlByMGZXeU80VDJETjE4cGp4QVA0Wm0rbVNPU0s1R1NLYmROYjdjVFhxbXRWRmwzTVFXWXV6QlBBTDhjbm1kUmpKaEJDUkdJc3JhOTdLdXpUMVUwRXhCL0JMRy9BbFhNV1lzMFRXcjgyQlZTOFN4NFlKSXN0eDNnQSsvT1lmVnJCZitnNDJLQjNGOXN1ZnNSQXdHM080ZEpMN1hBbmdsNXZqeDg5ZnEybmdjRlQvY2NFMkhlSEh2SnBjL3FIOUIvYmJpVU5kUkRRdXRkYW9QZ3lpUnJlNDBxVVB3MFNOTjAzYjFWN01zUlBiVUdpR2dQMlZlUDVEL1pnVWlzcDBiVEZ6eWx2VjJPUHo5WE5mbjBTSXBoMndwa1lkSS9aUWQ2Q3E0UUIrWVFQK2NaYkpYZXVkeDF5STN0TUFYRTNWSi9GdGVpTFV5S1pwa3hVVHdKL2FzUC9NQUVOc3VTS3kzK2NiOHY3TmJTN1o2SDFaUTJST0V0Nm5hTmFMRUV2T0ZZWWhnSS83aFJjdFBrVVhXR3BxM01pNmVsQWZSTmpmL0MxVE1sVGQ4aStwMC8vVW9wTU00Q054OWEyTjJiR00xTDJyTXVha0RWWGphdzZYY3ZKK3crZUd0U0t2MHI4NktYbmxKNEFQWS9STmp6bHgyK0RySm83UU5WbkZQdk16dWdrUEw4ZEcrSnBzVmhHT1VONjZzLzRWSUlBdnFyNHhneVozeThrVTVyT3hNYXRRd1RVV3g4ZThqWE5Bc215LzU5WFEraGRuZkdOZzJZelVYRlJ1OEZHMFlhemJvV2tHYjBaNkoraTU3Y21HN01kUjYzSU51VE1zNVNyZXBWQXJnbzkxQXVMT2tuRFBrSm0zVFA5cFNNUVNPSVNmaVZ3MkkvMzF0SmV3KzNnR01JbEI3Vk4vczFkTWNPS3FvdGlmYk1MOHNtNXoxUVEvTXNid0U4OUF3WTJ6U2d4VVk5ZXV5NWN2SFh2WERPSnhvQ2NIKy8wekN4TFdiNEx4MFNIdmhFb1Z2azN3eVI0U3NHWk1jNWJzWVlkZzIvS3hIdjJxUHEyb2pUdXNkK1FzU2NONllqdkVSbnlvc0I0N1FYVmxJMjdmMm54cGtaM0FQajBCVThWU1JuWjZsOWd0MG9iU2NjUE1kUUkvZS9EMUNNb2J4dzRPOHlnZW9QS3lOVkExRGtZblQ5QVcrVHhuVmxXR1hMYXBEbmpMTEg4SUlrdHo4dkEwL0VsOFpMSXV5bTRjcTFkL3Z2K1BQSzNMK2JCWTVvaGhrZldrVmNWRXhXV002a2RDbU9YUEQ4SEozdmtETVlHRS9RTTBzZmVSeXl1N0owemk1ZklTWlYxTmgwV0w5RGczTXZlZWZhR0tzVEh1c3dYVHRiUWtZTkNzN1JtaGV1UU1rZDBKZk10cWlleDNGeG9QSGJKTnNjTjNCZjUvc3BzN3M4RGFjY2NxcVNOK2l2d1c3VitJajdmRmo3T3pENTA5N0l6WTN6OUwxR0RmcENocDhYTjJjVW9RbkpIVEhsbzF1ZnE5c2Vaa1d2elJCRUxrL1VYQUw4MkY1akF0ZTlQaTF4SUJMdnJ0U3JzL0l6ZE9JeTEreWJjWDZncmVnNnBQWFl3M2dnUjYwdUtYYVM2bXJlYmhGeEp6aXpHMmFLVEZyN2kzdk5SWWNSdEFYM3d0dGdCTWRLZkZQNU00MzZ2NlZnSzFoZFRKQjZHMCtJUDJISlNHWUhzekM3NlBIazdZMWtrekxUN09FMy9CZitIMjI4cjFZUWJzZTZNVFdNdVRGaC9QUG5raUtnVzlidm5uZEdMMkpPNWZGcWs1a1JvZlcveFJxNnJpb2xIUkI4SFFtaDN0aEVpTkw3NGhla2RwenVENFdkVWdPUk9XcWZPZHdGcWU5UGppVDZJSGY4Y0IvTm04OTk2dW1GdEdhYzdxN29TNEEzenhWSVJ6bjMvck5oVno1dHpibVh6L3RKbkVuZUNMN0s4ZlRORGVpeTg3M1JXYTRNS1RXbkM5SFZDTVgvOUVsVTg3NEcvT2dtZVBMWXZOV1JLOVp4WGthZUNYck9oY2dxbmpwbFBoSHZ0QllienRkYm5CZDBaZHhvTXlyUWY5SjBIaS8rVVdRa3NHRXRlSkVVT2JSMFFMbWRiZGVLZllzdDZhelJ1NVIxMXJJVFgzTDJFaXMwbk1CSTkyQUFBQUFFbEZUa1N1UW1DQyIKfQo="/>
+      <extobjdata type="334E55B0-647D-440b-865C-3EC943EB4CBC" data="ewoJIkltZ1NldHRpbmdKc29uIiA6ICJ7XCJkcGlcIjpcIjYwMFwiLFwiZm9ybWF0XCI6XCJQTkdcIixcInRyYW5zcGFyZW50XCI6dHJ1ZSxcImF1dG9cIjpmYWxzZX0iLAoJIkxhdGV4IiA6ICJJQ0FnSUNBZ0lDQmNZbVZuYVc1N1lXeHBaMjRxZlFvZ0lDQWdJQ0FnSUc0bVhHZGxJREplYTF4Y0NpQWdJQ0FnSUNBZ2JpWThNbDU3YXlzeGZRb2dJQ0FnSUNBZ0lGeGxibVI3WVd4cFoyNHFmUT09IiwKCSJMYXRleEltZ0Jhc2U2NCIgOiAiaVZCT1J3MEtHZ29BQUFBTlNVaEVVZ0FBQVR3QUFBRFJCQU1BQUFDamhoUGRBQUFBTUZCTVZFWC8vLzhBQUFBQUFBQUFBQUFBQUFBQUFBQUFBQUFBQUFBQUFBQUFBQUFBQUFBQUFBQUFBQUFBQUFBQUFBQUFBQUF2M2FCN0FBQUFEM1JTVGxNQVZMdnZ6Wmt5RU4yclpuYUpSQ0lHWEdMMEFBQUFDWEJJV1hNQUFBN0VBQUFPeEFHVkt3NGJBQUFMVEVsRVFWUjRBZTFkWFlnc1J4V3UvY25NM2IzN3AvamcyeXhFeEJlZG1FVzlKSEpuUk1XQWhna1NESUpraDBSUVg5elZSSkxnaFYyTnhJdWdjMFBRZ0dKbVJRVE55eTc0NGtOZ0YvTVE4TUhkaFBnZ0NETVNGQlJrcjNmdXZlN0dtUEk3MWQxVjFUUGQ5ZE85MHp1UXJvZWRxcTQ2NTN4OXVuNU9WYzk4eTFoUjZaOHZmZjYrWjRveTVtMW5pU1BkOWhZclNxRDZnUWJuMTR1eWxzRk9sZk5tQnJHaVJBRHZvQ2hiR2V3c2NuNlVRYXdva1FYT2l6S1Z4YzRzdjVsRnJDaVpaZjVXVWFheTJPbngvMlVSSzBybWtQK25LRk5aN05UNWRoYXhvbVE0ZjZBb1V4bnNWRGhmeVNCV2xNaEZ6amVMc3BYQnpqUS9FVkovN253dWcvVFlSWmI1TGJMeFpmN2RSblBzeHZ3TmJQQi9RK2ppWUk4ZC85ZGZldXdTKzJMYXF6L1BGaVp5Y2V2eXV4aDdISTZyaFoxdzdBNUpOMUQ5elNjSDMzczJObEliL0JwYjZod3gxdVUzMGdVTHFWbXMwODZDbit3b2E5aHI3TEJIYWRWZEg4T1c0MCs0YmVlMDFPVTNmL3crNE1NNGlOSTg1LzNGUVJ2RmI1NzQ2SXJrelo4TnpaSzVKV29mNVQvQTMva1c1emMybzhaemZNQjJmeFNWenZvVG5uakZWZWNVZjFNMHhUckJQeG9KemZEVHB4VFk2T3BaZlg0VnBoNXlWTFlobmlFYTkzQlQvVkRvbUorTWN5ZjBPdkM5NElTdjJyZ2N0cHVDek1mQy9DNUd5aC9hVGdveU5Yb0V0dDd2SWptbk5tUmR6azlEa1hXSTg4RVhYQlJrYS9NUDZML2ZRWFJEcksyaTRSWkV3bUhhNGF0L3hYVHpnSU9DakUyK0JXUGZzY3ZXVmN4K0J5U2FRZ0o3OEQxV0hlK01mS1hCK1QxV2ZGZ2Rvb1FRbEw4dEN1aUdiY1lBZHlXcUc4UG5SZUM3ZDlPc0dFQStLMXVnZlJDZUFCaGQ1QnAyMmVqc01sTWR6dDh5NDFNUEZHYlIyNEs5OTRWZ29XM1JzNjc4OE93QURXbGFiSEYrcXo5ME1WYWN4Z01OcG1WY1BrUkIxRzRGWG16eFZjYm1hT1VkVTZyQUlhZHRnL0paSUpJaHlTNEt3dG0xSUE1bzBOQ2R1VzRRejF1RjlaN2ZPRXJYUXZEa1lVb05oVDYxUFF5T0htbjhzdDYxZE9uOE5VdnJzTCtTcW1jT2lLSzVHS0duR0xHTWlhZEtRd09DOVhhcThGbFVWRitPaDNKeG5UakdVNGNwOHVFS3R6SFd3ZlJTQ1hac2NTbEQ2ZDFybjI2TDZtODgyTGowVTBORFdmWGJXQ2duTHdlWjlSQUtsYUtoQWN4SFFYbUZYZkFiR1hPOEVlenhzQ3FjUlBOVVlDbjE3Ni9ob3JRQXEvTDdQMG81aktNQkZhS2p4OGN3c2RRUFpMVkxwdnNNYm5JVmV6eitrVFpiYkZEV25paUFlZGplcklGcGlGcmRFWjd0TFhWT25sTkxzbDBlUWUxZ2s4M1FyTlFWOC90eG9NOHFTUUhNVDJ5dGFGR2ozUzJydHNMUk9uL24zZUlwMnlSbC9RemtNWld5Nlp0OXVvYUIxNlpQYTZJQTVvT1dWbmltdEgzTWsycmJ3VkxkV2hWYXNHU0dOMnBUK2pmWS9vUzUwUXlhN0ppYjJHcnJlOEpsWHd4bmVqd1AxL3VsQU1hOGZOWXcyR3oyemZWVlduUm9wbThHN1JDWXFYak5MTW9vZ0RreXRlbmtmbzAyVDE2amg5QVA3R0M3L0xiSm9sNUg2OXVPZm1Fb2o3MHRMV0o1MHV5YmtENVdRUVllcmlzOEVSMlliRCttTFcrbWRvYTZaUUpUazgrVzRZNnZHNXByVlJSYm5iYTFDeU5aT0xjNWN0SHZRdTh1dEY5WHN3bWl5VzBuRFJTWm1pTS9yR1FubTA2NjBoc2RIcUN1bzBJZ2pKTFY5TmFxWmg3b0xISHprNXgvWHdsa3k3M1d4NXdPUzVIMHN0dHJ6VzgzN0x1T09yK1oxM2tDRmFaaUdVWDBMSE5GY0J0WE9CZkhQTkZOSlgxaXlmaE0wblh2YStodmNqaWdHOXJsSFJZTUdtOHlwcmRyTkxXNG9JMHdyUnVtaW53TnZyTXR0d3d6MUxWVURWNFZXNnEvWVZZV2dZdEovaldnc3dZcjdBM1ZuMDNLSE9wcXFyOWgycnR0a1hnUDBEMXNhWVBoMWpBdUtGWjVyY0c2Nm0rWVY3YTFtb1NzS1ZEV21qOFpCSHJhbGN4WnJiOGRxK2Vjck02NHpkQkVXb08yVnNxVDFhZTlmUmtiSkdvMGI5STBrV2wrV1N2bHl1clRYc2NZb0ZtMnVCcUtkYm1jdlpwM2F0YW1QUXhjdVg1b3hzSXNCVkNtQXdJbHNhQ1dzOXl2U1RFY21xRm16UFFVd1N4K1NGbFNPZXZ4aW1xNks1ZXpKYkdSVkRYK3VTMDFIREJCYjBQQmJOTGtZaitja3FhbjFISTJKYzliWksxbnBxZW12WTBndkQyV2E1eFM1WEMwSnh2M0ZLWUZ2MjJ0VktFeWgrbzFPcko5VkJ5dXF0b3dOOTlBaURKeU5mbENSWXZKWnEyTFVMSU9kYldsUm1zNEEzWldWRzJRbzEwUHZZbHlTbTlvc2NDV2pJV2NSQk1haFFjTnFNSEFwYTFIWmJRN3Q2eDdXcVc0MnJtbUN2dk8rejRsRThzaDVoWUhEYmlJTEdtYkhua2dtTG10SVlwVU9qdjR4YnRFZXZIRmx4NVVvWnFzOTh0Z01vbnVFUEJvVUlqOVIxekp5L1lRUlFyVXVaNmE4bnEyakJZRjRPR1N0czVPTmsyQkZCMlBha2w3MEptMExtdXZraG9VUWk1b1BUdURSb3grUGUxbFVLR0xiS2hwaisyVDkvWno3YSt3Z3NmU2tXNHJRMzVYVFhzNGJMbk5IaG4wTTJpUkl1Z3JzWlJMR2JUMnRDaWcydUpQOCtlbHFTd1pySXV4bEVXSExyT3dkcUNLVTNjT2ZxNUtaYTcwUU9tQjBnUHZYQS84TGpiVnFzTGRteFBoRXdWb0tKZDN4VCtidStzTW9aTEZ2Q3YrMmNDcnZCb0V3TU4vdjNJMjZrc3RwUWRLRDVRZUtEMVFlcUQwUU9tQjBnT2xCMG9QbEI0b1BWQjZvUFJBNllIU0E2VUhTZytVSGlnOVVIcWc5RURwZ2RJRHBRZEtEN0NTdlRCSEovQmxMM3c4OTdjbVBjSGlLNHBOWjVIRnpzaFhISjFsc3pVRXZBTlh5YW02L1hjWnJyb2MyK0dybFltdnpoZnVHVkpRL2RldkdnNC9HeG1TeWx2RWwwQVRWY3lvTHprSDlWMzhnS3hidVBmUzJBdVhoMy9sK2R5bG43VTNDb2VYeGw0NEFvOThXRHk4TlBiQ0NZR1h4bDQ0SWZEUzJBc25CSjcyL2VQWUNKNE1lUGhaM1VvTVZsU1lESGhncGRxTUVNVStKd05lS252aFpNQkxaUytjREhpcDdJV1RBUytWdlhBeTRLV3lGNTREUEIvMnd1TGhlYkVYRmc1dnlZdTlzSEI0ZnV5RlJjUHpaQzhzR3A0VGUrRkZiQ2RHMG9mbGFqZStjTlNOdlhENFJ6RUNxdm9OMWZqZ3ViRVh6dDkzTlV3ZEh1V3UzbCtBOTN6WkN3dnVlNzdzaFdPRVYvbVNmQnd5bzVFNUlBUU55V2Z3NjdWMkNudmgrT0JoZGRpVHNNSU1nUGl4RjQ0TjNsUXJJVURIRCtIVlVVODlJcnN6c0JlT0N4NHh4Z3lmandqS0xmRWpYK0hNUTJBVm1hMWcxNS9FWGpnbWVEU3hqcUlUcEZGeS90b0ZQTEhETUxBWGpnY2VNY1lrc1pEU2J5VGxvVTROaFQ2NXo4QmVPQlo0eEJpalpsSHhBSU0vOVBOY0wvYkNSSGk5ZkVkQVJOQ1d6SUNMWXp3dUQxN2x3eld3RnliQzIxZTM2TTlleUlqZTdnWE5aWHAyWGFQdWlvWUdNQjlSbTBOc3hZZlpDMGZnVlovNCsxK2cvOW12UDBIZE5nTjdvWkVjMEplOWNBUmVEOWlDUk9mTC91eUY3NFh3SytRTWEybzRzQmNtd0Z1N2RQVlRWNTllby83bnoxNzRTeE14WlF3eExXcFc5c0lSZURFVnZ1eUZWZkRabk96RVZLUVdjSnhzWi9Nenc2dHRlN0VYVnRIYkRhU29jYVJPN0lWbWVIN3NoWUxQUmd6Q09KRGtVczJGdmRBSXo0KzlzTklGbjAwN0dVdkMxWTZkTm9veEl6d3Y5a0xhWHAvMkUzQWtYM0pqTHh4NXI2RXI4MkV2cEFEcWxsamhkUTNwZVRmMndwRzNRcnBDRC9aQ0NxQSs3b0dPb1NjMGRWc1o4dTdzaFJSQTNldGpBU3VacEh2eWtkUGJPck1YdWxEdTZZb1pLNUs5a0FJb0MwZHJIQnp4a0V1NnArRXFyekoyTHpJRTZpVy8xbndLNk56NWJJUjFMQm1Gc1JlaTMzbncyUWg0QmJJWDRrMzJ5WXJYRXltV3ZYRFhQUTRJNzZKUTlrS0tVM3orZjByaDdJVVU1Ym5Gb01KOWhiTVhVb3o4a0hQL0s1NjkwUDMvcDlCWndXWG5PN0UwMUtjOUkzdWhFLzE0WU93ODJBc1o3VzZkSnVmellDK0VYMXlYdG5OZ0x4UlBqZWpIN1VSMzU4QmVHSFpncDdDcWVQYkNFQjMyeGZhZ3RIajJRb21PTVJIUzk3VUxJOW5pMlF0MUNMWU5VZkhzaFRvNmtDOTJqZHZKYzJBdmpPTXpiOGJybUIxVmFzWkZ2VXRaMkF2cEtDTXRBSndFOWtMRFFSQ1E2Mm5QMjE5eGdRMXRkN0ZQRzFNMzlrTFFRaWNHZ0ZqQlkra29iczI3dEt0OWU4aUh2VERsRUhKaTJBc3B3Qm9OQUlkZjFIcTdhMGdnTzNzaEFxeDhQSkZEU002NmlBQXJiODgvYTBneGZWZlcrckh5TzZ6d2Z5UUhEWUxEdUdFeEFBQUFBRWxGVGtTdVFtQ0MiCn0K"/>
     </extobj>
   </extobjs>
 </s:customData>

--- a/2022秋季-数据结构-第4章-树a.pptx
+++ b/2022秋季-数据结构-第4章-树a.pptx
@@ -127,7 +127,7 @@
       </a:defRPr>
     </a:lvl9pPr>
   </p:defaultTextStyle>
-  <p:modifyVerifier cryptProviderType="rsaFull" cryptAlgorithmClass="hash" cryptAlgorithmType="typeAny" cryptAlgorithmSid="4" spinCount="100000" saltData="tn/5zZqzY1URqbUf56P9cA==" hashData="EWlwge4ciEeQ9ol5cRBsueAK7fo="/>
+  <p:modifyVerifier cryptProviderType="rsaFull" cryptAlgorithmClass="hash" cryptAlgorithmType="typeAny" cryptAlgorithmSid="4" spinCount="100000" saltData="Jp381XAhRtGGPRZ9BrSRhw==" hashData="NhGsKuthjya045Mhe4XiutVSSgI="/>
 </p:presentation>
 </file>
 
@@ -4012,7 +4012,11 @@
           <a:p>
             <a:r>
               <a:rPr lang="zh-CN" altLang="en-US"/>
-              <a:t>对于顺序存储，一般二叉树采用这种结构将造成空间浪费（结合课本图</a:t>
+              <a:t>顺序存储结构</a:t>
+            </a:r>
+            <a:r>
+              <a:rPr lang="zh-CN" altLang="en-US"/>
+              <a:t>对于一般二叉树将造成空间浪费（结合课本图</a:t>
             </a:r>
             <a:r>
               <a:rPr lang="en-US" altLang="zh-CN"/>
@@ -7167,7 +7171,11 @@
             </a:pPr>
             <a:r>
               <a:rPr lang="zh-CN" altLang="en-US"/>
-              <a:t>二叉树的遍历可按二叉树的构成以及访问结点的顺序分为四种方式，即先序遍历、中序遍历、后序遍历和层次遍历</a:t>
+              <a:t>二叉树的遍历可按二叉树的构成以及访问结点的顺序分为四种方式，即先序遍历、中序遍历、后序遍历和</a:t>
+            </a:r>
+            <a:r>
+              <a:rPr lang="zh-CN" altLang="en-US"/>
+              <a:t>层序遍历</a:t>
             </a:r>
             <a:endParaRPr lang="zh-CN" altLang="en-US"/>
           </a:p>
@@ -16942,7 +16950,7 @@
           <a:p>
             <a:r>
               <a:rPr lang="zh-CN" altLang="en-US"/>
-              <a:t>具体的算法实现可以设置一个队列结构，遍历从根结点开始，首先将根结点指针入队，然后开始执行下面三个操作（直到队列空）</a:t>
+              <a:t>可以设置一个队列结构，遍历从根结点开始，首先将根结点指针入队，然后开始执行下面三个操作（直到队列空）</a:t>
             </a:r>
             <a:endParaRPr lang="zh-CN" altLang="en-US"/>
           </a:p>
@@ -16975,7 +16983,15 @@
             </a:pPr>
             <a:r>
               <a:rPr lang="zh-CN" altLang="en-US"/>
-              <a:t>若该元素所指结点的左、右孩子结点非空，则将其左、右孩子的指针顺序入队</a:t>
+              <a:t>依次考虑其的左、右孩子，按顺序</a:t>
+            </a:r>
+            <a:r>
+              <a:rPr lang="zh-CN" altLang="en-US"/>
+              <a:t>将非空的孩子</a:t>
+            </a:r>
+            <a:r>
+              <a:rPr lang="zh-CN" altLang="en-US"/>
+              <a:t>入队</a:t>
             </a:r>
             <a:endParaRPr lang="zh-CN" altLang="en-US"/>
           </a:p>
@@ -19988,8 +20004,8 @@
         </p:nvSpPr>
         <p:spPr bwMode="auto">
           <a:xfrm>
-            <a:off x="2095472" y="3270232"/>
-            <a:ext cx="1928826" cy="400110"/>
+            <a:off x="2287270" y="3281045"/>
+            <a:ext cx="1544955" cy="398780"/>
           </a:xfrm>
           <a:prstGeom prst="rect">
             <a:avLst/>
@@ -20024,7 +20040,7 @@
                 <a:latin typeface="Arial" panose="020B0604020202020204" pitchFamily="34" charset="0"/>
                 <a:ea typeface="宋体" pitchFamily="2" charset="-122"/>
               </a:rPr>
-              <a:t>工作队列：</a:t>
+              <a:t>工作队列</a:t>
             </a:r>
             <a:endParaRPr kumimoji="0" lang="zh-CN" altLang="zh-CN" sz="2000" b="1" strike="noStrike" cap="none" normalizeH="0" baseline="0" dirty="0" smtClean="0">
               <a:ln>

--- a/2022秋季-数据结构-第4章-树a.pptx
+++ b/2022秋季-数据结构-第4章-树a.pptx
@@ -8,7 +8,7 @@
     <p:notesMasterId r:id="rId4"/>
   </p:notesMasterIdLst>
   <p:handoutMasterIdLst>
-    <p:handoutMasterId r:id="rId22"/>
+    <p:handoutMasterId r:id="rId25"/>
   </p:handoutMasterIdLst>
   <p:sldIdLst>
     <p:sldId id="256" r:id="rId3"/>
@@ -29,6 +29,9 @@
     <p:sldId id="348" r:id="rId19"/>
     <p:sldId id="349" r:id="rId20"/>
     <p:sldId id="350" r:id="rId21"/>
+    <p:sldId id="351" r:id="rId22"/>
+    <p:sldId id="352" r:id="rId23"/>
+    <p:sldId id="353" r:id="rId24"/>
   </p:sldIdLst>
   <p:sldSz cx="12192000" cy="6858000"/>
   <p:notesSz cx="7103745" cy="10234295"/>
@@ -127,7 +130,7 @@
       </a:defRPr>
     </a:lvl9pPr>
   </p:defaultTextStyle>
-  <p:modifyVerifier cryptProviderType="rsaFull" cryptAlgorithmClass="hash" cryptAlgorithmType="typeAny" cryptAlgorithmSid="4" spinCount="100000" saltData="Jp381XAhRtGGPRZ9BrSRhw==" hashData="NhGsKuthjya045Mhe4XiutVSSgI="/>
+  <p:modifyVerifier cryptProviderType="rsaFull" cryptAlgorithmClass="hash" cryptAlgorithmType="typeAny" cryptAlgorithmSid="4" spinCount="100000" saltData="2c6qWBAkBhg7XsB5Weo5Ng==" hashData="SB7OfufB9V9blZFBU86aHYMzfsQ="/>
 </p:presentation>
 </file>
 
@@ -23748,6 +23751,1317 @@
 </p:sld>
 </file>
 
+<file path=ppt/slides/slide19.xml><?xml version="1.0" encoding="utf-8"?>
+<p:sld xmlns:a="http://schemas.openxmlformats.org/drawingml/2006/main" xmlns:r="http://schemas.openxmlformats.org/officeDocument/2006/relationships" xmlns:p="http://schemas.openxmlformats.org/presentationml/2006/main">
+  <p:cSld>
+    <p:spTree>
+      <p:nvGrpSpPr>
+        <p:cNvPr id="1" name=""/>
+        <p:cNvGrpSpPr/>
+        <p:nvPr/>
+      </p:nvGrpSpPr>
+      <p:grpSpPr/>
+      <p:sp>
+        <p:nvSpPr>
+          <p:cNvPr id="2" name="标题 1"/>
+          <p:cNvSpPr>
+            <a:spLocks noGrp="1"/>
+          </p:cNvSpPr>
+          <p:nvPr>
+            <p:ph type="title"/>
+          </p:nvPr>
+        </p:nvSpPr>
+        <p:spPr/>
+        <p:txBody>
+          <a:bodyPr/>
+          <a:p>
+            <a:r>
+              <a:rPr lang="zh-CN" altLang="en-US"/>
+              <a:t>由两种遍历序列确定二叉树</a:t>
+            </a:r>
+            <a:endParaRPr lang="zh-CN" altLang="en-US"/>
+          </a:p>
+        </p:txBody>
+      </p:sp>
+      <p:sp>
+        <p:nvSpPr>
+          <p:cNvPr id="8" name="AutoShape 6"/>
+          <p:cNvSpPr>
+            <a:spLocks noChangeArrowheads="1"/>
+          </p:cNvSpPr>
+          <p:nvPr/>
+        </p:nvSpPr>
+        <p:spPr bwMode="auto">
+          <a:xfrm>
+            <a:off x="4683431" y="2373618"/>
+            <a:ext cx="5857916" cy="1643074"/>
+          </a:xfrm>
+          <a:prstGeom prst="cloudCallout">
+            <a:avLst>
+              <a:gd name="adj1" fmla="val -45255"/>
+              <a:gd name="adj2" fmla="val -98002"/>
+            </a:avLst>
+          </a:prstGeom>
+          <a:noFill/>
+          <a:ln w="9525">
+            <a:solidFill>
+              <a:schemeClr val="tx1"/>
+            </a:solidFill>
+            <a:round/>
+          </a:ln>
+        </p:spPr>
+        <p:txBody>
+          <a:bodyPr wrap="none"/>
+          <a:p>
+            <a:pPr algn="ctr"/>
+            <a:r>
+              <a:rPr lang="zh-CN" altLang="en-US" sz="2000" b="1" dirty="0" smtClean="0"/>
+              <a:t>已知三种遍历中的</a:t>
+            </a:r>
+            <a:r>
+              <a:rPr lang="zh-CN" altLang="en-US" sz="2000" b="1" dirty="0" smtClean="0">
+                <a:solidFill>
+                  <a:srgbClr val="0000FF"/>
+                </a:solidFill>
+              </a:rPr>
+              <a:t>任意两种</a:t>
+            </a:r>
+            <a:r>
+              <a:rPr lang="zh-CN" altLang="en-US" sz="2000" b="1" dirty="0" smtClean="0"/>
+              <a:t>遍历序列，</a:t>
+            </a:r>
+            <a:endParaRPr lang="en-US" altLang="zh-CN" sz="2000" b="1" dirty="0" smtClean="0"/>
+          </a:p>
+          <a:p>
+            <a:pPr algn="ctr"/>
+            <a:r>
+              <a:rPr lang="zh-CN" altLang="en-US" sz="2000" b="1" dirty="0" smtClean="0"/>
+              <a:t>能否</a:t>
+            </a:r>
+            <a:r>
+              <a:rPr lang="zh-CN" altLang="en-US" sz="2000" b="1" dirty="0" smtClean="0">
+                <a:solidFill>
+                  <a:srgbClr val="0000FF"/>
+                </a:solidFill>
+              </a:rPr>
+              <a:t>唯一确定</a:t>
+            </a:r>
+            <a:r>
+              <a:rPr lang="zh-CN" altLang="en-US" sz="2000" b="1" dirty="0" smtClean="0"/>
+              <a:t>一棵二叉树呢？</a:t>
+            </a:r>
+            <a:endParaRPr lang="zh-CN" altLang="en-US" sz="2000" b="1" dirty="0">
+              <a:latin typeface="Times New Roman" panose="02020603050405020304" pitchFamily="18" charset="0"/>
+            </a:endParaRPr>
+          </a:p>
+        </p:txBody>
+      </p:sp>
+      <p:sp>
+        <p:nvSpPr>
+          <p:cNvPr id="36" name="AutoShape 6"/>
+          <p:cNvSpPr>
+            <a:spLocks noChangeArrowheads="1"/>
+          </p:cNvSpPr>
+          <p:nvPr/>
+        </p:nvSpPr>
+        <p:spPr bwMode="auto">
+          <a:xfrm>
+            <a:off x="2325977" y="2230742"/>
+            <a:ext cx="4572032" cy="1357322"/>
+          </a:xfrm>
+          <a:prstGeom prst="cloudCallout">
+            <a:avLst>
+              <a:gd name="adj1" fmla="val 3948"/>
+              <a:gd name="adj2" fmla="val -74807"/>
+            </a:avLst>
+          </a:prstGeom>
+          <a:noFill/>
+          <a:ln w="9525">
+            <a:solidFill>
+              <a:schemeClr val="tx1"/>
+            </a:solidFill>
+            <a:round/>
+          </a:ln>
+        </p:spPr>
+        <p:txBody>
+          <a:bodyPr wrap="none"/>
+          <a:p>
+            <a:pPr algn="ctr"/>
+            <a:r>
+              <a:rPr lang="zh-CN" altLang="en-US" sz="2000" b="1" dirty="0" smtClean="0">
+                <a:solidFill>
+                  <a:srgbClr val="0000FF"/>
+                </a:solidFill>
+              </a:rPr>
+              <a:t>答案是：</a:t>
+            </a:r>
+            <a:endParaRPr lang="en-US" altLang="zh-CN" sz="2000" b="1" dirty="0" smtClean="0">
+              <a:solidFill>
+                <a:srgbClr val="0000FF"/>
+              </a:solidFill>
+            </a:endParaRPr>
+          </a:p>
+          <a:p>
+            <a:pPr algn="ctr"/>
+            <a:r>
+              <a:rPr lang="zh-CN" altLang="en-US" sz="2000" b="1" dirty="0" smtClean="0"/>
+              <a:t>必须要有</a:t>
+            </a:r>
+            <a:r>
+              <a:rPr lang="zh-CN" altLang="en-US" sz="2000" b="1" dirty="0" smtClean="0">
+                <a:solidFill>
+                  <a:srgbClr val="0000FF"/>
+                </a:solidFill>
+              </a:rPr>
+              <a:t>中序遍历</a:t>
+            </a:r>
+            <a:r>
+              <a:rPr lang="zh-CN" altLang="en-US" sz="2000" b="1" dirty="0" smtClean="0"/>
+              <a:t>才行！</a:t>
+            </a:r>
+            <a:endParaRPr lang="zh-CN" altLang="en-US" sz="2000" b="1" dirty="0">
+              <a:latin typeface="Times New Roman" panose="02020603050405020304" pitchFamily="18" charset="0"/>
+            </a:endParaRPr>
+          </a:p>
+        </p:txBody>
+      </p:sp>
+      <p:sp>
+        <p:nvSpPr>
+          <p:cNvPr id="37" name="矩形 36"/>
+          <p:cNvSpPr/>
+          <p:nvPr/>
+        </p:nvSpPr>
+        <p:spPr>
+          <a:xfrm>
+            <a:off x="2826043" y="4588196"/>
+            <a:ext cx="3286148" cy="1015663"/>
+          </a:xfrm>
+          <a:prstGeom prst="rect">
+            <a:avLst/>
+          </a:prstGeom>
+        </p:spPr>
+        <p:txBody>
+          <a:bodyPr wrap="square">
+            <a:spAutoFit/>
+          </a:bodyPr>
+          <a:p>
+            <a:r>
+              <a:rPr lang="en-US" altLang="zh-CN" sz="2000" b="1" dirty="0" smtClean="0">
+                <a:solidFill>
+                  <a:schemeClr val="hlink"/>
+                </a:solidFill>
+                <a:sym typeface="Wingdings" panose="05000000000000000000" pitchFamily="2" charset="2"/>
+              </a:rPr>
+              <a:t> </a:t>
+            </a:r>
+            <a:r>
+              <a:rPr lang="zh-CN" altLang="en-US" sz="2000" b="1" dirty="0" smtClean="0">
+                <a:sym typeface="Wingdings" panose="05000000000000000000" pitchFamily="2" charset="2"/>
+              </a:rPr>
+              <a:t>没有</a:t>
+            </a:r>
+            <a:r>
+              <a:rPr lang="zh-CN" altLang="en-US" sz="2000" b="1" dirty="0" smtClean="0">
+                <a:solidFill>
+                  <a:srgbClr val="0000FF"/>
+                </a:solidFill>
+                <a:sym typeface="Wingdings" panose="05000000000000000000" pitchFamily="2" charset="2"/>
+              </a:rPr>
+              <a:t>中序</a:t>
+            </a:r>
+            <a:r>
+              <a:rPr lang="zh-CN" altLang="en-US" sz="2000" b="1" dirty="0" smtClean="0">
+                <a:sym typeface="Wingdings" panose="05000000000000000000" pitchFamily="2" charset="2"/>
+              </a:rPr>
+              <a:t>的困扰：</a:t>
+            </a:r>
+            <a:endParaRPr lang="en-US" altLang="zh-CN" sz="2000" b="1" dirty="0" smtClean="0"/>
+          </a:p>
+          <a:p>
+            <a:r>
+              <a:rPr lang="en-US" altLang="zh-CN" sz="2000" b="1" dirty="0" smtClean="0">
+                <a:solidFill>
+                  <a:srgbClr val="0000FF"/>
+                </a:solidFill>
+                <a:sym typeface="Wingdings" panose="05000000000000000000" pitchFamily="2" charset="2"/>
+              </a:rPr>
+              <a:t> </a:t>
+            </a:r>
+            <a:r>
+              <a:rPr lang="zh-CN" altLang="en-US" sz="2000" b="1" dirty="0" smtClean="0">
+                <a:solidFill>
+                  <a:srgbClr val="0000FF"/>
+                </a:solidFill>
+              </a:rPr>
+              <a:t>先序</a:t>
+            </a:r>
+            <a:r>
+              <a:rPr lang="zh-CN" altLang="en-US" sz="2000" b="1" dirty="0" smtClean="0"/>
+              <a:t>遍历序列：</a:t>
+            </a:r>
+            <a:r>
+              <a:rPr lang="en-US" altLang="zh-CN" sz="2000" b="1" dirty="0" smtClean="0"/>
+              <a:t>A  B</a:t>
+            </a:r>
+            <a:endParaRPr lang="en-US" altLang="zh-CN" sz="2000" b="1" dirty="0" smtClean="0"/>
+          </a:p>
+          <a:p>
+            <a:r>
+              <a:rPr lang="en-US" altLang="zh-CN" sz="2000" b="1" dirty="0" smtClean="0">
+                <a:solidFill>
+                  <a:srgbClr val="0000FF"/>
+                </a:solidFill>
+                <a:sym typeface="Wingdings" panose="05000000000000000000" pitchFamily="2" charset="2"/>
+              </a:rPr>
+              <a:t> </a:t>
+            </a:r>
+            <a:r>
+              <a:rPr lang="zh-CN" altLang="en-US" sz="2000" b="1" dirty="0" smtClean="0">
+                <a:solidFill>
+                  <a:srgbClr val="0000FF"/>
+                </a:solidFill>
+              </a:rPr>
+              <a:t>后序</a:t>
+            </a:r>
+            <a:r>
+              <a:rPr lang="zh-CN" altLang="en-US" sz="2000" b="1" dirty="0" smtClean="0"/>
+              <a:t>遍历序列：</a:t>
+            </a:r>
+            <a:r>
+              <a:rPr lang="en-US" altLang="zh-CN" sz="2000" b="1" dirty="0" smtClean="0"/>
+              <a:t>B  A</a:t>
+            </a:r>
+            <a:endParaRPr lang="zh-CN" altLang="en-US" sz="2000" dirty="0"/>
+          </a:p>
+        </p:txBody>
+      </p:sp>
+      <p:grpSp>
+        <p:nvGrpSpPr>
+          <p:cNvPr id="53" name="组合 52"/>
+          <p:cNvGrpSpPr/>
+          <p:nvPr/>
+        </p:nvGrpSpPr>
+        <p:grpSpPr>
+          <a:xfrm>
+            <a:off x="6826571" y="4819350"/>
+            <a:ext cx="750019" cy="768978"/>
+            <a:chOff x="5143504" y="4017344"/>
+            <a:chExt cx="750019" cy="768978"/>
+          </a:xfrm>
+        </p:grpSpPr>
+        <p:sp>
+          <p:nvSpPr>
+            <p:cNvPr id="39" name="Text Box 40"/>
+            <p:cNvSpPr txBox="1">
+              <a:spLocks noChangeArrowheads="1"/>
+            </p:cNvSpPr>
+            <p:nvPr/>
+          </p:nvSpPr>
+          <p:spPr bwMode="auto">
+            <a:xfrm>
+              <a:off x="5185445" y="4574295"/>
+              <a:ext cx="206911" cy="199098"/>
+            </a:xfrm>
+            <a:prstGeom prst="rect">
+              <a:avLst/>
+            </a:prstGeom>
+            <a:solidFill>
+              <a:srgbClr val="FFFFFF"/>
+            </a:solidFill>
+            <a:ln w="9525">
+              <a:noFill/>
+              <a:miter lim="800000"/>
+            </a:ln>
+          </p:spPr>
+          <p:txBody>
+            <a:bodyPr vert="horz" wrap="square" lIns="0" tIns="0" rIns="0" bIns="0" numCol="1" anchor="t" anchorCtr="0" compatLnSpc="1"/>
+            <a:p>
+              <a:pPr marL="0" marR="0" lvl="0" indent="0" algn="ctr" defTabSz="914400" rtl="0" eaLnBrk="1" fontAlgn="base" latinLnBrk="0" hangingPunct="1">
+                <a:lnSpc>
+                  <a:spcPct val="80000"/>
+                </a:lnSpc>
+                <a:spcBef>
+                  <a:spcPct val="0"/>
+                </a:spcBef>
+                <a:spcAft>
+                  <a:spcPct val="0"/>
+                </a:spcAft>
+                <a:buClrTx/>
+                <a:buSzTx/>
+                <a:buFontTx/>
+                <a:buNone/>
+              </a:pPr>
+              <a:r>
+                <a:rPr kumimoji="0" lang="en-US" altLang="zh-CN" sz="1600" b="1" i="0" u="none" strike="noStrike" cap="none" normalizeH="0" baseline="0" smtClean="0">
+                  <a:ln>
+                    <a:noFill/>
+                  </a:ln>
+                  <a:solidFill>
+                    <a:schemeClr val="tx1"/>
+                  </a:solidFill>
+                  <a:effectLst/>
+                  <a:latin typeface="Arial" panose="020B0604020202020204" pitchFamily="34" charset="0"/>
+                  <a:ea typeface="宋体" pitchFamily="2" charset="-122"/>
+                </a:rPr>
+                <a:t>B</a:t>
+              </a:r>
+              <a:endParaRPr kumimoji="0" lang="zh-CN" altLang="zh-CN" sz="1600" b="1" i="0" u="none" strike="noStrike" cap="none" normalizeH="0" baseline="0" smtClean="0">
+                <a:ln>
+                  <a:noFill/>
+                </a:ln>
+                <a:solidFill>
+                  <a:schemeClr val="tx1"/>
+                </a:solidFill>
+                <a:effectLst/>
+                <a:latin typeface="Arial" panose="020B0604020202020204" pitchFamily="34" charset="0"/>
+                <a:ea typeface="宋体" pitchFamily="2" charset="-122"/>
+              </a:endParaRPr>
+            </a:p>
+          </p:txBody>
+        </p:sp>
+        <p:sp>
+          <p:nvSpPr>
+            <p:cNvPr id="40" name="Oval 45"/>
+            <p:cNvSpPr>
+              <a:spLocks noChangeArrowheads="1"/>
+            </p:cNvSpPr>
+            <p:nvPr/>
+          </p:nvSpPr>
+          <p:spPr bwMode="auto">
+            <a:xfrm>
+              <a:off x="5143504" y="4517410"/>
+              <a:ext cx="290794" cy="268912"/>
+            </a:xfrm>
+            <a:prstGeom prst="ellipse">
+              <a:avLst/>
+            </a:prstGeom>
+            <a:solidFill>
+              <a:srgbClr val="FFFFFF">
+                <a:alpha val="0"/>
+              </a:srgbClr>
+            </a:solidFill>
+            <a:ln w="9525">
+              <a:solidFill>
+                <a:srgbClr val="000000"/>
+              </a:solidFill>
+              <a:round/>
+            </a:ln>
+          </p:spPr>
+          <p:txBody>
+            <a:bodyPr vert="horz" wrap="square" lIns="91440" tIns="45720" rIns="91440" bIns="45720" numCol="1" anchor="t" anchorCtr="0" compatLnSpc="1"/>
+            <a:p>
+              <a:endParaRPr lang="zh-CN" altLang="en-US" sz="1600" b="1"/>
+            </a:p>
+          </p:txBody>
+        </p:sp>
+        <p:sp>
+          <p:nvSpPr>
+            <p:cNvPr id="42" name="Line 48"/>
+            <p:cNvSpPr>
+              <a:spLocks noChangeShapeType="1"/>
+            </p:cNvSpPr>
+            <p:nvPr/>
+          </p:nvSpPr>
+          <p:spPr bwMode="auto">
+            <a:xfrm flipH="1">
+              <a:off x="5328046" y="4258841"/>
+              <a:ext cx="335531" cy="268912"/>
+            </a:xfrm>
+            <a:prstGeom prst="line">
+              <a:avLst/>
+            </a:prstGeom>
+            <a:noFill/>
+            <a:ln w="9525">
+              <a:solidFill>
+                <a:srgbClr val="000000"/>
+              </a:solidFill>
+              <a:round/>
+            </a:ln>
+          </p:spPr>
+          <p:txBody>
+            <a:bodyPr vert="horz" wrap="square" lIns="91440" tIns="45720" rIns="91440" bIns="45720" numCol="1" anchor="t" anchorCtr="0" compatLnSpc="1"/>
+            <a:p>
+              <a:endParaRPr lang="zh-CN" altLang="en-US" sz="1600" b="1"/>
+            </a:p>
+          </p:txBody>
+        </p:sp>
+        <p:sp>
+          <p:nvSpPr>
+            <p:cNvPr id="44" name="Oval 62"/>
+            <p:cNvSpPr>
+              <a:spLocks noChangeArrowheads="1"/>
+            </p:cNvSpPr>
+            <p:nvPr/>
+          </p:nvSpPr>
+          <p:spPr bwMode="auto">
+            <a:xfrm>
+              <a:off x="5602729" y="4017344"/>
+              <a:ext cx="290794" cy="268912"/>
+            </a:xfrm>
+            <a:prstGeom prst="ellipse">
+              <a:avLst/>
+            </a:prstGeom>
+            <a:solidFill>
+              <a:srgbClr val="FFFFFF"/>
+            </a:solidFill>
+            <a:ln w="9525">
+              <a:solidFill>
+                <a:srgbClr val="000000"/>
+              </a:solidFill>
+              <a:round/>
+            </a:ln>
+          </p:spPr>
+          <p:txBody>
+            <a:bodyPr vert="horz" wrap="square" lIns="91440" tIns="45720" rIns="91440" bIns="45720" numCol="1" anchor="t" anchorCtr="0" compatLnSpc="1"/>
+            <a:p>
+              <a:endParaRPr lang="zh-CN" altLang="en-US" sz="1600" b="1"/>
+            </a:p>
+          </p:txBody>
+        </p:sp>
+        <p:sp>
+          <p:nvSpPr>
+            <p:cNvPr id="45" name="Text Box 63"/>
+            <p:cNvSpPr txBox="1">
+              <a:spLocks noChangeArrowheads="1"/>
+            </p:cNvSpPr>
+            <p:nvPr/>
+          </p:nvSpPr>
+          <p:spPr bwMode="auto">
+            <a:xfrm>
+              <a:off x="5688742" y="4062328"/>
+              <a:ext cx="137009" cy="137042"/>
+            </a:xfrm>
+            <a:prstGeom prst="rect">
+              <a:avLst/>
+            </a:prstGeom>
+            <a:solidFill>
+              <a:srgbClr val="FFFFFF"/>
+            </a:solidFill>
+            <a:ln w="9525">
+              <a:noFill/>
+              <a:miter lim="800000"/>
+            </a:ln>
+          </p:spPr>
+          <p:txBody>
+            <a:bodyPr vert="horz" wrap="square" lIns="0" tIns="0" rIns="0" bIns="0" numCol="1" anchor="t" anchorCtr="0" compatLnSpc="1"/>
+            <a:p>
+              <a:pPr marL="0" marR="0" lvl="0" indent="0" algn="ctr" defTabSz="914400" rtl="0" eaLnBrk="1" fontAlgn="base" latinLnBrk="0" hangingPunct="1">
+                <a:lnSpc>
+                  <a:spcPct val="80000"/>
+                </a:lnSpc>
+                <a:spcBef>
+                  <a:spcPct val="0"/>
+                </a:spcBef>
+                <a:spcAft>
+                  <a:spcPct val="0"/>
+                </a:spcAft>
+                <a:buClrTx/>
+                <a:buSzTx/>
+                <a:buFontTx/>
+                <a:buNone/>
+              </a:pPr>
+              <a:r>
+                <a:rPr kumimoji="0" lang="en-US" altLang="zh-CN" sz="1600" b="1" i="0" u="none" strike="noStrike" cap="none" normalizeH="0" baseline="0" smtClean="0">
+                  <a:ln>
+                    <a:noFill/>
+                  </a:ln>
+                  <a:solidFill>
+                    <a:schemeClr val="tx1"/>
+                  </a:solidFill>
+                  <a:effectLst/>
+                  <a:latin typeface="Arial" panose="020B0604020202020204" pitchFamily="34" charset="0"/>
+                  <a:ea typeface="宋体" pitchFamily="2" charset="-122"/>
+                </a:rPr>
+                <a:t>A</a:t>
+              </a:r>
+              <a:endParaRPr kumimoji="0" lang="zh-CN" altLang="zh-CN" sz="1600" b="1" i="0" u="none" strike="noStrike" cap="none" normalizeH="0" baseline="0" smtClean="0">
+                <a:ln>
+                  <a:noFill/>
+                </a:ln>
+                <a:solidFill>
+                  <a:schemeClr val="tx1"/>
+                </a:solidFill>
+                <a:effectLst/>
+                <a:latin typeface="Arial" panose="020B0604020202020204" pitchFamily="34" charset="0"/>
+                <a:ea typeface="宋体" pitchFamily="2" charset="-122"/>
+              </a:endParaRPr>
+            </a:p>
+          </p:txBody>
+        </p:sp>
+      </p:grpSp>
+      <p:grpSp>
+        <p:nvGrpSpPr>
+          <p:cNvPr id="52" name="组合 51"/>
+          <p:cNvGrpSpPr/>
+          <p:nvPr/>
+        </p:nvGrpSpPr>
+        <p:grpSpPr>
+          <a:xfrm>
+            <a:off x="9107545" y="4873948"/>
+            <a:ext cx="790860" cy="714380"/>
+            <a:chOff x="7138726" y="4143380"/>
+            <a:chExt cx="790860" cy="714380"/>
+          </a:xfrm>
+        </p:grpSpPr>
+        <p:sp>
+          <p:nvSpPr>
+            <p:cNvPr id="46" name="Text Box 40"/>
+            <p:cNvSpPr txBox="1">
+              <a:spLocks noChangeArrowheads="1"/>
+            </p:cNvSpPr>
+            <p:nvPr/>
+          </p:nvSpPr>
+          <p:spPr bwMode="auto">
+            <a:xfrm>
+              <a:off x="7680733" y="4645733"/>
+              <a:ext cx="206911" cy="199098"/>
+            </a:xfrm>
+            <a:prstGeom prst="rect">
+              <a:avLst/>
+            </a:prstGeom>
+            <a:solidFill>
+              <a:srgbClr val="FFFFFF"/>
+            </a:solidFill>
+            <a:ln w="9525">
+              <a:noFill/>
+              <a:miter lim="800000"/>
+            </a:ln>
+          </p:spPr>
+          <p:txBody>
+            <a:bodyPr vert="horz" wrap="square" lIns="0" tIns="0" rIns="0" bIns="0" numCol="1" anchor="t" anchorCtr="0" compatLnSpc="1"/>
+            <a:p>
+              <a:pPr marL="0" marR="0" lvl="0" indent="0" algn="ctr" defTabSz="914400" rtl="0" eaLnBrk="1" fontAlgn="base" latinLnBrk="0" hangingPunct="1">
+                <a:lnSpc>
+                  <a:spcPct val="80000"/>
+                </a:lnSpc>
+                <a:spcBef>
+                  <a:spcPct val="0"/>
+                </a:spcBef>
+                <a:spcAft>
+                  <a:spcPct val="0"/>
+                </a:spcAft>
+                <a:buClrTx/>
+                <a:buSzTx/>
+                <a:buFontTx/>
+                <a:buNone/>
+              </a:pPr>
+              <a:r>
+                <a:rPr kumimoji="0" lang="en-US" altLang="zh-CN" sz="1600" b="1" i="0" u="none" strike="noStrike" cap="none" normalizeH="0" baseline="0" smtClean="0">
+                  <a:ln>
+                    <a:noFill/>
+                  </a:ln>
+                  <a:solidFill>
+                    <a:schemeClr val="tx1"/>
+                  </a:solidFill>
+                  <a:effectLst/>
+                  <a:latin typeface="Arial" panose="020B0604020202020204" pitchFamily="34" charset="0"/>
+                  <a:ea typeface="宋体" pitchFamily="2" charset="-122"/>
+                </a:rPr>
+                <a:t>B</a:t>
+              </a:r>
+              <a:endParaRPr kumimoji="0" lang="zh-CN" altLang="zh-CN" sz="1600" b="1" i="0" u="none" strike="noStrike" cap="none" normalizeH="0" baseline="0" smtClean="0">
+                <a:ln>
+                  <a:noFill/>
+                </a:ln>
+                <a:solidFill>
+                  <a:schemeClr val="tx1"/>
+                </a:solidFill>
+                <a:effectLst/>
+                <a:latin typeface="Arial" panose="020B0604020202020204" pitchFamily="34" charset="0"/>
+                <a:ea typeface="宋体" pitchFamily="2" charset="-122"/>
+              </a:endParaRPr>
+            </a:p>
+          </p:txBody>
+        </p:sp>
+        <p:sp>
+          <p:nvSpPr>
+            <p:cNvPr id="47" name="Oval 45"/>
+            <p:cNvSpPr>
+              <a:spLocks noChangeArrowheads="1"/>
+            </p:cNvSpPr>
+            <p:nvPr/>
+          </p:nvSpPr>
+          <p:spPr bwMode="auto">
+            <a:xfrm>
+              <a:off x="7638792" y="4588848"/>
+              <a:ext cx="290794" cy="268912"/>
+            </a:xfrm>
+            <a:prstGeom prst="ellipse">
+              <a:avLst/>
+            </a:prstGeom>
+            <a:solidFill>
+              <a:srgbClr val="FFFFFF">
+                <a:alpha val="0"/>
+              </a:srgbClr>
+            </a:solidFill>
+            <a:ln w="9525">
+              <a:solidFill>
+                <a:srgbClr val="000000"/>
+              </a:solidFill>
+              <a:round/>
+            </a:ln>
+          </p:spPr>
+          <p:txBody>
+            <a:bodyPr vert="horz" wrap="square" lIns="91440" tIns="45720" rIns="91440" bIns="45720" numCol="1" anchor="t" anchorCtr="0" compatLnSpc="1"/>
+            <a:p>
+              <a:endParaRPr lang="zh-CN" altLang="en-US" sz="1600" b="1"/>
+            </a:p>
+          </p:txBody>
+        </p:sp>
+        <p:sp>
+          <p:nvSpPr>
+            <p:cNvPr id="49" name="Oval 62"/>
+            <p:cNvSpPr>
+              <a:spLocks noChangeArrowheads="1"/>
+            </p:cNvSpPr>
+            <p:nvPr/>
+          </p:nvSpPr>
+          <p:spPr bwMode="auto">
+            <a:xfrm>
+              <a:off x="7138726" y="4143380"/>
+              <a:ext cx="290794" cy="268912"/>
+            </a:xfrm>
+            <a:prstGeom prst="ellipse">
+              <a:avLst/>
+            </a:prstGeom>
+            <a:solidFill>
+              <a:srgbClr val="FFFFFF"/>
+            </a:solidFill>
+            <a:ln w="9525">
+              <a:solidFill>
+                <a:srgbClr val="000000"/>
+              </a:solidFill>
+              <a:round/>
+            </a:ln>
+          </p:spPr>
+          <p:txBody>
+            <a:bodyPr vert="horz" wrap="square" lIns="91440" tIns="45720" rIns="91440" bIns="45720" numCol="1" anchor="t" anchorCtr="0" compatLnSpc="1"/>
+            <a:p>
+              <a:endParaRPr lang="zh-CN" altLang="en-US" sz="1600" b="1"/>
+            </a:p>
+          </p:txBody>
+        </p:sp>
+        <p:sp>
+          <p:nvSpPr>
+            <p:cNvPr id="50" name="Text Box 63"/>
+            <p:cNvSpPr txBox="1">
+              <a:spLocks noChangeArrowheads="1"/>
+            </p:cNvSpPr>
+            <p:nvPr/>
+          </p:nvSpPr>
+          <p:spPr bwMode="auto">
+            <a:xfrm>
+              <a:off x="7224739" y="4188364"/>
+              <a:ext cx="137009" cy="137042"/>
+            </a:xfrm>
+            <a:prstGeom prst="rect">
+              <a:avLst/>
+            </a:prstGeom>
+            <a:solidFill>
+              <a:srgbClr val="FFFFFF"/>
+            </a:solidFill>
+            <a:ln w="9525">
+              <a:noFill/>
+              <a:miter lim="800000"/>
+            </a:ln>
+          </p:spPr>
+          <p:txBody>
+            <a:bodyPr vert="horz" wrap="square" lIns="0" tIns="0" rIns="0" bIns="0" numCol="1" anchor="t" anchorCtr="0" compatLnSpc="1"/>
+            <a:p>
+              <a:pPr marL="0" marR="0" lvl="0" indent="0" algn="ctr" defTabSz="914400" rtl="0" eaLnBrk="1" fontAlgn="base" latinLnBrk="0" hangingPunct="1">
+                <a:lnSpc>
+                  <a:spcPct val="80000"/>
+                </a:lnSpc>
+                <a:spcBef>
+                  <a:spcPct val="0"/>
+                </a:spcBef>
+                <a:spcAft>
+                  <a:spcPct val="0"/>
+                </a:spcAft>
+                <a:buClrTx/>
+                <a:buSzTx/>
+                <a:buFontTx/>
+                <a:buNone/>
+              </a:pPr>
+              <a:r>
+                <a:rPr kumimoji="0" lang="en-US" altLang="zh-CN" sz="1600" b="1" i="0" u="none" strike="noStrike" cap="none" normalizeH="0" baseline="0" dirty="0" smtClean="0">
+                  <a:ln>
+                    <a:noFill/>
+                  </a:ln>
+                  <a:solidFill>
+                    <a:schemeClr val="tx1"/>
+                  </a:solidFill>
+                  <a:effectLst/>
+                  <a:latin typeface="Arial" panose="020B0604020202020204" pitchFamily="34" charset="0"/>
+                  <a:ea typeface="宋体" pitchFamily="2" charset="-122"/>
+                </a:rPr>
+                <a:t>A</a:t>
+              </a:r>
+              <a:endParaRPr kumimoji="0" lang="zh-CN" altLang="zh-CN" sz="1600" b="1" i="0" u="none" strike="noStrike" cap="none" normalizeH="0" baseline="0" dirty="0" smtClean="0">
+                <a:ln>
+                  <a:noFill/>
+                </a:ln>
+                <a:solidFill>
+                  <a:schemeClr val="tx1"/>
+                </a:solidFill>
+                <a:effectLst/>
+                <a:latin typeface="Arial" panose="020B0604020202020204" pitchFamily="34" charset="0"/>
+                <a:ea typeface="宋体" pitchFamily="2" charset="-122"/>
+              </a:endParaRPr>
+            </a:p>
+          </p:txBody>
+        </p:sp>
+        <p:sp>
+          <p:nvSpPr>
+            <p:cNvPr id="51" name="Line 47"/>
+            <p:cNvSpPr>
+              <a:spLocks noChangeShapeType="1"/>
+            </p:cNvSpPr>
+            <p:nvPr/>
+          </p:nvSpPr>
+          <p:spPr bwMode="auto">
+            <a:xfrm>
+              <a:off x="7400981" y="4410080"/>
+              <a:ext cx="292100" cy="216535"/>
+            </a:xfrm>
+            <a:prstGeom prst="line">
+              <a:avLst/>
+            </a:prstGeom>
+            <a:noFill/>
+            <a:ln w="9525">
+              <a:solidFill>
+                <a:srgbClr val="000000"/>
+              </a:solidFill>
+              <a:round/>
+            </a:ln>
+          </p:spPr>
+          <p:txBody>
+            <a:bodyPr vert="horz" wrap="square" lIns="91440" tIns="45720" rIns="91440" bIns="45720" numCol="1" anchor="t" anchorCtr="0" compatLnSpc="1"/>
+            <a:p>
+              <a:endParaRPr lang="zh-CN" altLang="en-US" sz="1600" b="1"/>
+            </a:p>
+          </p:txBody>
+        </p:sp>
+      </p:grpSp>
+      <p:sp>
+        <p:nvSpPr>
+          <p:cNvPr id="56" name="矩形 55"/>
+          <p:cNvSpPr/>
+          <p:nvPr/>
+        </p:nvSpPr>
+        <p:spPr>
+          <a:xfrm>
+            <a:off x="7898141" y="4802510"/>
+            <a:ext cx="880369" cy="923330"/>
+          </a:xfrm>
+          <a:prstGeom prst="rect">
+            <a:avLst/>
+          </a:prstGeom>
+          <a:noFill/>
+        </p:spPr>
+        <p:txBody>
+          <a:bodyPr wrap="none" lIns="91440" tIns="45720" rIns="91440" bIns="45720">
+            <a:spAutoFit/>
+          </a:bodyPr>
+          <a:p>
+            <a:pPr algn="ctr"/>
+            <a:r>
+              <a:rPr lang="zh-CN" altLang="en-US" sz="5400" b="1" i="1" cap="none" spc="0" dirty="0" smtClean="0">
+                <a:ln w="24500" cmpd="dbl">
+                  <a:solidFill>
+                    <a:schemeClr val="accent2">
+                      <a:shade val="85000"/>
+                      <a:satMod val="155000"/>
+                    </a:schemeClr>
+                  </a:solidFill>
+                  <a:prstDash val="solid"/>
+                  <a:miter lim="800000"/>
+                </a:ln>
+                <a:solidFill>
+                  <a:srgbClr val="FF0000"/>
+                </a:solidFill>
+                <a:effectLst>
+                  <a:outerShdw blurRad="38100" dist="38100" dir="7020000" algn="tl">
+                    <a:srgbClr val="000000">
+                      <a:alpha val="35000"/>
+                    </a:srgbClr>
+                  </a:outerShdw>
+                </a:effectLst>
+              </a:rPr>
+              <a:t>？</a:t>
+            </a:r>
+            <a:endParaRPr lang="zh-CN" altLang="en-US" sz="5400" b="1" i="1" cap="none" spc="0" dirty="0">
+              <a:ln w="24500" cmpd="dbl">
+                <a:solidFill>
+                  <a:schemeClr val="accent2">
+                    <a:shade val="85000"/>
+                    <a:satMod val="155000"/>
+                  </a:schemeClr>
+                </a:solidFill>
+                <a:prstDash val="solid"/>
+                <a:miter lim="800000"/>
+              </a:ln>
+              <a:solidFill>
+                <a:srgbClr val="FF0000"/>
+              </a:solidFill>
+              <a:effectLst>
+                <a:outerShdw blurRad="38100" dist="38100" dir="7020000" algn="tl">
+                  <a:srgbClr val="000000">
+                    <a:alpha val="35000"/>
+                  </a:srgbClr>
+                </a:outerShdw>
+              </a:effectLst>
+            </a:endParaRPr>
+          </a:p>
+        </p:txBody>
+      </p:sp>
+    </p:spTree>
+  </p:cSld>
+  <p:clrMapOvr>
+    <a:masterClrMapping/>
+  </p:clrMapOvr>
+  <p:timing>
+    <p:tnLst>
+      <p:par>
+        <p:cTn id="1" dur="indefinite" restart="never" nodeType="tmRoot">
+          <p:childTnLst>
+            <p:seq concurrent="1" nextAc="seek">
+              <p:cTn id="2" dur="indefinite" nodeType="mainSeq">
+                <p:childTnLst>
+                  <p:par>
+                    <p:cTn id="3" fill="hold">
+                      <p:stCondLst>
+                        <p:cond delay="indefinite"/>
+                      </p:stCondLst>
+                      <p:childTnLst>
+                        <p:par>
+                          <p:cTn id="4" fill="hold">
+                            <p:stCondLst>
+                              <p:cond delay="0"/>
+                            </p:stCondLst>
+                            <p:childTnLst>
+                              <p:par>
+                                <p:cTn id="5" presetID="22" presetClass="entr" presetSubtype="1" fill="hold" grpId="0" nodeType="clickEffect">
+                                  <p:stCondLst>
+                                    <p:cond delay="0"/>
+                                  </p:stCondLst>
+                                  <p:childTnLst>
+                                    <p:set>
+                                      <p:cBhvr>
+                                        <p:cTn id="6" dur="1" fill="hold">
+                                          <p:stCondLst>
+                                            <p:cond delay="0"/>
+                                          </p:stCondLst>
+                                        </p:cTn>
+                                        <p:tgtEl>
+                                          <p:spTgt spid="8"/>
+                                        </p:tgtEl>
+                                        <p:attrNameLst>
+                                          <p:attrName>style.visibility</p:attrName>
+                                        </p:attrNameLst>
+                                      </p:cBhvr>
+                                      <p:to>
+                                        <p:strVal val="visible"/>
+                                      </p:to>
+                                    </p:set>
+                                    <p:animEffect transition="in" filter="wipe(up)">
+                                      <p:cBhvr>
+                                        <p:cTn id="7" dur="500"/>
+                                        <p:tgtEl>
+                                          <p:spTgt spid="8"/>
+                                        </p:tgtEl>
+                                      </p:cBhvr>
+                                    </p:animEffect>
+                                  </p:childTnLst>
+                                </p:cTn>
+                              </p:par>
+                            </p:childTnLst>
+                          </p:cTn>
+                        </p:par>
+                      </p:childTnLst>
+                    </p:cTn>
+                  </p:par>
+                  <p:par>
+                    <p:cTn id="8" fill="hold">
+                      <p:stCondLst>
+                        <p:cond delay="indefinite"/>
+                      </p:stCondLst>
+                      <p:childTnLst>
+                        <p:par>
+                          <p:cTn id="9" fill="hold">
+                            <p:stCondLst>
+                              <p:cond delay="0"/>
+                            </p:stCondLst>
+                            <p:childTnLst>
+                              <p:par>
+                                <p:cTn id="10" presetID="5" presetClass="exit" presetSubtype="10" fill="hold" grpId="1" nodeType="clickEffect">
+                                  <p:stCondLst>
+                                    <p:cond delay="0"/>
+                                  </p:stCondLst>
+                                  <p:childTnLst>
+                                    <p:animEffect transition="out" filter="checkerboard(across)">
+                                      <p:cBhvr>
+                                        <p:cTn id="11" dur="500"/>
+                                        <p:tgtEl>
+                                          <p:spTgt spid="8"/>
+                                        </p:tgtEl>
+                                      </p:cBhvr>
+                                    </p:animEffect>
+                                    <p:set>
+                                      <p:cBhvr>
+                                        <p:cTn id="12" dur="1" fill="hold">
+                                          <p:stCondLst>
+                                            <p:cond delay="499"/>
+                                          </p:stCondLst>
+                                        </p:cTn>
+                                        <p:tgtEl>
+                                          <p:spTgt spid="8"/>
+                                        </p:tgtEl>
+                                        <p:attrNameLst>
+                                          <p:attrName>style.visibility</p:attrName>
+                                        </p:attrNameLst>
+                                      </p:cBhvr>
+                                      <p:to>
+                                        <p:strVal val="hidden"/>
+                                      </p:to>
+                                    </p:set>
+                                  </p:childTnLst>
+                                </p:cTn>
+                              </p:par>
+                            </p:childTnLst>
+                          </p:cTn>
+                        </p:par>
+                        <p:par>
+                          <p:cTn id="13" fill="hold">
+                            <p:stCondLst>
+                              <p:cond delay="500"/>
+                            </p:stCondLst>
+                            <p:childTnLst>
+                              <p:par>
+                                <p:cTn id="14" presetID="1" presetClass="entr" presetSubtype="0" fill="hold" grpId="2" nodeType="afterEffect">
+                                  <p:stCondLst>
+                                    <p:cond delay="0"/>
+                                  </p:stCondLst>
+                                  <p:childTnLst>
+                                    <p:set>
+                                      <p:cBhvr>
+                                        <p:cTn id="15" dur="1" fill="hold">
+                                          <p:stCondLst>
+                                            <p:cond delay="0"/>
+                                          </p:stCondLst>
+                                        </p:cTn>
+                                        <p:tgtEl>
+                                          <p:spTgt spid="36"/>
+                                        </p:tgtEl>
+                                        <p:attrNameLst>
+                                          <p:attrName>style.visibility</p:attrName>
+                                        </p:attrNameLst>
+                                      </p:cBhvr>
+                                      <p:to>
+                                        <p:strVal val="visible"/>
+                                      </p:to>
+                                    </p:set>
+                                  </p:childTnLst>
+                                </p:cTn>
+                              </p:par>
+                            </p:childTnLst>
+                          </p:cTn>
+                        </p:par>
+                        <p:par>
+                          <p:cTn id="16" fill="hold">
+                            <p:stCondLst>
+                              <p:cond delay="500"/>
+                            </p:stCondLst>
+                            <p:childTnLst>
+                              <p:par>
+                                <p:cTn id="17" presetID="6" presetClass="emph" presetSubtype="0" fill="hold" grpId="1" nodeType="afterEffect">
+                                  <p:stCondLst>
+                                    <p:cond delay="0"/>
+                                  </p:stCondLst>
+                                  <p:childTnLst>
+                                    <p:animScale>
+                                      <p:cBhvr>
+                                        <p:cTn id="18" dur="500" fill="hold"/>
+                                        <p:tgtEl>
+                                          <p:spTgt spid="36"/>
+                                        </p:tgtEl>
+                                      </p:cBhvr>
+                                      <p:by x="150000" y="150000"/>
+                                    </p:animScale>
+                                  </p:childTnLst>
+                                </p:cTn>
+                              </p:par>
+                            </p:childTnLst>
+                          </p:cTn>
+                        </p:par>
+                      </p:childTnLst>
+                    </p:cTn>
+                  </p:par>
+                  <p:par>
+                    <p:cTn id="19" fill="hold">
+                      <p:stCondLst>
+                        <p:cond delay="indefinite"/>
+                      </p:stCondLst>
+                      <p:childTnLst>
+                        <p:par>
+                          <p:cTn id="20" fill="hold">
+                            <p:stCondLst>
+                              <p:cond delay="0"/>
+                            </p:stCondLst>
+                            <p:childTnLst>
+                              <p:par>
+                                <p:cTn id="21" presetID="4" presetClass="entr" presetSubtype="16" fill="hold" grpId="0" nodeType="clickEffect">
+                                  <p:stCondLst>
+                                    <p:cond delay="0"/>
+                                  </p:stCondLst>
+                                  <p:childTnLst>
+                                    <p:set>
+                                      <p:cBhvr>
+                                        <p:cTn id="22" dur="1" fill="hold">
+                                          <p:stCondLst>
+                                            <p:cond delay="0"/>
+                                          </p:stCondLst>
+                                        </p:cTn>
+                                        <p:tgtEl>
+                                          <p:spTgt spid="37"/>
+                                        </p:tgtEl>
+                                        <p:attrNameLst>
+                                          <p:attrName>style.visibility</p:attrName>
+                                        </p:attrNameLst>
+                                      </p:cBhvr>
+                                      <p:to>
+                                        <p:strVal val="visible"/>
+                                      </p:to>
+                                    </p:set>
+                                    <p:animEffect transition="in" filter="box(in)">
+                                      <p:cBhvr>
+                                        <p:cTn id="23" dur="500"/>
+                                        <p:tgtEl>
+                                          <p:spTgt spid="37"/>
+                                        </p:tgtEl>
+                                      </p:cBhvr>
+                                    </p:animEffect>
+                                  </p:childTnLst>
+                                </p:cTn>
+                              </p:par>
+                            </p:childTnLst>
+                          </p:cTn>
+                        </p:par>
+                      </p:childTnLst>
+                    </p:cTn>
+                  </p:par>
+                  <p:par>
+                    <p:cTn id="24" fill="hold">
+                      <p:stCondLst>
+                        <p:cond delay="indefinite"/>
+                      </p:stCondLst>
+                      <p:childTnLst>
+                        <p:par>
+                          <p:cTn id="25" fill="hold">
+                            <p:stCondLst>
+                              <p:cond delay="0"/>
+                            </p:stCondLst>
+                            <p:childTnLst>
+                              <p:par>
+                                <p:cTn id="26" presetID="22" presetClass="entr" presetSubtype="1" fill="hold" nodeType="clickEffect">
+                                  <p:stCondLst>
+                                    <p:cond delay="0"/>
+                                  </p:stCondLst>
+                                  <p:childTnLst>
+                                    <p:set>
+                                      <p:cBhvr>
+                                        <p:cTn id="27" dur="1" fill="hold">
+                                          <p:stCondLst>
+                                            <p:cond delay="0"/>
+                                          </p:stCondLst>
+                                        </p:cTn>
+                                        <p:tgtEl>
+                                          <p:spTgt spid="53"/>
+                                        </p:tgtEl>
+                                        <p:attrNameLst>
+                                          <p:attrName>style.visibility</p:attrName>
+                                        </p:attrNameLst>
+                                      </p:cBhvr>
+                                      <p:to>
+                                        <p:strVal val="visible"/>
+                                      </p:to>
+                                    </p:set>
+                                    <p:animEffect transition="in" filter="wipe(up)">
+                                      <p:cBhvr>
+                                        <p:cTn id="28" dur="500"/>
+                                        <p:tgtEl>
+                                          <p:spTgt spid="53"/>
+                                        </p:tgtEl>
+                                      </p:cBhvr>
+                                    </p:animEffect>
+                                  </p:childTnLst>
+                                </p:cTn>
+                              </p:par>
+                            </p:childTnLst>
+                          </p:cTn>
+                        </p:par>
+                      </p:childTnLst>
+                    </p:cTn>
+                  </p:par>
+                  <p:par>
+                    <p:cTn id="29" fill="hold">
+                      <p:stCondLst>
+                        <p:cond delay="indefinite"/>
+                      </p:stCondLst>
+                      <p:childTnLst>
+                        <p:par>
+                          <p:cTn id="30" fill="hold">
+                            <p:stCondLst>
+                              <p:cond delay="0"/>
+                            </p:stCondLst>
+                            <p:childTnLst>
+                              <p:par>
+                                <p:cTn id="31" presetID="22" presetClass="entr" presetSubtype="1" fill="hold" nodeType="clickEffect">
+                                  <p:stCondLst>
+                                    <p:cond delay="0"/>
+                                  </p:stCondLst>
+                                  <p:childTnLst>
+                                    <p:set>
+                                      <p:cBhvr>
+                                        <p:cTn id="32" dur="1" fill="hold">
+                                          <p:stCondLst>
+                                            <p:cond delay="0"/>
+                                          </p:stCondLst>
+                                        </p:cTn>
+                                        <p:tgtEl>
+                                          <p:spTgt spid="52"/>
+                                        </p:tgtEl>
+                                        <p:attrNameLst>
+                                          <p:attrName>style.visibility</p:attrName>
+                                        </p:attrNameLst>
+                                      </p:cBhvr>
+                                      <p:to>
+                                        <p:strVal val="visible"/>
+                                      </p:to>
+                                    </p:set>
+                                    <p:animEffect transition="in" filter="wipe(up)">
+                                      <p:cBhvr>
+                                        <p:cTn id="33" dur="500"/>
+                                        <p:tgtEl>
+                                          <p:spTgt spid="52"/>
+                                        </p:tgtEl>
+                                      </p:cBhvr>
+                                    </p:animEffect>
+                                  </p:childTnLst>
+                                </p:cTn>
+                              </p:par>
+                            </p:childTnLst>
+                          </p:cTn>
+                        </p:par>
+                      </p:childTnLst>
+                    </p:cTn>
+                  </p:par>
+                  <p:par>
+                    <p:cTn id="34" fill="hold">
+                      <p:stCondLst>
+                        <p:cond delay="indefinite"/>
+                      </p:stCondLst>
+                      <p:childTnLst>
+                        <p:par>
+                          <p:cTn id="35" fill="hold">
+                            <p:stCondLst>
+                              <p:cond delay="0"/>
+                            </p:stCondLst>
+                            <p:childTnLst>
+                              <p:par>
+                                <p:cTn id="36" presetID="1" presetClass="entr" presetSubtype="0" fill="hold" grpId="0" nodeType="clickEffect">
+                                  <p:stCondLst>
+                                    <p:cond delay="0"/>
+                                  </p:stCondLst>
+                                  <p:childTnLst>
+                                    <p:set>
+                                      <p:cBhvr>
+                                        <p:cTn id="37" dur="1" fill="hold">
+                                          <p:stCondLst>
+                                            <p:cond delay="0"/>
+                                          </p:stCondLst>
+                                        </p:cTn>
+                                        <p:tgtEl>
+                                          <p:spTgt spid="56"/>
+                                        </p:tgtEl>
+                                        <p:attrNameLst>
+                                          <p:attrName>style.visibility</p:attrName>
+                                        </p:attrNameLst>
+                                      </p:cBhvr>
+                                      <p:to>
+                                        <p:strVal val="visible"/>
+                                      </p:to>
+                                    </p:set>
+                                  </p:childTnLst>
+                                </p:cTn>
+                              </p:par>
+                            </p:childTnLst>
+                          </p:cTn>
+                        </p:par>
+                        <p:par>
+                          <p:cTn id="38" fill="hold">
+                            <p:stCondLst>
+                              <p:cond delay="0"/>
+                            </p:stCondLst>
+                            <p:childTnLst>
+                              <p:par>
+                                <p:cTn id="39" presetID="6" presetClass="emph" presetSubtype="0" fill="hold" grpId="1" nodeType="afterEffect">
+                                  <p:stCondLst>
+                                    <p:cond delay="0"/>
+                                  </p:stCondLst>
+                                  <p:childTnLst>
+                                    <p:animScale>
+                                      <p:cBhvr>
+                                        <p:cTn id="40" dur="500" fill="hold"/>
+                                        <p:tgtEl>
+                                          <p:spTgt spid="56"/>
+                                        </p:tgtEl>
+                                      </p:cBhvr>
+                                      <p:by x="200000" y="200000"/>
+                                    </p:animScale>
+                                  </p:childTnLst>
+                                </p:cTn>
+                              </p:par>
+                            </p:childTnLst>
+                          </p:cTn>
+                        </p:par>
+                      </p:childTnLst>
+                    </p:cTn>
+                  </p:par>
+                </p:childTnLst>
+              </p:cTn>
+              <p:prevCondLst>
+                <p:cond evt="onPrev" delay="0">
+                  <p:tgtEl>
+                    <p:sldTgt/>
+                  </p:tgtEl>
+                </p:cond>
+              </p:prevCondLst>
+              <p:nextCondLst>
+                <p:cond evt="onNext" delay="0">
+                  <p:tgtEl>
+                    <p:sldTgt/>
+                  </p:tgtEl>
+                </p:cond>
+              </p:nextCondLst>
+            </p:seq>
+          </p:childTnLst>
+        </p:cTn>
+      </p:par>
+    </p:tnLst>
+    <p:bldLst>
+      <p:bldP spid="8" grpId="0" bldLvl="0" animBg="1"/>
+      <p:bldP spid="8" grpId="1" bldLvl="0" animBg="1"/>
+      <p:bldP spid="36" grpId="1" bldLvl="0" animBg="1"/>
+      <p:bldP spid="36" grpId="2" bldLvl="0" animBg="1"/>
+      <p:bldP spid="37" grpId="0"/>
+      <p:bldP spid="56" grpId="0"/>
+      <p:bldP spid="56" grpId="1"/>
+    </p:bldLst>
+  </p:timing>
+</p:sld>
+</file>
+
 <file path=ppt/slides/slide2.xml><?xml version="1.0" encoding="utf-8"?>
 <p:sld xmlns:a="http://schemas.openxmlformats.org/drawingml/2006/main" xmlns:r="http://schemas.openxmlformats.org/officeDocument/2006/relationships" xmlns:p="http://schemas.openxmlformats.org/presentationml/2006/main">
   <p:cSld>
@@ -23956,6 +25270,4461 @@
   <p:clrMapOvr>
     <a:masterClrMapping/>
   </p:clrMapOvr>
+</p:sld>
+</file>
+
+<file path=ppt/slides/slide20.xml><?xml version="1.0" encoding="utf-8"?>
+<p:sld xmlns:a="http://schemas.openxmlformats.org/drawingml/2006/main" xmlns:r="http://schemas.openxmlformats.org/officeDocument/2006/relationships" xmlns:p="http://schemas.openxmlformats.org/presentationml/2006/main">
+  <p:cSld>
+    <p:spTree>
+      <p:nvGrpSpPr>
+        <p:cNvPr id="1" name=""/>
+        <p:cNvGrpSpPr/>
+        <p:nvPr/>
+      </p:nvGrpSpPr>
+      <p:grpSpPr/>
+      <p:sp>
+        <p:nvSpPr>
+          <p:cNvPr id="2" name="标题 1"/>
+          <p:cNvSpPr>
+            <a:spLocks noGrp="1"/>
+          </p:cNvSpPr>
+          <p:nvPr>
+            <p:ph type="title"/>
+          </p:nvPr>
+        </p:nvSpPr>
+        <p:spPr/>
+        <p:txBody>
+          <a:bodyPr/>
+          <a:p>
+            <a:r>
+              <a:rPr lang="zh-CN" altLang="en-US"/>
+              <a:t>先序和中序遍历序列来确定一棵二叉树</a:t>
+            </a:r>
+            <a:endParaRPr lang="zh-CN" altLang="en-US"/>
+          </a:p>
+        </p:txBody>
+      </p:sp>
+      <p:grpSp>
+        <p:nvGrpSpPr>
+          <p:cNvPr id="99330" name="Group 2"/>
+          <p:cNvGrpSpPr/>
+          <p:nvPr/>
+        </p:nvGrpSpPr>
+        <p:grpSpPr bwMode="auto">
+          <a:xfrm>
+            <a:off x="2226283" y="1922464"/>
+            <a:ext cx="7358114" cy="2786082"/>
+            <a:chOff x="2340" y="2844"/>
+            <a:chExt cx="7020" cy="2496"/>
+          </a:xfrm>
+        </p:grpSpPr>
+        <p:sp>
+          <p:nvSpPr>
+            <p:cNvPr id="99331" name="Text Box 3"/>
+            <p:cNvSpPr txBox="1">
+              <a:spLocks noChangeArrowheads="1"/>
+            </p:cNvSpPr>
+            <p:nvPr/>
+          </p:nvSpPr>
+          <p:spPr bwMode="auto">
+            <a:xfrm>
+              <a:off x="3240" y="2844"/>
+              <a:ext cx="1440" cy="468"/>
+            </a:xfrm>
+            <a:prstGeom prst="rect">
+              <a:avLst/>
+            </a:prstGeom>
+            <a:noFill/>
+            <a:ln w="9525">
+              <a:noFill/>
+              <a:miter lim="800000"/>
+            </a:ln>
+          </p:spPr>
+          <p:txBody>
+            <a:bodyPr vert="horz" wrap="square" lIns="91440" tIns="45720" rIns="91440" bIns="45720" numCol="1" anchor="t" anchorCtr="0" compatLnSpc="1"/>
+            <a:p>
+              <a:pPr marL="0" marR="0" lvl="0" indent="0" algn="ctr" defTabSz="914400" rtl="0" eaLnBrk="1" fontAlgn="base" latinLnBrk="0" hangingPunct="1">
+                <a:lnSpc>
+                  <a:spcPct val="100000"/>
+                </a:lnSpc>
+                <a:spcBef>
+                  <a:spcPct val="0"/>
+                </a:spcBef>
+                <a:spcAft>
+                  <a:spcPct val="0"/>
+                </a:spcAft>
+                <a:buClrTx/>
+                <a:buSzTx/>
+                <a:buFontTx/>
+                <a:buNone/>
+              </a:pPr>
+              <a:r>
+                <a:rPr kumimoji="0" lang="zh-CN" altLang="en-US" sz="1600" b="1" i="0" u="none" strike="noStrike" cap="none" normalizeH="0" baseline="0" smtClean="0">
+                  <a:ln>
+                    <a:noFill/>
+                  </a:ln>
+                  <a:effectLst/>
+                  <a:latin typeface="Calibri" charset="0"/>
+                  <a:ea typeface="宋体" pitchFamily="2" charset="-122"/>
+                </a:rPr>
+                <a:t>先序序列</a:t>
+              </a:r>
+              <a:endParaRPr kumimoji="0" lang="zh-CN" sz="1600" b="1" i="0" u="none" strike="noStrike" cap="none" normalizeH="0" baseline="0" smtClean="0">
+                <a:ln>
+                  <a:noFill/>
+                </a:ln>
+                <a:effectLst/>
+                <a:latin typeface="Arial" panose="020B0604020202020204" pitchFamily="34" charset="0"/>
+                <a:ea typeface="宋体" pitchFamily="2" charset="-122"/>
+              </a:endParaRPr>
+            </a:p>
+          </p:txBody>
+        </p:sp>
+        <p:sp>
+          <p:nvSpPr>
+            <p:cNvPr id="99332" name="Text Box 4"/>
+            <p:cNvSpPr txBox="1">
+              <a:spLocks noChangeArrowheads="1"/>
+            </p:cNvSpPr>
+            <p:nvPr/>
+          </p:nvSpPr>
+          <p:spPr bwMode="auto">
+            <a:xfrm>
+              <a:off x="7200" y="2844"/>
+              <a:ext cx="1440" cy="468"/>
+            </a:xfrm>
+            <a:prstGeom prst="rect">
+              <a:avLst/>
+            </a:prstGeom>
+            <a:noFill/>
+            <a:ln w="9525">
+              <a:noFill/>
+              <a:miter lim="800000"/>
+            </a:ln>
+          </p:spPr>
+          <p:txBody>
+            <a:bodyPr vert="horz" wrap="square" lIns="91440" tIns="45720" rIns="91440" bIns="45720" numCol="1" anchor="t" anchorCtr="0" compatLnSpc="1"/>
+            <a:p>
+              <a:pPr marL="0" marR="0" lvl="0" indent="0" algn="ctr" defTabSz="914400" rtl="0" eaLnBrk="1" fontAlgn="base" latinLnBrk="0" hangingPunct="1">
+                <a:lnSpc>
+                  <a:spcPct val="100000"/>
+                </a:lnSpc>
+                <a:spcBef>
+                  <a:spcPct val="0"/>
+                </a:spcBef>
+                <a:spcAft>
+                  <a:spcPct val="0"/>
+                </a:spcAft>
+                <a:buClrTx/>
+                <a:buSzTx/>
+                <a:buFontTx/>
+                <a:buNone/>
+              </a:pPr>
+              <a:r>
+                <a:rPr kumimoji="0" lang="zh-CN" altLang="en-US" sz="1600" b="1" i="0" u="none" strike="noStrike" cap="none" normalizeH="0" baseline="0" smtClean="0">
+                  <a:ln>
+                    <a:noFill/>
+                  </a:ln>
+                  <a:effectLst/>
+                  <a:latin typeface="Calibri" charset="0"/>
+                  <a:ea typeface="宋体" pitchFamily="2" charset="-122"/>
+                </a:rPr>
+                <a:t>中序序列</a:t>
+              </a:r>
+              <a:endParaRPr kumimoji="0" lang="zh-CN" sz="1600" b="1" i="0" u="none" strike="noStrike" cap="none" normalizeH="0" baseline="0" smtClean="0">
+                <a:ln>
+                  <a:noFill/>
+                </a:ln>
+                <a:effectLst/>
+                <a:latin typeface="Arial" panose="020B0604020202020204" pitchFamily="34" charset="0"/>
+                <a:ea typeface="宋体" pitchFamily="2" charset="-122"/>
+              </a:endParaRPr>
+            </a:p>
+          </p:txBody>
+        </p:sp>
+        <p:sp>
+          <p:nvSpPr>
+            <p:cNvPr id="99333" name="Rectangle 5"/>
+            <p:cNvSpPr>
+              <a:spLocks noChangeArrowheads="1"/>
+            </p:cNvSpPr>
+            <p:nvPr/>
+          </p:nvSpPr>
+          <p:spPr bwMode="auto">
+            <a:xfrm>
+              <a:off x="2697" y="3468"/>
+              <a:ext cx="180" cy="156"/>
+            </a:xfrm>
+            <a:prstGeom prst="rect">
+              <a:avLst/>
+            </a:prstGeom>
+            <a:solidFill>
+              <a:srgbClr val="000000"/>
+            </a:solidFill>
+            <a:ln w="9525">
+              <a:solidFill>
+                <a:srgbClr val="000000"/>
+              </a:solidFill>
+              <a:miter lim="800000"/>
+            </a:ln>
+          </p:spPr>
+          <p:txBody>
+            <a:bodyPr vert="horz" wrap="square" lIns="91440" tIns="45720" rIns="91440" bIns="45720" numCol="1" anchor="t" anchorCtr="0" compatLnSpc="1"/>
+            <a:p>
+              <a:endParaRPr lang="zh-CN" altLang="en-US" sz="1600" b="1"/>
+            </a:p>
+          </p:txBody>
+        </p:sp>
+        <p:sp>
+          <p:nvSpPr>
+            <p:cNvPr id="99334" name="Rectangle 6" descr="10%"/>
+            <p:cNvSpPr>
+              <a:spLocks noChangeArrowheads="1"/>
+            </p:cNvSpPr>
+            <p:nvPr/>
+          </p:nvSpPr>
+          <p:spPr bwMode="auto">
+            <a:xfrm>
+              <a:off x="2880" y="3468"/>
+              <a:ext cx="900" cy="156"/>
+            </a:xfrm>
+            <a:prstGeom prst="rect">
+              <a:avLst/>
+            </a:prstGeom>
+            <a:pattFill prst="pct10">
+              <a:fgClr>
+                <a:srgbClr val="000000"/>
+              </a:fgClr>
+              <a:bgClr>
+                <a:srgbClr val="FFFFFF"/>
+              </a:bgClr>
+            </a:pattFill>
+            <a:ln w="9525">
+              <a:solidFill>
+                <a:srgbClr val="000000"/>
+              </a:solidFill>
+              <a:miter lim="800000"/>
+            </a:ln>
+          </p:spPr>
+          <p:txBody>
+            <a:bodyPr vert="horz" wrap="square" lIns="91440" tIns="45720" rIns="91440" bIns="45720" numCol="1" anchor="t" anchorCtr="0" compatLnSpc="1"/>
+            <a:p>
+              <a:endParaRPr lang="zh-CN" altLang="en-US" sz="1600" b="1"/>
+            </a:p>
+          </p:txBody>
+        </p:sp>
+        <p:sp>
+          <p:nvSpPr>
+            <p:cNvPr id="99335" name="Rectangle 7" descr="浅色下对角线"/>
+            <p:cNvSpPr>
+              <a:spLocks noChangeArrowheads="1"/>
+            </p:cNvSpPr>
+            <p:nvPr/>
+          </p:nvSpPr>
+          <p:spPr bwMode="auto">
+            <a:xfrm>
+              <a:off x="3780" y="3468"/>
+              <a:ext cx="1620" cy="156"/>
+            </a:xfrm>
+            <a:prstGeom prst="rect">
+              <a:avLst/>
+            </a:prstGeom>
+            <a:pattFill prst="ltDnDiag">
+              <a:fgClr>
+                <a:srgbClr val="000000"/>
+              </a:fgClr>
+              <a:bgClr>
+                <a:srgbClr val="FFFFFF"/>
+              </a:bgClr>
+            </a:pattFill>
+            <a:ln w="9525">
+              <a:solidFill>
+                <a:srgbClr val="000000"/>
+              </a:solidFill>
+              <a:miter lim="800000"/>
+            </a:ln>
+          </p:spPr>
+          <p:txBody>
+            <a:bodyPr vert="horz" wrap="square" lIns="91440" tIns="45720" rIns="91440" bIns="45720" numCol="1" anchor="t" anchorCtr="0" compatLnSpc="1"/>
+            <a:p>
+              <a:endParaRPr lang="zh-CN" altLang="en-US" sz="1600" b="1"/>
+            </a:p>
+          </p:txBody>
+        </p:sp>
+        <p:sp>
+          <p:nvSpPr>
+            <p:cNvPr id="99336" name="Line 8"/>
+            <p:cNvSpPr>
+              <a:spLocks noChangeShapeType="1"/>
+            </p:cNvSpPr>
+            <p:nvPr/>
+          </p:nvSpPr>
+          <p:spPr bwMode="auto">
+            <a:xfrm flipV="1">
+              <a:off x="2697" y="3627"/>
+              <a:ext cx="113" cy="624"/>
+            </a:xfrm>
+            <a:prstGeom prst="line">
+              <a:avLst/>
+            </a:prstGeom>
+            <a:noFill/>
+            <a:ln w="9525">
+              <a:solidFill>
+                <a:srgbClr val="000000"/>
+              </a:solidFill>
+              <a:round/>
+              <a:tailEnd type="triangle" w="med" len="med"/>
+            </a:ln>
+          </p:spPr>
+          <p:txBody>
+            <a:bodyPr vert="horz" wrap="square" lIns="91440" tIns="45720" rIns="91440" bIns="45720" numCol="1" anchor="t" anchorCtr="0" compatLnSpc="1"/>
+            <a:p>
+              <a:endParaRPr lang="zh-CN" altLang="en-US" sz="1600" b="1"/>
+            </a:p>
+          </p:txBody>
+        </p:sp>
+        <p:sp>
+          <p:nvSpPr>
+            <p:cNvPr id="99337" name="Text Box 9"/>
+            <p:cNvSpPr txBox="1">
+              <a:spLocks noChangeArrowheads="1"/>
+            </p:cNvSpPr>
+            <p:nvPr/>
+          </p:nvSpPr>
+          <p:spPr bwMode="auto">
+            <a:xfrm>
+              <a:off x="2340" y="4248"/>
+              <a:ext cx="540" cy="1092"/>
+            </a:xfrm>
+            <a:prstGeom prst="rect">
+              <a:avLst/>
+            </a:prstGeom>
+            <a:noFill/>
+            <a:ln w="9525">
+              <a:noFill/>
+              <a:miter lim="800000"/>
+            </a:ln>
+          </p:spPr>
+          <p:txBody>
+            <a:bodyPr vert="horz" wrap="square" lIns="91440" tIns="45720" rIns="91440" bIns="45720" numCol="1" anchor="t" anchorCtr="0" compatLnSpc="1"/>
+            <a:p>
+              <a:pPr marL="0" marR="0" lvl="0" indent="0" algn="just" defTabSz="914400" rtl="0" eaLnBrk="1" fontAlgn="base" latinLnBrk="0" hangingPunct="1">
+                <a:lnSpc>
+                  <a:spcPct val="100000"/>
+                </a:lnSpc>
+                <a:spcBef>
+                  <a:spcPct val="0"/>
+                </a:spcBef>
+                <a:spcAft>
+                  <a:spcPct val="0"/>
+                </a:spcAft>
+                <a:buClrTx/>
+                <a:buSzTx/>
+                <a:buFontTx/>
+                <a:buNone/>
+              </a:pPr>
+              <a:r>
+                <a:rPr kumimoji="0" lang="zh-CN" altLang="en-US" sz="1600" b="1" i="0" u="none" strike="noStrike" cap="none" normalizeH="0" baseline="0" smtClean="0">
+                  <a:ln>
+                    <a:noFill/>
+                  </a:ln>
+                  <a:effectLst/>
+                  <a:latin typeface="Calibri" charset="0"/>
+                  <a:ea typeface="宋体" pitchFamily="2" charset="-122"/>
+                </a:rPr>
+                <a:t>根结点</a:t>
+              </a:r>
+              <a:endParaRPr kumimoji="0" lang="zh-CN" sz="1600" b="1" i="0" u="none" strike="noStrike" cap="none" normalizeH="0" baseline="0" smtClean="0">
+                <a:ln>
+                  <a:noFill/>
+                </a:ln>
+                <a:effectLst/>
+                <a:latin typeface="Arial" panose="020B0604020202020204" pitchFamily="34" charset="0"/>
+                <a:ea typeface="宋体" pitchFamily="2" charset="-122"/>
+              </a:endParaRPr>
+            </a:p>
+          </p:txBody>
+        </p:sp>
+        <p:sp>
+          <p:nvSpPr>
+            <p:cNvPr id="99338" name="Line 10"/>
+            <p:cNvSpPr>
+              <a:spLocks noChangeShapeType="1"/>
+            </p:cNvSpPr>
+            <p:nvPr/>
+          </p:nvSpPr>
+          <p:spPr bwMode="auto">
+            <a:xfrm flipH="1" flipV="1">
+              <a:off x="3240" y="3624"/>
+              <a:ext cx="360" cy="624"/>
+            </a:xfrm>
+            <a:prstGeom prst="line">
+              <a:avLst/>
+            </a:prstGeom>
+            <a:noFill/>
+            <a:ln w="9525">
+              <a:solidFill>
+                <a:srgbClr val="000000"/>
+              </a:solidFill>
+              <a:round/>
+              <a:tailEnd type="triangle" w="med" len="med"/>
+            </a:ln>
+          </p:spPr>
+          <p:txBody>
+            <a:bodyPr vert="horz" wrap="square" lIns="91440" tIns="45720" rIns="91440" bIns="45720" numCol="1" anchor="t" anchorCtr="0" compatLnSpc="1"/>
+            <a:p>
+              <a:endParaRPr lang="zh-CN" altLang="en-US" sz="1600" b="1"/>
+            </a:p>
+          </p:txBody>
+        </p:sp>
+        <p:sp>
+          <p:nvSpPr>
+            <p:cNvPr id="99339" name="Line 11"/>
+            <p:cNvSpPr>
+              <a:spLocks noChangeShapeType="1"/>
+            </p:cNvSpPr>
+            <p:nvPr/>
+          </p:nvSpPr>
+          <p:spPr bwMode="auto">
+            <a:xfrm flipV="1">
+              <a:off x="4680" y="3624"/>
+              <a:ext cx="0" cy="624"/>
+            </a:xfrm>
+            <a:prstGeom prst="line">
+              <a:avLst/>
+            </a:prstGeom>
+            <a:noFill/>
+            <a:ln w="9525">
+              <a:solidFill>
+                <a:srgbClr val="000000"/>
+              </a:solidFill>
+              <a:round/>
+              <a:tailEnd type="triangle" w="med" len="med"/>
+            </a:ln>
+          </p:spPr>
+          <p:txBody>
+            <a:bodyPr vert="horz" wrap="square" lIns="91440" tIns="45720" rIns="91440" bIns="45720" numCol="1" anchor="t" anchorCtr="0" compatLnSpc="1"/>
+            <a:p>
+              <a:endParaRPr lang="zh-CN" altLang="en-US" sz="1600" b="1"/>
+            </a:p>
+          </p:txBody>
+        </p:sp>
+        <p:sp>
+          <p:nvSpPr>
+            <p:cNvPr id="99340" name="Text Box 12"/>
+            <p:cNvSpPr txBox="1">
+              <a:spLocks noChangeArrowheads="1"/>
+            </p:cNvSpPr>
+            <p:nvPr/>
+          </p:nvSpPr>
+          <p:spPr bwMode="auto">
+            <a:xfrm>
+              <a:off x="3420" y="4248"/>
+              <a:ext cx="540" cy="1092"/>
+            </a:xfrm>
+            <a:prstGeom prst="rect">
+              <a:avLst/>
+            </a:prstGeom>
+            <a:noFill/>
+            <a:ln w="9525">
+              <a:noFill/>
+              <a:miter lim="800000"/>
+            </a:ln>
+          </p:spPr>
+          <p:txBody>
+            <a:bodyPr vert="horz" wrap="square" lIns="91440" tIns="45720" rIns="91440" bIns="45720" numCol="1" anchor="t" anchorCtr="0" compatLnSpc="1"/>
+            <a:p>
+              <a:pPr marL="0" marR="0" lvl="0" indent="0" algn="just" defTabSz="914400" rtl="0" eaLnBrk="1" fontAlgn="base" latinLnBrk="0" hangingPunct="1">
+                <a:lnSpc>
+                  <a:spcPct val="100000"/>
+                </a:lnSpc>
+                <a:spcBef>
+                  <a:spcPct val="0"/>
+                </a:spcBef>
+                <a:spcAft>
+                  <a:spcPct val="0"/>
+                </a:spcAft>
+                <a:buClrTx/>
+                <a:buSzTx/>
+                <a:buFontTx/>
+                <a:buNone/>
+              </a:pPr>
+              <a:r>
+                <a:rPr kumimoji="0" lang="zh-CN" altLang="en-US" sz="1600" b="1" i="0" u="none" strike="noStrike" cap="none" normalizeH="0" baseline="0" smtClean="0">
+                  <a:ln>
+                    <a:noFill/>
+                  </a:ln>
+                  <a:effectLst/>
+                  <a:latin typeface="Calibri" charset="0"/>
+                  <a:ea typeface="宋体" pitchFamily="2" charset="-122"/>
+                </a:rPr>
+                <a:t>左子树</a:t>
+              </a:r>
+              <a:endParaRPr kumimoji="0" lang="zh-CN" sz="1600" b="1" i="0" u="none" strike="noStrike" cap="none" normalizeH="0" baseline="0" smtClean="0">
+                <a:ln>
+                  <a:noFill/>
+                </a:ln>
+                <a:effectLst/>
+                <a:latin typeface="Arial" panose="020B0604020202020204" pitchFamily="34" charset="0"/>
+                <a:ea typeface="宋体" pitchFamily="2" charset="-122"/>
+              </a:endParaRPr>
+            </a:p>
+          </p:txBody>
+        </p:sp>
+        <p:sp>
+          <p:nvSpPr>
+            <p:cNvPr id="99341" name="Text Box 13"/>
+            <p:cNvSpPr txBox="1">
+              <a:spLocks noChangeArrowheads="1"/>
+            </p:cNvSpPr>
+            <p:nvPr/>
+          </p:nvSpPr>
+          <p:spPr bwMode="auto">
+            <a:xfrm>
+              <a:off x="4500" y="4248"/>
+              <a:ext cx="540" cy="1092"/>
+            </a:xfrm>
+            <a:prstGeom prst="rect">
+              <a:avLst/>
+            </a:prstGeom>
+            <a:noFill/>
+            <a:ln w="9525">
+              <a:noFill/>
+              <a:miter lim="800000"/>
+            </a:ln>
+          </p:spPr>
+          <p:txBody>
+            <a:bodyPr vert="horz" wrap="square" lIns="91440" tIns="45720" rIns="91440" bIns="45720" numCol="1" anchor="t" anchorCtr="0" compatLnSpc="1"/>
+            <a:p>
+              <a:pPr marL="0" marR="0" lvl="0" indent="0" algn="just" defTabSz="914400" rtl="0" eaLnBrk="1" fontAlgn="base" latinLnBrk="0" hangingPunct="1">
+                <a:lnSpc>
+                  <a:spcPct val="100000"/>
+                </a:lnSpc>
+                <a:spcBef>
+                  <a:spcPct val="0"/>
+                </a:spcBef>
+                <a:spcAft>
+                  <a:spcPct val="0"/>
+                </a:spcAft>
+                <a:buClrTx/>
+                <a:buSzTx/>
+                <a:buFontTx/>
+                <a:buNone/>
+              </a:pPr>
+              <a:r>
+                <a:rPr kumimoji="0" lang="zh-CN" altLang="en-US" sz="1600" b="1" i="0" u="none" strike="noStrike" cap="none" normalizeH="0" baseline="0" smtClean="0">
+                  <a:ln>
+                    <a:noFill/>
+                  </a:ln>
+                  <a:effectLst/>
+                  <a:latin typeface="Calibri" charset="0"/>
+                  <a:ea typeface="宋体" pitchFamily="2" charset="-122"/>
+                </a:rPr>
+                <a:t>右子树</a:t>
+              </a:r>
+              <a:endParaRPr kumimoji="0" lang="zh-CN" sz="1600" b="1" i="0" u="none" strike="noStrike" cap="none" normalizeH="0" baseline="0" smtClean="0">
+                <a:ln>
+                  <a:noFill/>
+                </a:ln>
+                <a:effectLst/>
+                <a:latin typeface="Arial" panose="020B0604020202020204" pitchFamily="34" charset="0"/>
+                <a:ea typeface="宋体" pitchFamily="2" charset="-122"/>
+              </a:endParaRPr>
+            </a:p>
+          </p:txBody>
+        </p:sp>
+        <p:sp>
+          <p:nvSpPr>
+            <p:cNvPr id="99342" name="Rectangle 14"/>
+            <p:cNvSpPr>
+              <a:spLocks noChangeArrowheads="1"/>
+            </p:cNvSpPr>
+            <p:nvPr/>
+          </p:nvSpPr>
+          <p:spPr bwMode="auto">
+            <a:xfrm>
+              <a:off x="7560" y="3468"/>
+              <a:ext cx="180" cy="156"/>
+            </a:xfrm>
+            <a:prstGeom prst="rect">
+              <a:avLst/>
+            </a:prstGeom>
+            <a:solidFill>
+              <a:srgbClr val="000000"/>
+            </a:solidFill>
+            <a:ln w="9525">
+              <a:solidFill>
+                <a:srgbClr val="000000"/>
+              </a:solidFill>
+              <a:miter lim="800000"/>
+            </a:ln>
+          </p:spPr>
+          <p:txBody>
+            <a:bodyPr vert="horz" wrap="square" lIns="91440" tIns="45720" rIns="91440" bIns="45720" numCol="1" anchor="t" anchorCtr="0" compatLnSpc="1"/>
+            <a:p>
+              <a:endParaRPr lang="zh-CN" altLang="en-US" sz="1600" b="1"/>
+            </a:p>
+          </p:txBody>
+        </p:sp>
+        <p:sp>
+          <p:nvSpPr>
+            <p:cNvPr id="99343" name="Rectangle 15" descr="10%"/>
+            <p:cNvSpPr>
+              <a:spLocks noChangeArrowheads="1"/>
+            </p:cNvSpPr>
+            <p:nvPr/>
+          </p:nvSpPr>
+          <p:spPr bwMode="auto">
+            <a:xfrm>
+              <a:off x="6660" y="3468"/>
+              <a:ext cx="900" cy="156"/>
+            </a:xfrm>
+            <a:prstGeom prst="rect">
+              <a:avLst/>
+            </a:prstGeom>
+            <a:pattFill prst="pct10">
+              <a:fgClr>
+                <a:srgbClr val="000000"/>
+              </a:fgClr>
+              <a:bgClr>
+                <a:srgbClr val="FFFFFF"/>
+              </a:bgClr>
+            </a:pattFill>
+            <a:ln w="9525">
+              <a:solidFill>
+                <a:srgbClr val="000000"/>
+              </a:solidFill>
+              <a:miter lim="800000"/>
+            </a:ln>
+          </p:spPr>
+          <p:txBody>
+            <a:bodyPr vert="horz" wrap="square" lIns="91440" tIns="45720" rIns="91440" bIns="45720" numCol="1" anchor="t" anchorCtr="0" compatLnSpc="1"/>
+            <a:p>
+              <a:endParaRPr lang="zh-CN" altLang="en-US" sz="1600" b="1"/>
+            </a:p>
+          </p:txBody>
+        </p:sp>
+        <p:sp>
+          <p:nvSpPr>
+            <p:cNvPr id="99344" name="Rectangle 16" descr="浅色下对角线"/>
+            <p:cNvSpPr>
+              <a:spLocks noChangeArrowheads="1"/>
+            </p:cNvSpPr>
+            <p:nvPr/>
+          </p:nvSpPr>
+          <p:spPr bwMode="auto">
+            <a:xfrm>
+              <a:off x="7740" y="3468"/>
+              <a:ext cx="1620" cy="156"/>
+            </a:xfrm>
+            <a:prstGeom prst="rect">
+              <a:avLst/>
+            </a:prstGeom>
+            <a:pattFill prst="ltDnDiag">
+              <a:fgClr>
+                <a:srgbClr val="000000"/>
+              </a:fgClr>
+              <a:bgClr>
+                <a:srgbClr val="FFFFFF"/>
+              </a:bgClr>
+            </a:pattFill>
+            <a:ln w="9525">
+              <a:solidFill>
+                <a:srgbClr val="000000"/>
+              </a:solidFill>
+              <a:miter lim="800000"/>
+            </a:ln>
+          </p:spPr>
+          <p:txBody>
+            <a:bodyPr vert="horz" wrap="square" lIns="91440" tIns="45720" rIns="91440" bIns="45720" numCol="1" anchor="t" anchorCtr="0" compatLnSpc="1"/>
+            <a:p>
+              <a:endParaRPr lang="zh-CN" altLang="en-US" sz="1600" b="1"/>
+            </a:p>
+          </p:txBody>
+        </p:sp>
+        <p:sp>
+          <p:nvSpPr>
+            <p:cNvPr id="99345" name="Line 17"/>
+            <p:cNvSpPr>
+              <a:spLocks noChangeShapeType="1"/>
+            </p:cNvSpPr>
+            <p:nvPr/>
+          </p:nvSpPr>
+          <p:spPr bwMode="auto">
+            <a:xfrm flipV="1">
+              <a:off x="7560" y="3624"/>
+              <a:ext cx="113" cy="624"/>
+            </a:xfrm>
+            <a:prstGeom prst="line">
+              <a:avLst/>
+            </a:prstGeom>
+            <a:noFill/>
+            <a:ln w="9525">
+              <a:solidFill>
+                <a:srgbClr val="000000"/>
+              </a:solidFill>
+              <a:round/>
+              <a:tailEnd type="triangle" w="med" len="med"/>
+            </a:ln>
+          </p:spPr>
+          <p:txBody>
+            <a:bodyPr vert="horz" wrap="square" lIns="91440" tIns="45720" rIns="91440" bIns="45720" numCol="1" anchor="t" anchorCtr="0" compatLnSpc="1"/>
+            <a:p>
+              <a:endParaRPr lang="zh-CN" altLang="en-US" sz="1600" b="1"/>
+            </a:p>
+          </p:txBody>
+        </p:sp>
+        <p:sp>
+          <p:nvSpPr>
+            <p:cNvPr id="99346" name="Text Box 18"/>
+            <p:cNvSpPr txBox="1">
+              <a:spLocks noChangeArrowheads="1"/>
+            </p:cNvSpPr>
+            <p:nvPr/>
+          </p:nvSpPr>
+          <p:spPr bwMode="auto">
+            <a:xfrm>
+              <a:off x="7200" y="4248"/>
+              <a:ext cx="540" cy="1092"/>
+            </a:xfrm>
+            <a:prstGeom prst="rect">
+              <a:avLst/>
+            </a:prstGeom>
+            <a:noFill/>
+            <a:ln w="9525">
+              <a:noFill/>
+              <a:miter lim="800000"/>
+            </a:ln>
+          </p:spPr>
+          <p:txBody>
+            <a:bodyPr vert="horz" wrap="square" lIns="91440" tIns="45720" rIns="91440" bIns="45720" numCol="1" anchor="t" anchorCtr="0" compatLnSpc="1"/>
+            <a:p>
+              <a:pPr marL="0" marR="0" lvl="0" indent="0" algn="just" defTabSz="914400" rtl="0" eaLnBrk="1" fontAlgn="base" latinLnBrk="0" hangingPunct="1">
+                <a:lnSpc>
+                  <a:spcPct val="100000"/>
+                </a:lnSpc>
+                <a:spcBef>
+                  <a:spcPct val="0"/>
+                </a:spcBef>
+                <a:spcAft>
+                  <a:spcPct val="0"/>
+                </a:spcAft>
+                <a:buClrTx/>
+                <a:buSzTx/>
+                <a:buFontTx/>
+                <a:buNone/>
+              </a:pPr>
+              <a:r>
+                <a:rPr kumimoji="0" lang="zh-CN" altLang="en-US" sz="1600" b="1" i="0" u="none" strike="noStrike" cap="none" normalizeH="0" baseline="0" smtClean="0">
+                  <a:ln>
+                    <a:noFill/>
+                  </a:ln>
+                  <a:effectLst/>
+                  <a:latin typeface="Calibri" charset="0"/>
+                  <a:ea typeface="宋体" pitchFamily="2" charset="-122"/>
+                </a:rPr>
+                <a:t>根结点</a:t>
+              </a:r>
+              <a:endParaRPr kumimoji="0" lang="zh-CN" sz="1600" b="1" i="0" u="none" strike="noStrike" cap="none" normalizeH="0" baseline="0" smtClean="0">
+                <a:ln>
+                  <a:noFill/>
+                </a:ln>
+                <a:effectLst/>
+                <a:latin typeface="Arial" panose="020B0604020202020204" pitchFamily="34" charset="0"/>
+                <a:ea typeface="宋体" pitchFamily="2" charset="-122"/>
+              </a:endParaRPr>
+            </a:p>
+          </p:txBody>
+        </p:sp>
+        <p:sp>
+          <p:nvSpPr>
+            <p:cNvPr id="99347" name="Line 19"/>
+            <p:cNvSpPr>
+              <a:spLocks noChangeShapeType="1"/>
+            </p:cNvSpPr>
+            <p:nvPr/>
+          </p:nvSpPr>
+          <p:spPr bwMode="auto">
+            <a:xfrm flipV="1">
+              <a:off x="7020" y="3624"/>
+              <a:ext cx="180" cy="624"/>
+            </a:xfrm>
+            <a:prstGeom prst="line">
+              <a:avLst/>
+            </a:prstGeom>
+            <a:noFill/>
+            <a:ln w="9525">
+              <a:solidFill>
+                <a:srgbClr val="000000"/>
+              </a:solidFill>
+              <a:round/>
+              <a:tailEnd type="triangle" w="med" len="med"/>
+            </a:ln>
+          </p:spPr>
+          <p:txBody>
+            <a:bodyPr vert="horz" wrap="square" lIns="91440" tIns="45720" rIns="91440" bIns="45720" numCol="1" anchor="t" anchorCtr="0" compatLnSpc="1"/>
+            <a:p>
+              <a:endParaRPr lang="zh-CN" altLang="en-US" sz="1600" b="1"/>
+            </a:p>
+          </p:txBody>
+        </p:sp>
+        <p:sp>
+          <p:nvSpPr>
+            <p:cNvPr id="99348" name="Line 20"/>
+            <p:cNvSpPr>
+              <a:spLocks noChangeShapeType="1"/>
+            </p:cNvSpPr>
+            <p:nvPr/>
+          </p:nvSpPr>
+          <p:spPr bwMode="auto">
+            <a:xfrm flipV="1">
+              <a:off x="8640" y="3624"/>
+              <a:ext cx="0" cy="624"/>
+            </a:xfrm>
+            <a:prstGeom prst="line">
+              <a:avLst/>
+            </a:prstGeom>
+            <a:noFill/>
+            <a:ln w="9525">
+              <a:solidFill>
+                <a:srgbClr val="000000"/>
+              </a:solidFill>
+              <a:round/>
+              <a:tailEnd type="triangle" w="med" len="med"/>
+            </a:ln>
+          </p:spPr>
+          <p:txBody>
+            <a:bodyPr vert="horz" wrap="square" lIns="91440" tIns="45720" rIns="91440" bIns="45720" numCol="1" anchor="t" anchorCtr="0" compatLnSpc="1"/>
+            <a:p>
+              <a:endParaRPr lang="zh-CN" altLang="en-US" sz="1600" b="1"/>
+            </a:p>
+          </p:txBody>
+        </p:sp>
+        <p:sp>
+          <p:nvSpPr>
+            <p:cNvPr id="99349" name="Text Box 21"/>
+            <p:cNvSpPr txBox="1">
+              <a:spLocks noChangeArrowheads="1"/>
+            </p:cNvSpPr>
+            <p:nvPr/>
+          </p:nvSpPr>
+          <p:spPr bwMode="auto">
+            <a:xfrm>
+              <a:off x="6660" y="4248"/>
+              <a:ext cx="540" cy="1092"/>
+            </a:xfrm>
+            <a:prstGeom prst="rect">
+              <a:avLst/>
+            </a:prstGeom>
+            <a:noFill/>
+            <a:ln w="9525">
+              <a:noFill/>
+              <a:miter lim="800000"/>
+            </a:ln>
+          </p:spPr>
+          <p:txBody>
+            <a:bodyPr vert="horz" wrap="square" lIns="91440" tIns="45720" rIns="91440" bIns="45720" numCol="1" anchor="t" anchorCtr="0" compatLnSpc="1"/>
+            <a:p>
+              <a:pPr marL="0" marR="0" lvl="0" indent="0" algn="just" defTabSz="914400" rtl="0" eaLnBrk="1" fontAlgn="base" latinLnBrk="0" hangingPunct="1">
+                <a:lnSpc>
+                  <a:spcPct val="100000"/>
+                </a:lnSpc>
+                <a:spcBef>
+                  <a:spcPct val="0"/>
+                </a:spcBef>
+                <a:spcAft>
+                  <a:spcPct val="0"/>
+                </a:spcAft>
+                <a:buClrTx/>
+                <a:buSzTx/>
+                <a:buFontTx/>
+                <a:buNone/>
+              </a:pPr>
+              <a:r>
+                <a:rPr kumimoji="0" lang="zh-CN" altLang="en-US" sz="1600" b="1" i="0" u="none" strike="noStrike" cap="none" normalizeH="0" baseline="0" smtClean="0">
+                  <a:ln>
+                    <a:noFill/>
+                  </a:ln>
+                  <a:effectLst/>
+                  <a:latin typeface="Calibri" charset="0"/>
+                  <a:ea typeface="宋体" pitchFamily="2" charset="-122"/>
+                </a:rPr>
+                <a:t>左子树</a:t>
+              </a:r>
+              <a:endParaRPr kumimoji="0" lang="zh-CN" sz="1600" b="1" i="0" u="none" strike="noStrike" cap="none" normalizeH="0" baseline="0" smtClean="0">
+                <a:ln>
+                  <a:noFill/>
+                </a:ln>
+                <a:effectLst/>
+                <a:latin typeface="Arial" panose="020B0604020202020204" pitchFamily="34" charset="0"/>
+                <a:ea typeface="宋体" pitchFamily="2" charset="-122"/>
+              </a:endParaRPr>
+            </a:p>
+          </p:txBody>
+        </p:sp>
+        <p:sp>
+          <p:nvSpPr>
+            <p:cNvPr id="99350" name="Text Box 22"/>
+            <p:cNvSpPr txBox="1">
+              <a:spLocks noChangeArrowheads="1"/>
+            </p:cNvSpPr>
+            <p:nvPr/>
+          </p:nvSpPr>
+          <p:spPr bwMode="auto">
+            <a:xfrm>
+              <a:off x="8460" y="4248"/>
+              <a:ext cx="540" cy="1092"/>
+            </a:xfrm>
+            <a:prstGeom prst="rect">
+              <a:avLst/>
+            </a:prstGeom>
+            <a:noFill/>
+            <a:ln w="9525">
+              <a:noFill/>
+              <a:miter lim="800000"/>
+            </a:ln>
+          </p:spPr>
+          <p:txBody>
+            <a:bodyPr vert="horz" wrap="square" lIns="91440" tIns="45720" rIns="91440" bIns="45720" numCol="1" anchor="t" anchorCtr="0" compatLnSpc="1"/>
+            <a:p>
+              <a:pPr marL="0" marR="0" lvl="0" indent="0" algn="just" defTabSz="914400" rtl="0" eaLnBrk="1" fontAlgn="base" latinLnBrk="0" hangingPunct="1">
+                <a:lnSpc>
+                  <a:spcPct val="100000"/>
+                </a:lnSpc>
+                <a:spcBef>
+                  <a:spcPct val="0"/>
+                </a:spcBef>
+                <a:spcAft>
+                  <a:spcPct val="0"/>
+                </a:spcAft>
+                <a:buClrTx/>
+                <a:buSzTx/>
+                <a:buFontTx/>
+                <a:buNone/>
+              </a:pPr>
+              <a:r>
+                <a:rPr kumimoji="0" lang="zh-CN" altLang="en-US" sz="1600" b="1" i="0" u="none" strike="noStrike" cap="none" normalizeH="0" baseline="0" smtClean="0">
+                  <a:ln>
+                    <a:noFill/>
+                  </a:ln>
+                  <a:effectLst/>
+                  <a:latin typeface="Calibri" charset="0"/>
+                  <a:ea typeface="宋体" pitchFamily="2" charset="-122"/>
+                </a:rPr>
+                <a:t>右子树</a:t>
+              </a:r>
+              <a:endParaRPr kumimoji="0" lang="zh-CN" sz="1600" b="1" i="0" u="none" strike="noStrike" cap="none" normalizeH="0" baseline="0" smtClean="0">
+                <a:ln>
+                  <a:noFill/>
+                </a:ln>
+                <a:effectLst/>
+                <a:latin typeface="Arial" panose="020B0604020202020204" pitchFamily="34" charset="0"/>
+                <a:ea typeface="宋体" pitchFamily="2" charset="-122"/>
+              </a:endParaRPr>
+            </a:p>
+          </p:txBody>
+        </p:sp>
+      </p:grpSp>
+    </p:spTree>
+  </p:cSld>
+  <p:clrMapOvr>
+    <a:masterClrMapping/>
+  </p:clrMapOvr>
+  <p:timing>
+    <p:tnLst>
+      <p:par>
+        <p:cTn id="1" dur="indefinite" restart="never" nodeType="tmRoot"/>
+      </p:par>
+    </p:tnLst>
+  </p:timing>
+</p:sld>
+</file>
+
+<file path=ppt/slides/slide21.xml><?xml version="1.0" encoding="utf-8"?>
+<p:sld xmlns:a="http://schemas.openxmlformats.org/drawingml/2006/main" xmlns:r="http://schemas.openxmlformats.org/officeDocument/2006/relationships" xmlns:p="http://schemas.openxmlformats.org/presentationml/2006/main">
+  <p:cSld>
+    <p:spTree>
+      <p:nvGrpSpPr>
+        <p:cNvPr id="1" name=""/>
+        <p:cNvGrpSpPr/>
+        <p:nvPr/>
+      </p:nvGrpSpPr>
+      <p:grpSpPr/>
+      <p:sp>
+        <p:nvSpPr>
+          <p:cNvPr id="2" name="标题 1"/>
+          <p:cNvSpPr>
+            <a:spLocks noGrp="1"/>
+          </p:cNvSpPr>
+          <p:nvPr>
+            <p:ph type="title"/>
+          </p:nvPr>
+        </p:nvSpPr>
+        <p:spPr/>
+        <p:txBody>
+          <a:bodyPr/>
+          <a:p>
+            <a:r>
+              <a:rPr lang="zh-CN" altLang="en-US"/>
+              <a:t>示</a:t>
+            </a:r>
+            <a:r>
+              <a:rPr lang="zh-CN" altLang="en-US"/>
+              <a:t>例</a:t>
+            </a:r>
+            <a:endParaRPr lang="zh-CN" altLang="en-US"/>
+          </a:p>
+        </p:txBody>
+      </p:sp>
+      <p:sp>
+        <p:nvSpPr>
+          <p:cNvPr id="4" name="矩形 3"/>
+          <p:cNvSpPr/>
+          <p:nvPr/>
+        </p:nvSpPr>
+        <p:spPr>
+          <a:xfrm>
+            <a:off x="5587637" y="2069767"/>
+            <a:ext cx="1285884" cy="400110"/>
+          </a:xfrm>
+          <a:prstGeom prst="rect">
+            <a:avLst/>
+          </a:prstGeom>
+        </p:spPr>
+        <p:txBody>
+          <a:bodyPr wrap="square">
+            <a:spAutoFit/>
+          </a:bodyPr>
+          <a:p>
+            <a:r>
+              <a:rPr lang="en-US" sz="2000" b="1" dirty="0" smtClean="0"/>
+              <a:t>c  b  e  d</a:t>
+            </a:r>
+            <a:endParaRPr lang="zh-CN" altLang="en-US" sz="2000" b="1" dirty="0"/>
+          </a:p>
+        </p:txBody>
+      </p:sp>
+      <p:sp>
+        <p:nvSpPr>
+          <p:cNvPr id="5" name="矩形 4"/>
+          <p:cNvSpPr/>
+          <p:nvPr/>
+        </p:nvSpPr>
+        <p:spPr>
+          <a:xfrm>
+            <a:off x="5376854" y="1641139"/>
+            <a:ext cx="312906" cy="400110"/>
+          </a:xfrm>
+          <a:prstGeom prst="rect">
+            <a:avLst/>
+          </a:prstGeom>
+        </p:spPr>
+        <p:txBody>
+          <a:bodyPr wrap="none">
+            <a:spAutoFit/>
+          </a:bodyPr>
+          <a:p>
+            <a:r>
+              <a:rPr lang="en-US" sz="2000" b="1" dirty="0" smtClean="0"/>
+              <a:t>a</a:t>
+            </a:r>
+            <a:endParaRPr lang="zh-CN" altLang="en-US" sz="2000" dirty="0"/>
+          </a:p>
+        </p:txBody>
+      </p:sp>
+      <p:sp>
+        <p:nvSpPr>
+          <p:cNvPr id="6" name="矩形 5"/>
+          <p:cNvSpPr/>
+          <p:nvPr/>
+        </p:nvSpPr>
+        <p:spPr>
+          <a:xfrm>
+            <a:off x="5873389" y="1641139"/>
+            <a:ext cx="1082348" cy="400110"/>
+          </a:xfrm>
+          <a:prstGeom prst="rect">
+            <a:avLst/>
+          </a:prstGeom>
+        </p:spPr>
+        <p:txBody>
+          <a:bodyPr wrap="none">
+            <a:spAutoFit/>
+          </a:bodyPr>
+          <a:p>
+            <a:r>
+              <a:rPr lang="en-US" sz="2000" b="1" dirty="0" smtClean="0"/>
+              <a:t>b  c  d  e</a:t>
+            </a:r>
+            <a:endParaRPr lang="zh-CN" altLang="en-US" sz="2000" dirty="0"/>
+          </a:p>
+        </p:txBody>
+      </p:sp>
+      <p:sp>
+        <p:nvSpPr>
+          <p:cNvPr id="7" name="矩形 6"/>
+          <p:cNvSpPr/>
+          <p:nvPr/>
+        </p:nvSpPr>
+        <p:spPr>
+          <a:xfrm>
+            <a:off x="7404532" y="1641139"/>
+            <a:ext cx="1401346" cy="400110"/>
+          </a:xfrm>
+          <a:prstGeom prst="rect">
+            <a:avLst/>
+          </a:prstGeom>
+        </p:spPr>
+        <p:txBody>
+          <a:bodyPr wrap="none">
+            <a:spAutoFit/>
+          </a:bodyPr>
+          <a:p>
+            <a:r>
+              <a:rPr lang="en-US" sz="2000" b="1" dirty="0" smtClean="0"/>
+              <a:t>f   g  h  </a:t>
+            </a:r>
+            <a:r>
+              <a:rPr lang="en-US" sz="2000" b="1" dirty="0" err="1" smtClean="0"/>
+              <a:t>i</a:t>
+            </a:r>
+            <a:r>
+              <a:rPr lang="en-US" sz="2000" b="1" dirty="0" smtClean="0"/>
+              <a:t>   j </a:t>
+            </a:r>
+            <a:endParaRPr lang="zh-CN" altLang="en-US" sz="2000" dirty="0"/>
+          </a:p>
+        </p:txBody>
+      </p:sp>
+      <p:sp>
+        <p:nvSpPr>
+          <p:cNvPr id="8" name="矩形 7"/>
+          <p:cNvSpPr/>
+          <p:nvPr/>
+        </p:nvSpPr>
+        <p:spPr>
+          <a:xfrm>
+            <a:off x="7397214" y="2069767"/>
+            <a:ext cx="1337226" cy="400110"/>
+          </a:xfrm>
+          <a:prstGeom prst="rect">
+            <a:avLst/>
+          </a:prstGeom>
+        </p:spPr>
+        <p:txBody>
+          <a:bodyPr wrap="none">
+            <a:spAutoFit/>
+          </a:bodyPr>
+          <a:p>
+            <a:r>
+              <a:rPr lang="en-US" sz="2000" b="1" dirty="0" smtClean="0"/>
+              <a:t>h  g  </a:t>
+            </a:r>
+            <a:r>
+              <a:rPr lang="en-US" altLang="zh-CN" sz="2000" b="1" dirty="0" err="1" smtClean="0"/>
+              <a:t>i</a:t>
+            </a:r>
+            <a:r>
+              <a:rPr lang="en-US" sz="2000" b="1" dirty="0" smtClean="0"/>
+              <a:t>   j   f</a:t>
+            </a:r>
+            <a:endParaRPr lang="zh-CN" altLang="en-US" sz="2000" b="1" dirty="0"/>
+          </a:p>
+        </p:txBody>
+      </p:sp>
+      <p:sp>
+        <p:nvSpPr>
+          <p:cNvPr id="9" name="矩形 8"/>
+          <p:cNvSpPr/>
+          <p:nvPr/>
+        </p:nvSpPr>
+        <p:spPr>
+          <a:xfrm>
+            <a:off x="3730249" y="1641139"/>
+            <a:ext cx="1475084" cy="400110"/>
+          </a:xfrm>
+          <a:prstGeom prst="rect">
+            <a:avLst/>
+          </a:prstGeom>
+        </p:spPr>
+        <p:txBody>
+          <a:bodyPr wrap="none">
+            <a:spAutoFit/>
+          </a:bodyPr>
+          <a:p>
+            <a:r>
+              <a:rPr lang="zh-CN" altLang="en-US" sz="2000" b="1" dirty="0" smtClean="0"/>
+              <a:t>先序序列：</a:t>
+            </a:r>
+            <a:endParaRPr lang="zh-CN" altLang="en-US" sz="2000" b="1" dirty="0"/>
+          </a:p>
+        </p:txBody>
+      </p:sp>
+      <p:sp>
+        <p:nvSpPr>
+          <p:cNvPr id="10" name="矩形 9"/>
+          <p:cNvSpPr/>
+          <p:nvPr/>
+        </p:nvSpPr>
+        <p:spPr>
+          <a:xfrm>
+            <a:off x="3730249" y="2069767"/>
+            <a:ext cx="1475084" cy="400110"/>
+          </a:xfrm>
+          <a:prstGeom prst="rect">
+            <a:avLst/>
+          </a:prstGeom>
+        </p:spPr>
+        <p:txBody>
+          <a:bodyPr wrap="none">
+            <a:spAutoFit/>
+          </a:bodyPr>
+          <a:p>
+            <a:r>
+              <a:rPr lang="zh-CN" altLang="en-US" sz="2000" b="1" dirty="0" smtClean="0"/>
+              <a:t>中序序列：</a:t>
+            </a:r>
+            <a:endParaRPr lang="zh-CN" altLang="en-US" sz="2000" b="1" dirty="0"/>
+          </a:p>
+        </p:txBody>
+      </p:sp>
+      <p:sp>
+        <p:nvSpPr>
+          <p:cNvPr id="13" name="矩形 12"/>
+          <p:cNvSpPr/>
+          <p:nvPr/>
+        </p:nvSpPr>
+        <p:spPr>
+          <a:xfrm>
+            <a:off x="6805614" y="2069767"/>
+            <a:ext cx="312906" cy="400110"/>
+          </a:xfrm>
+          <a:prstGeom prst="rect">
+            <a:avLst/>
+          </a:prstGeom>
+        </p:spPr>
+        <p:txBody>
+          <a:bodyPr wrap="none">
+            <a:spAutoFit/>
+          </a:bodyPr>
+          <a:p>
+            <a:r>
+              <a:rPr lang="en-US" sz="2000" b="1" dirty="0" smtClean="0"/>
+              <a:t>a</a:t>
+            </a:r>
+            <a:endParaRPr lang="zh-CN" altLang="en-US" sz="2000" dirty="0"/>
+          </a:p>
+        </p:txBody>
+      </p:sp>
+      <p:grpSp>
+        <p:nvGrpSpPr>
+          <p:cNvPr id="37" name="组合 36"/>
+          <p:cNvGrpSpPr/>
+          <p:nvPr/>
+        </p:nvGrpSpPr>
+        <p:grpSpPr>
+          <a:xfrm>
+            <a:off x="5681228" y="3083862"/>
+            <a:ext cx="402592" cy="398195"/>
+            <a:chOff x="3661928" y="2000239"/>
+            <a:chExt cx="402592" cy="398195"/>
+          </a:xfrm>
+        </p:grpSpPr>
+        <p:sp>
+          <p:nvSpPr>
+            <p:cNvPr id="18" name="Oval 6"/>
+            <p:cNvSpPr>
+              <a:spLocks noChangeArrowheads="1"/>
+            </p:cNvSpPr>
+            <p:nvPr/>
+          </p:nvSpPr>
+          <p:spPr bwMode="auto">
+            <a:xfrm>
+              <a:off x="3661928" y="2000239"/>
+              <a:ext cx="402592" cy="398195"/>
+            </a:xfrm>
+            <a:prstGeom prst="ellipse">
+              <a:avLst/>
+            </a:prstGeom>
+            <a:solidFill>
+              <a:srgbClr val="FFFFFF"/>
+            </a:solidFill>
+            <a:ln w="9525">
+              <a:solidFill>
+                <a:srgbClr val="000000"/>
+              </a:solidFill>
+              <a:round/>
+            </a:ln>
+          </p:spPr>
+          <p:txBody>
+            <a:bodyPr vert="horz" wrap="square" lIns="91440" tIns="45720" rIns="91440" bIns="45720" numCol="1" anchor="t" anchorCtr="0" compatLnSpc="1"/>
+            <a:p>
+              <a:endParaRPr lang="zh-CN" altLang="en-US" b="1"/>
+            </a:p>
+          </p:txBody>
+        </p:sp>
+        <p:sp>
+          <p:nvSpPr>
+            <p:cNvPr id="19" name="Text Box 7"/>
+            <p:cNvSpPr txBox="1">
+              <a:spLocks noChangeArrowheads="1"/>
+            </p:cNvSpPr>
+            <p:nvPr/>
+          </p:nvSpPr>
+          <p:spPr bwMode="auto">
+            <a:xfrm>
+              <a:off x="3772409" y="2097496"/>
+              <a:ext cx="201931" cy="199725"/>
+            </a:xfrm>
+            <a:prstGeom prst="rect">
+              <a:avLst/>
+            </a:prstGeom>
+            <a:solidFill>
+              <a:srgbClr val="FFFFFF"/>
+            </a:solidFill>
+            <a:ln w="9525">
+              <a:noFill/>
+              <a:miter lim="800000"/>
+            </a:ln>
+          </p:spPr>
+          <p:txBody>
+            <a:bodyPr vert="horz" wrap="square" lIns="0" tIns="0" rIns="0" bIns="0" numCol="1" anchor="t" anchorCtr="0" compatLnSpc="1"/>
+            <a:p>
+              <a:pPr marL="0" marR="0" lvl="0" indent="0" algn="ctr" defTabSz="914400" rtl="0" eaLnBrk="1" fontAlgn="base" latinLnBrk="0" hangingPunct="1">
+                <a:lnSpc>
+                  <a:spcPct val="64000"/>
+                </a:lnSpc>
+                <a:spcBef>
+                  <a:spcPct val="0"/>
+                </a:spcBef>
+                <a:spcAft>
+                  <a:spcPct val="0"/>
+                </a:spcAft>
+                <a:buClrTx/>
+                <a:buSzTx/>
+                <a:buFontTx/>
+                <a:buNone/>
+              </a:pPr>
+              <a:r>
+                <a:rPr kumimoji="0" lang="en-US" altLang="zh-CN" b="1" i="0" u="none" strike="noStrike" cap="none" normalizeH="0" baseline="0" dirty="0" smtClean="0">
+                  <a:ln>
+                    <a:noFill/>
+                  </a:ln>
+                  <a:solidFill>
+                    <a:schemeClr val="tx1"/>
+                  </a:solidFill>
+                  <a:effectLst/>
+                  <a:latin typeface="Arial" panose="020B0604020202020204" pitchFamily="34" charset="0"/>
+                  <a:ea typeface="宋体" pitchFamily="2" charset="-122"/>
+                </a:rPr>
+                <a:t>a</a:t>
+              </a:r>
+              <a:endParaRPr kumimoji="0" lang="zh-CN" altLang="zh-CN" b="1" i="0" u="none" strike="noStrike" cap="none" normalizeH="0" baseline="0" dirty="0" smtClean="0">
+                <a:ln>
+                  <a:noFill/>
+                </a:ln>
+                <a:solidFill>
+                  <a:schemeClr val="tx1"/>
+                </a:solidFill>
+                <a:effectLst/>
+                <a:latin typeface="Arial" panose="020B0604020202020204" pitchFamily="34" charset="0"/>
+                <a:ea typeface="宋体" pitchFamily="2" charset="-122"/>
+              </a:endParaRPr>
+            </a:p>
+          </p:txBody>
+        </p:sp>
+      </p:grpSp>
+      <p:grpSp>
+        <p:nvGrpSpPr>
+          <p:cNvPr id="38" name="组合 37"/>
+          <p:cNvGrpSpPr/>
+          <p:nvPr/>
+        </p:nvGrpSpPr>
+        <p:grpSpPr>
+          <a:xfrm>
+            <a:off x="4662474" y="3441053"/>
+            <a:ext cx="1143008" cy="749104"/>
+            <a:chOff x="2643174" y="2357430"/>
+            <a:chExt cx="1143008" cy="749104"/>
+          </a:xfrm>
+        </p:grpSpPr>
+        <p:sp>
+          <p:nvSpPr>
+            <p:cNvPr id="17" name="Oval 5"/>
+            <p:cNvSpPr>
+              <a:spLocks noChangeArrowheads="1"/>
+            </p:cNvSpPr>
+            <p:nvPr/>
+          </p:nvSpPr>
+          <p:spPr bwMode="auto">
+            <a:xfrm>
+              <a:off x="2643174" y="2714620"/>
+              <a:ext cx="1143008" cy="391914"/>
+            </a:xfrm>
+            <a:prstGeom prst="ellipse">
+              <a:avLst/>
+            </a:prstGeom>
+            <a:solidFill>
+              <a:srgbClr val="FFFFFF"/>
+            </a:solidFill>
+            <a:ln w="9525">
+              <a:solidFill>
+                <a:srgbClr val="000000"/>
+              </a:solidFill>
+              <a:round/>
+            </a:ln>
+          </p:spPr>
+          <p:txBody>
+            <a:bodyPr vert="horz" wrap="square" lIns="91440" tIns="45720" rIns="91440" bIns="45720" numCol="1" anchor="t" anchorCtr="0" compatLnSpc="1"/>
+            <a:p>
+              <a:endParaRPr lang="zh-CN" altLang="en-US" sz="1600" b="1"/>
+            </a:p>
+          </p:txBody>
+        </p:sp>
+        <p:sp>
+          <p:nvSpPr>
+            <p:cNvPr id="20" name="Line 8"/>
+            <p:cNvSpPr>
+              <a:spLocks noChangeShapeType="1"/>
+            </p:cNvSpPr>
+            <p:nvPr/>
+          </p:nvSpPr>
+          <p:spPr bwMode="auto">
+            <a:xfrm flipH="1">
+              <a:off x="3286116" y="2357430"/>
+              <a:ext cx="457203" cy="391914"/>
+            </a:xfrm>
+            <a:prstGeom prst="line">
+              <a:avLst/>
+            </a:prstGeom>
+            <a:noFill/>
+            <a:ln w="9525">
+              <a:solidFill>
+                <a:srgbClr val="000000"/>
+              </a:solidFill>
+              <a:round/>
+              <a:tailEnd type="none" w="sm" len="sm"/>
+            </a:ln>
+          </p:spPr>
+          <p:txBody>
+            <a:bodyPr vert="horz" wrap="square" lIns="91440" tIns="45720" rIns="91440" bIns="45720" numCol="1" anchor="t" anchorCtr="0" compatLnSpc="1"/>
+            <a:p>
+              <a:endParaRPr lang="zh-CN" altLang="en-US" sz="1600" b="1"/>
+            </a:p>
+          </p:txBody>
+        </p:sp>
+        <p:sp>
+          <p:nvSpPr>
+            <p:cNvPr id="21" name="Text Box 9"/>
+            <p:cNvSpPr txBox="1">
+              <a:spLocks noChangeArrowheads="1"/>
+            </p:cNvSpPr>
+            <p:nvPr/>
+          </p:nvSpPr>
+          <p:spPr bwMode="auto">
+            <a:xfrm>
+              <a:off x="2857488" y="2875852"/>
+              <a:ext cx="685805" cy="195958"/>
+            </a:xfrm>
+            <a:prstGeom prst="rect">
+              <a:avLst/>
+            </a:prstGeom>
+            <a:solidFill>
+              <a:srgbClr val="FFFFFF"/>
+            </a:solidFill>
+            <a:ln w="9525">
+              <a:noFill/>
+              <a:miter lim="800000"/>
+            </a:ln>
+          </p:spPr>
+          <p:txBody>
+            <a:bodyPr vert="horz" wrap="square" lIns="0" tIns="0" rIns="0" bIns="0" numCol="1" anchor="t" anchorCtr="0" compatLnSpc="1"/>
+            <a:p>
+              <a:pPr marL="0" marR="0" lvl="0" indent="0" algn="ctr" defTabSz="914400" rtl="0" eaLnBrk="1" fontAlgn="base" latinLnBrk="0" hangingPunct="1">
+                <a:lnSpc>
+                  <a:spcPct val="64000"/>
+                </a:lnSpc>
+                <a:spcBef>
+                  <a:spcPct val="0"/>
+                </a:spcBef>
+                <a:spcAft>
+                  <a:spcPct val="0"/>
+                </a:spcAft>
+                <a:buClrTx/>
+                <a:buSzTx/>
+                <a:buFontTx/>
+                <a:buNone/>
+              </a:pPr>
+              <a:r>
+                <a:rPr kumimoji="0" lang="en-US" altLang="zh-CN" sz="1600" b="1" i="0" u="none" strike="noStrike" cap="none" normalizeH="0" baseline="0" dirty="0" smtClean="0">
+                  <a:ln>
+                    <a:noFill/>
+                  </a:ln>
+                  <a:solidFill>
+                    <a:schemeClr val="tx1"/>
+                  </a:solidFill>
+                  <a:effectLst/>
+                  <a:latin typeface="Arial" panose="020B0604020202020204" pitchFamily="34" charset="0"/>
+                  <a:ea typeface="宋体" pitchFamily="2" charset="-122"/>
+                </a:rPr>
+                <a:t>c b e d</a:t>
+              </a:r>
+              <a:endParaRPr kumimoji="0" lang="zh-CN" altLang="zh-CN" sz="1600" b="1" i="0" u="none" strike="noStrike" cap="none" normalizeH="0" baseline="0" dirty="0" smtClean="0">
+                <a:ln>
+                  <a:noFill/>
+                </a:ln>
+                <a:solidFill>
+                  <a:schemeClr val="tx1"/>
+                </a:solidFill>
+                <a:effectLst/>
+                <a:latin typeface="Arial" panose="020B0604020202020204" pitchFamily="34" charset="0"/>
+                <a:ea typeface="宋体" pitchFamily="2" charset="-122"/>
+              </a:endParaRPr>
+            </a:p>
+          </p:txBody>
+        </p:sp>
+      </p:grpSp>
+      <p:grpSp>
+        <p:nvGrpSpPr>
+          <p:cNvPr id="39" name="组合 38"/>
+          <p:cNvGrpSpPr/>
+          <p:nvPr/>
+        </p:nvGrpSpPr>
+        <p:grpSpPr>
+          <a:xfrm>
+            <a:off x="6020897" y="3406329"/>
+            <a:ext cx="1427659" cy="783828"/>
+            <a:chOff x="4001597" y="2322706"/>
+            <a:chExt cx="1427659" cy="783828"/>
+          </a:xfrm>
+        </p:grpSpPr>
+        <p:sp>
+          <p:nvSpPr>
+            <p:cNvPr id="16" name="Oval 4"/>
+            <p:cNvSpPr>
+              <a:spLocks noChangeArrowheads="1"/>
+            </p:cNvSpPr>
+            <p:nvPr/>
+          </p:nvSpPr>
+          <p:spPr bwMode="auto">
+            <a:xfrm>
+              <a:off x="4286248" y="2714620"/>
+              <a:ext cx="1143008" cy="391914"/>
+            </a:xfrm>
+            <a:prstGeom prst="ellipse">
+              <a:avLst/>
+            </a:prstGeom>
+            <a:solidFill>
+              <a:srgbClr val="FFFFFF"/>
+            </a:solidFill>
+            <a:ln w="9525">
+              <a:solidFill>
+                <a:srgbClr val="000000"/>
+              </a:solidFill>
+              <a:round/>
+            </a:ln>
+          </p:spPr>
+          <p:txBody>
+            <a:bodyPr vert="horz" wrap="square" lIns="91440" tIns="45720" rIns="91440" bIns="45720" numCol="1" anchor="t" anchorCtr="0" compatLnSpc="1"/>
+            <a:p>
+              <a:endParaRPr lang="zh-CN" altLang="en-US" sz="1600" b="1"/>
+            </a:p>
+          </p:txBody>
+        </p:sp>
+        <p:sp>
+          <p:nvSpPr>
+            <p:cNvPr id="22" name="Text Box 10"/>
+            <p:cNvSpPr txBox="1">
+              <a:spLocks noChangeArrowheads="1"/>
+            </p:cNvSpPr>
+            <p:nvPr/>
+          </p:nvSpPr>
+          <p:spPr bwMode="auto">
+            <a:xfrm>
+              <a:off x="4495235" y="2857496"/>
+              <a:ext cx="685805" cy="195958"/>
+            </a:xfrm>
+            <a:prstGeom prst="rect">
+              <a:avLst/>
+            </a:prstGeom>
+            <a:solidFill>
+              <a:srgbClr val="FFFFFF"/>
+            </a:solidFill>
+            <a:ln w="9525">
+              <a:noFill/>
+              <a:miter lim="800000"/>
+            </a:ln>
+          </p:spPr>
+          <p:txBody>
+            <a:bodyPr vert="horz" wrap="square" lIns="0" tIns="0" rIns="0" bIns="0" numCol="1" anchor="t" anchorCtr="0" compatLnSpc="1"/>
+            <a:p>
+              <a:pPr marL="0" marR="0" lvl="0" indent="0" algn="ctr" defTabSz="914400" rtl="0" eaLnBrk="1" fontAlgn="base" latinLnBrk="0" hangingPunct="1">
+                <a:lnSpc>
+                  <a:spcPct val="64000"/>
+                </a:lnSpc>
+                <a:spcBef>
+                  <a:spcPct val="0"/>
+                </a:spcBef>
+                <a:spcAft>
+                  <a:spcPct val="0"/>
+                </a:spcAft>
+                <a:buClrTx/>
+                <a:buSzTx/>
+                <a:buFontTx/>
+                <a:buNone/>
+              </a:pPr>
+              <a:r>
+                <a:rPr kumimoji="0" lang="en-US" altLang="zh-CN" sz="1600" b="1" i="0" u="none" strike="noStrike" cap="none" normalizeH="0" baseline="0" dirty="0" smtClean="0">
+                  <a:ln>
+                    <a:noFill/>
+                  </a:ln>
+                  <a:solidFill>
+                    <a:schemeClr val="tx1"/>
+                  </a:solidFill>
+                  <a:effectLst/>
+                  <a:latin typeface="Arial" panose="020B0604020202020204" pitchFamily="34" charset="0"/>
+                  <a:ea typeface="宋体" pitchFamily="2" charset="-122"/>
+                </a:rPr>
+                <a:t>h g </a:t>
+              </a:r>
+              <a:r>
+                <a:rPr kumimoji="0" lang="en-US" altLang="zh-CN" sz="1600" b="1" i="0" u="none" strike="noStrike" cap="none" normalizeH="0" baseline="0" dirty="0" err="1" smtClean="0">
+                  <a:ln>
+                    <a:noFill/>
+                  </a:ln>
+                  <a:solidFill>
+                    <a:schemeClr val="tx1"/>
+                  </a:solidFill>
+                  <a:effectLst/>
+                  <a:latin typeface="Arial" panose="020B0604020202020204" pitchFamily="34" charset="0"/>
+                  <a:ea typeface="宋体" pitchFamily="2" charset="-122"/>
+                </a:rPr>
+                <a:t>i</a:t>
+              </a:r>
+              <a:r>
+                <a:rPr kumimoji="0" lang="en-US" altLang="zh-CN" sz="1600" b="1" i="0" u="none" strike="noStrike" cap="none" normalizeH="0" baseline="0" dirty="0" smtClean="0">
+                  <a:ln>
+                    <a:noFill/>
+                  </a:ln>
+                  <a:solidFill>
+                    <a:schemeClr val="tx1"/>
+                  </a:solidFill>
+                  <a:effectLst/>
+                  <a:latin typeface="Arial" panose="020B0604020202020204" pitchFamily="34" charset="0"/>
+                  <a:ea typeface="宋体" pitchFamily="2" charset="-122"/>
+                </a:rPr>
+                <a:t> j f</a:t>
+              </a:r>
+              <a:endParaRPr kumimoji="0" lang="zh-CN" altLang="zh-CN" sz="1600" b="1" i="0" u="none" strike="noStrike" cap="none" normalizeH="0" baseline="0" dirty="0" smtClean="0">
+                <a:ln>
+                  <a:noFill/>
+                </a:ln>
+                <a:solidFill>
+                  <a:schemeClr val="tx1"/>
+                </a:solidFill>
+                <a:effectLst/>
+                <a:latin typeface="Arial" panose="020B0604020202020204" pitchFamily="34" charset="0"/>
+                <a:ea typeface="宋体" pitchFamily="2" charset="-122"/>
+              </a:endParaRPr>
+            </a:p>
+          </p:txBody>
+        </p:sp>
+        <p:sp>
+          <p:nvSpPr>
+            <p:cNvPr id="23" name="Line 11"/>
+            <p:cNvSpPr>
+              <a:spLocks noChangeShapeType="1"/>
+            </p:cNvSpPr>
+            <p:nvPr/>
+          </p:nvSpPr>
+          <p:spPr bwMode="auto">
+            <a:xfrm>
+              <a:off x="4001597" y="2322706"/>
+              <a:ext cx="685805" cy="391914"/>
+            </a:xfrm>
+            <a:prstGeom prst="line">
+              <a:avLst/>
+            </a:prstGeom>
+            <a:noFill/>
+            <a:ln w="9525">
+              <a:solidFill>
+                <a:srgbClr val="000000"/>
+              </a:solidFill>
+              <a:round/>
+              <a:tailEnd type="none" w="sm" len="sm"/>
+            </a:ln>
+          </p:spPr>
+          <p:txBody>
+            <a:bodyPr vert="horz" wrap="square" lIns="91440" tIns="45720" rIns="91440" bIns="45720" numCol="1" anchor="t" anchorCtr="0" compatLnSpc="1"/>
+            <a:p>
+              <a:endParaRPr lang="zh-CN" altLang="en-US" sz="1600" b="1"/>
+            </a:p>
+          </p:txBody>
+        </p:sp>
+      </p:grpSp>
+      <p:cxnSp>
+        <p:nvCxnSpPr>
+          <p:cNvPr id="41" name="直接连接符 40"/>
+          <p:cNvCxnSpPr/>
+          <p:nvPr/>
+        </p:nvCxnSpPr>
+        <p:spPr bwMode="auto">
+          <a:xfrm>
+            <a:off x="5376854" y="2498395"/>
+            <a:ext cx="1357322" cy="1588"/>
+          </a:xfrm>
+          <a:prstGeom prst="line">
+            <a:avLst/>
+          </a:prstGeom>
+          <a:solidFill>
+            <a:schemeClr val="accent1"/>
+          </a:solidFill>
+          <a:ln w="9525" cap="flat" cmpd="sng" algn="ctr">
+            <a:solidFill>
+              <a:schemeClr val="tx1"/>
+            </a:solidFill>
+            <a:prstDash val="solid"/>
+            <a:round/>
+            <a:headEnd type="none" w="med" len="med"/>
+            <a:tailEnd type="none" w="med" len="med"/>
+          </a:ln>
+          <a:effectLst/>
+        </p:spPr>
+      </p:cxnSp>
+      <p:cxnSp>
+        <p:nvCxnSpPr>
+          <p:cNvPr id="44" name="直接连接符 43"/>
+          <p:cNvCxnSpPr/>
+          <p:nvPr/>
+        </p:nvCxnSpPr>
+        <p:spPr bwMode="auto">
+          <a:xfrm>
+            <a:off x="5662606" y="2068179"/>
+            <a:ext cx="1357322" cy="1588"/>
+          </a:xfrm>
+          <a:prstGeom prst="line">
+            <a:avLst/>
+          </a:prstGeom>
+          <a:solidFill>
+            <a:schemeClr val="accent1"/>
+          </a:solidFill>
+          <a:ln w="9525" cap="flat" cmpd="sng" algn="ctr">
+            <a:solidFill>
+              <a:schemeClr val="tx1"/>
+            </a:solidFill>
+            <a:prstDash val="solid"/>
+            <a:round/>
+            <a:headEnd type="none" w="med" len="med"/>
+            <a:tailEnd type="none" w="med" len="med"/>
+          </a:ln>
+          <a:effectLst/>
+        </p:spPr>
+      </p:cxnSp>
+      <p:grpSp>
+        <p:nvGrpSpPr>
+          <p:cNvPr id="57" name="组合 56"/>
+          <p:cNvGrpSpPr/>
+          <p:nvPr/>
+        </p:nvGrpSpPr>
+        <p:grpSpPr>
+          <a:xfrm>
+            <a:off x="4361547" y="3441053"/>
+            <a:ext cx="1658249" cy="1809544"/>
+            <a:chOff x="1470167" y="4001721"/>
+            <a:chExt cx="1658249" cy="1809544"/>
+          </a:xfrm>
+        </p:grpSpPr>
+        <p:sp>
+          <p:nvSpPr>
+            <p:cNvPr id="45" name="Oval 26"/>
+            <p:cNvSpPr>
+              <a:spLocks noChangeArrowheads="1"/>
+            </p:cNvSpPr>
+            <p:nvPr/>
+          </p:nvSpPr>
+          <p:spPr bwMode="auto">
+            <a:xfrm>
+              <a:off x="2115106" y="4285306"/>
+              <a:ext cx="368371" cy="329291"/>
+            </a:xfrm>
+            <a:prstGeom prst="ellipse">
+              <a:avLst/>
+            </a:prstGeom>
+            <a:solidFill>
+              <a:srgbClr val="FFFFFF"/>
+            </a:solidFill>
+            <a:ln w="9525">
+              <a:solidFill>
+                <a:srgbClr val="000000"/>
+              </a:solidFill>
+              <a:round/>
+            </a:ln>
+          </p:spPr>
+          <p:txBody>
+            <a:bodyPr vert="horz" wrap="square" lIns="91440" tIns="45720" rIns="91440" bIns="45720" numCol="1" anchor="t" anchorCtr="0" compatLnSpc="1"/>
+            <a:p>
+              <a:endParaRPr lang="zh-CN" altLang="en-US" sz="1400" b="1"/>
+            </a:p>
+          </p:txBody>
+        </p:sp>
+        <p:sp>
+          <p:nvSpPr>
+            <p:cNvPr id="46" name="Line 30"/>
+            <p:cNvSpPr>
+              <a:spLocks noChangeShapeType="1"/>
+            </p:cNvSpPr>
+            <p:nvPr/>
+          </p:nvSpPr>
+          <p:spPr bwMode="auto">
+            <a:xfrm flipH="1">
+              <a:off x="2428860" y="4001721"/>
+              <a:ext cx="418339" cy="324098"/>
+            </a:xfrm>
+            <a:prstGeom prst="line">
+              <a:avLst/>
+            </a:prstGeom>
+            <a:noFill/>
+            <a:ln w="9525">
+              <a:solidFill>
+                <a:srgbClr val="000000"/>
+              </a:solidFill>
+              <a:round/>
+              <a:tailEnd type="none" w="sm" len="sm"/>
+            </a:ln>
+          </p:spPr>
+          <p:txBody>
+            <a:bodyPr vert="horz" wrap="square" lIns="91440" tIns="45720" rIns="91440" bIns="45720" numCol="1" anchor="t" anchorCtr="0" compatLnSpc="1"/>
+            <a:p>
+              <a:endParaRPr lang="zh-CN" altLang="en-US" sz="1400" b="1"/>
+            </a:p>
+          </p:txBody>
+        </p:sp>
+        <p:sp>
+          <p:nvSpPr>
+            <p:cNvPr id="47" name="Text Box 31"/>
+            <p:cNvSpPr txBox="1">
+              <a:spLocks noChangeArrowheads="1"/>
+            </p:cNvSpPr>
+            <p:nvPr/>
+          </p:nvSpPr>
+          <p:spPr bwMode="auto">
+            <a:xfrm>
+              <a:off x="2202260" y="4378796"/>
+              <a:ext cx="184766" cy="165165"/>
+            </a:xfrm>
+            <a:prstGeom prst="rect">
+              <a:avLst/>
+            </a:prstGeom>
+            <a:solidFill>
+              <a:srgbClr val="FFFFFF"/>
+            </a:solidFill>
+            <a:ln w="9525">
+              <a:noFill/>
+              <a:miter lim="800000"/>
+            </a:ln>
+          </p:spPr>
+          <p:txBody>
+            <a:bodyPr vert="horz" wrap="square" lIns="0" tIns="0" rIns="0" bIns="0" numCol="1" anchor="t" anchorCtr="0" compatLnSpc="1"/>
+            <a:p>
+              <a:pPr marL="0" marR="0" lvl="0" indent="0" algn="ctr" defTabSz="914400" rtl="0" eaLnBrk="1" fontAlgn="base" latinLnBrk="0" hangingPunct="1">
+                <a:lnSpc>
+                  <a:spcPct val="64000"/>
+                </a:lnSpc>
+                <a:spcBef>
+                  <a:spcPct val="0"/>
+                </a:spcBef>
+                <a:spcAft>
+                  <a:spcPct val="0"/>
+                </a:spcAft>
+                <a:buClrTx/>
+                <a:buSzTx/>
+                <a:buFontTx/>
+                <a:buNone/>
+              </a:pPr>
+              <a:r>
+                <a:rPr kumimoji="0" lang="en-US" altLang="zh-CN" sz="1400" b="1" i="0" u="none" strike="noStrike" cap="none" normalizeH="0" baseline="0" smtClean="0">
+                  <a:ln>
+                    <a:noFill/>
+                  </a:ln>
+                  <a:solidFill>
+                    <a:schemeClr val="tx1"/>
+                  </a:solidFill>
+                  <a:effectLst/>
+                  <a:latin typeface="Arial" panose="020B0604020202020204" pitchFamily="34" charset="0"/>
+                  <a:ea typeface="宋体" pitchFamily="2" charset="-122"/>
+                </a:rPr>
+                <a:t>b</a:t>
+              </a:r>
+              <a:endParaRPr kumimoji="0" lang="zh-CN" altLang="zh-CN" sz="1400" b="1" i="0" u="none" strike="noStrike" cap="none" normalizeH="0" baseline="0" smtClean="0">
+                <a:ln>
+                  <a:noFill/>
+                </a:ln>
+                <a:solidFill>
+                  <a:schemeClr val="tx1"/>
+                </a:solidFill>
+                <a:effectLst/>
+                <a:latin typeface="Arial" panose="020B0604020202020204" pitchFamily="34" charset="0"/>
+                <a:ea typeface="宋体" pitchFamily="2" charset="-122"/>
+              </a:endParaRPr>
+            </a:p>
+          </p:txBody>
+        </p:sp>
+        <p:sp>
+          <p:nvSpPr>
+            <p:cNvPr id="48" name="Oval 34"/>
+            <p:cNvSpPr>
+              <a:spLocks noChangeArrowheads="1"/>
+            </p:cNvSpPr>
+            <p:nvPr/>
+          </p:nvSpPr>
+          <p:spPr bwMode="auto">
+            <a:xfrm>
+              <a:off x="1470167" y="4886757"/>
+              <a:ext cx="368371" cy="329291"/>
+            </a:xfrm>
+            <a:prstGeom prst="ellipse">
+              <a:avLst/>
+            </a:prstGeom>
+            <a:solidFill>
+              <a:srgbClr val="FFFFFF"/>
+            </a:solidFill>
+            <a:ln w="9525">
+              <a:solidFill>
+                <a:srgbClr val="000000"/>
+              </a:solidFill>
+              <a:round/>
+            </a:ln>
+          </p:spPr>
+          <p:txBody>
+            <a:bodyPr vert="horz" wrap="square" lIns="91440" tIns="45720" rIns="91440" bIns="45720" numCol="1" anchor="t" anchorCtr="0" compatLnSpc="1"/>
+            <a:p>
+              <a:endParaRPr lang="zh-CN" altLang="en-US" sz="1400" b="1"/>
+            </a:p>
+          </p:txBody>
+        </p:sp>
+        <p:sp>
+          <p:nvSpPr>
+            <p:cNvPr id="49" name="Text Box 35"/>
+            <p:cNvSpPr txBox="1">
+              <a:spLocks noChangeArrowheads="1"/>
+            </p:cNvSpPr>
+            <p:nvPr/>
+          </p:nvSpPr>
+          <p:spPr bwMode="auto">
+            <a:xfrm>
+              <a:off x="1574752" y="4964665"/>
+              <a:ext cx="184766" cy="165165"/>
+            </a:xfrm>
+            <a:prstGeom prst="rect">
+              <a:avLst/>
+            </a:prstGeom>
+            <a:solidFill>
+              <a:srgbClr val="FFFFFF"/>
+            </a:solidFill>
+            <a:ln w="9525">
+              <a:noFill/>
+              <a:miter lim="800000"/>
+            </a:ln>
+          </p:spPr>
+          <p:txBody>
+            <a:bodyPr vert="horz" wrap="square" lIns="0" tIns="0" rIns="0" bIns="0" numCol="1" anchor="t" anchorCtr="0" compatLnSpc="1"/>
+            <a:p>
+              <a:pPr marL="0" marR="0" lvl="0" indent="0" algn="ctr" defTabSz="914400" rtl="0" eaLnBrk="1" fontAlgn="base" latinLnBrk="0" hangingPunct="1">
+                <a:lnSpc>
+                  <a:spcPct val="64000"/>
+                </a:lnSpc>
+                <a:spcBef>
+                  <a:spcPct val="0"/>
+                </a:spcBef>
+                <a:spcAft>
+                  <a:spcPct val="0"/>
+                </a:spcAft>
+                <a:buClrTx/>
+                <a:buSzTx/>
+                <a:buFontTx/>
+                <a:buNone/>
+              </a:pPr>
+              <a:r>
+                <a:rPr kumimoji="0" lang="en-US" altLang="zh-CN" sz="1400" b="1" i="0" u="none" strike="noStrike" cap="none" normalizeH="0" baseline="0" smtClean="0">
+                  <a:ln>
+                    <a:noFill/>
+                  </a:ln>
+                  <a:solidFill>
+                    <a:schemeClr val="tx1"/>
+                  </a:solidFill>
+                  <a:effectLst/>
+                  <a:latin typeface="Arial" panose="020B0604020202020204" pitchFamily="34" charset="0"/>
+                  <a:ea typeface="宋体" pitchFamily="2" charset="-122"/>
+                </a:rPr>
+                <a:t>c</a:t>
+              </a:r>
+              <a:endParaRPr kumimoji="0" lang="zh-CN" altLang="zh-CN" sz="1400" b="1" i="0" u="none" strike="noStrike" cap="none" normalizeH="0" baseline="0" smtClean="0">
+                <a:ln>
+                  <a:noFill/>
+                </a:ln>
+                <a:solidFill>
+                  <a:schemeClr val="tx1"/>
+                </a:solidFill>
+                <a:effectLst/>
+                <a:latin typeface="Arial" panose="020B0604020202020204" pitchFamily="34" charset="0"/>
+                <a:ea typeface="宋体" pitchFamily="2" charset="-122"/>
+              </a:endParaRPr>
+            </a:p>
+          </p:txBody>
+        </p:sp>
+        <p:sp>
+          <p:nvSpPr>
+            <p:cNvPr id="50" name="Line 36"/>
+            <p:cNvSpPr>
+              <a:spLocks noChangeShapeType="1"/>
+            </p:cNvSpPr>
+            <p:nvPr/>
+          </p:nvSpPr>
+          <p:spPr bwMode="auto">
+            <a:xfrm flipH="1">
+              <a:off x="1749060" y="4572008"/>
+              <a:ext cx="418339" cy="324098"/>
+            </a:xfrm>
+            <a:prstGeom prst="line">
+              <a:avLst/>
+            </a:prstGeom>
+            <a:noFill/>
+            <a:ln w="9525">
+              <a:solidFill>
+                <a:srgbClr val="000000"/>
+              </a:solidFill>
+              <a:round/>
+              <a:tailEnd type="none" w="sm" len="sm"/>
+            </a:ln>
+          </p:spPr>
+          <p:txBody>
+            <a:bodyPr vert="horz" wrap="square" lIns="91440" tIns="45720" rIns="91440" bIns="45720" numCol="1" anchor="t" anchorCtr="0" compatLnSpc="1"/>
+            <a:p>
+              <a:endParaRPr lang="zh-CN" altLang="en-US" sz="1400" b="1"/>
+            </a:p>
+          </p:txBody>
+        </p:sp>
+        <p:sp>
+          <p:nvSpPr>
+            <p:cNvPr id="51" name="Line 37"/>
+            <p:cNvSpPr>
+              <a:spLocks noChangeShapeType="1"/>
+            </p:cNvSpPr>
+            <p:nvPr/>
+          </p:nvSpPr>
+          <p:spPr bwMode="auto">
+            <a:xfrm>
+              <a:off x="2428860" y="4572008"/>
+              <a:ext cx="418339" cy="324098"/>
+            </a:xfrm>
+            <a:prstGeom prst="line">
+              <a:avLst/>
+            </a:prstGeom>
+            <a:noFill/>
+            <a:ln w="9525">
+              <a:solidFill>
+                <a:srgbClr val="000000"/>
+              </a:solidFill>
+              <a:round/>
+              <a:tailEnd type="none" w="sm" len="sm"/>
+            </a:ln>
+          </p:spPr>
+          <p:txBody>
+            <a:bodyPr vert="horz" wrap="square" lIns="91440" tIns="45720" rIns="91440" bIns="45720" numCol="1" anchor="t" anchorCtr="0" compatLnSpc="1"/>
+            <a:p>
+              <a:endParaRPr lang="zh-CN" altLang="en-US" sz="1400" b="1"/>
+            </a:p>
+          </p:txBody>
+        </p:sp>
+        <p:sp>
+          <p:nvSpPr>
+            <p:cNvPr id="52" name="Oval 38"/>
+            <p:cNvSpPr>
+              <a:spLocks noChangeArrowheads="1"/>
+            </p:cNvSpPr>
+            <p:nvPr/>
+          </p:nvSpPr>
+          <p:spPr bwMode="auto">
+            <a:xfrm>
+              <a:off x="2760045" y="4864942"/>
+              <a:ext cx="368371" cy="329291"/>
+            </a:xfrm>
+            <a:prstGeom prst="ellipse">
+              <a:avLst/>
+            </a:prstGeom>
+            <a:solidFill>
+              <a:srgbClr val="FFFFFF"/>
+            </a:solidFill>
+            <a:ln w="9525">
+              <a:solidFill>
+                <a:srgbClr val="000000"/>
+              </a:solidFill>
+              <a:round/>
+            </a:ln>
+          </p:spPr>
+          <p:txBody>
+            <a:bodyPr vert="horz" wrap="square" lIns="91440" tIns="45720" rIns="91440" bIns="45720" numCol="1" anchor="t" anchorCtr="0" compatLnSpc="1"/>
+            <a:p>
+              <a:endParaRPr lang="zh-CN" altLang="en-US" sz="1400" b="1"/>
+            </a:p>
+          </p:txBody>
+        </p:sp>
+        <p:sp>
+          <p:nvSpPr>
+            <p:cNvPr id="53" name="Text Box 39"/>
+            <p:cNvSpPr txBox="1">
+              <a:spLocks noChangeArrowheads="1"/>
+            </p:cNvSpPr>
+            <p:nvPr/>
+          </p:nvSpPr>
+          <p:spPr bwMode="auto">
+            <a:xfrm>
+              <a:off x="2864630" y="4942850"/>
+              <a:ext cx="184766" cy="165165"/>
+            </a:xfrm>
+            <a:prstGeom prst="rect">
+              <a:avLst/>
+            </a:prstGeom>
+            <a:solidFill>
+              <a:srgbClr val="FFFFFF"/>
+            </a:solidFill>
+            <a:ln w="9525">
+              <a:noFill/>
+              <a:miter lim="800000"/>
+            </a:ln>
+          </p:spPr>
+          <p:txBody>
+            <a:bodyPr vert="horz" wrap="square" lIns="0" tIns="0" rIns="0" bIns="0" numCol="1" anchor="t" anchorCtr="0" compatLnSpc="1"/>
+            <a:p>
+              <a:pPr marL="0" marR="0" lvl="0" indent="0" algn="ctr" defTabSz="914400" rtl="0" eaLnBrk="1" fontAlgn="base" latinLnBrk="0" hangingPunct="1">
+                <a:lnSpc>
+                  <a:spcPct val="64000"/>
+                </a:lnSpc>
+                <a:spcBef>
+                  <a:spcPct val="0"/>
+                </a:spcBef>
+                <a:spcAft>
+                  <a:spcPct val="0"/>
+                </a:spcAft>
+                <a:buClrTx/>
+                <a:buSzTx/>
+                <a:buFontTx/>
+                <a:buNone/>
+              </a:pPr>
+              <a:r>
+                <a:rPr kumimoji="0" lang="en-US" altLang="zh-CN" sz="1400" b="1" i="0" u="none" strike="noStrike" cap="none" normalizeH="0" baseline="0" smtClean="0">
+                  <a:ln>
+                    <a:noFill/>
+                  </a:ln>
+                  <a:solidFill>
+                    <a:schemeClr val="tx1"/>
+                  </a:solidFill>
+                  <a:effectLst/>
+                  <a:latin typeface="Arial" panose="020B0604020202020204" pitchFamily="34" charset="0"/>
+                  <a:ea typeface="宋体" pitchFamily="2" charset="-122"/>
+                </a:rPr>
+                <a:t>d</a:t>
+              </a:r>
+              <a:endParaRPr kumimoji="0" lang="zh-CN" altLang="zh-CN" sz="1400" b="1" i="0" u="none" strike="noStrike" cap="none" normalizeH="0" baseline="0" smtClean="0">
+                <a:ln>
+                  <a:noFill/>
+                </a:ln>
+                <a:solidFill>
+                  <a:schemeClr val="tx1"/>
+                </a:solidFill>
+                <a:effectLst/>
+                <a:latin typeface="Arial" panose="020B0604020202020204" pitchFamily="34" charset="0"/>
+                <a:ea typeface="宋体" pitchFamily="2" charset="-122"/>
+              </a:endParaRPr>
+            </a:p>
+          </p:txBody>
+        </p:sp>
+        <p:sp>
+          <p:nvSpPr>
+            <p:cNvPr id="54" name="Oval 40"/>
+            <p:cNvSpPr>
+              <a:spLocks noChangeArrowheads="1"/>
+            </p:cNvSpPr>
+            <p:nvPr/>
+          </p:nvSpPr>
+          <p:spPr bwMode="auto">
+            <a:xfrm>
+              <a:off x="2149967" y="5481974"/>
+              <a:ext cx="368371" cy="329291"/>
+            </a:xfrm>
+            <a:prstGeom prst="ellipse">
+              <a:avLst/>
+            </a:prstGeom>
+            <a:solidFill>
+              <a:srgbClr val="FFFFFF"/>
+            </a:solidFill>
+            <a:ln w="9525">
+              <a:solidFill>
+                <a:srgbClr val="000000"/>
+              </a:solidFill>
+              <a:round/>
+            </a:ln>
+          </p:spPr>
+          <p:txBody>
+            <a:bodyPr vert="horz" wrap="square" lIns="91440" tIns="45720" rIns="91440" bIns="45720" numCol="1" anchor="t" anchorCtr="0" compatLnSpc="1"/>
+            <a:p>
+              <a:endParaRPr lang="zh-CN" altLang="en-US" sz="1400" b="1"/>
+            </a:p>
+          </p:txBody>
+        </p:sp>
+        <p:sp>
+          <p:nvSpPr>
+            <p:cNvPr id="55" name="Text Box 41"/>
+            <p:cNvSpPr txBox="1">
+              <a:spLocks noChangeArrowheads="1"/>
+            </p:cNvSpPr>
+            <p:nvPr/>
+          </p:nvSpPr>
+          <p:spPr bwMode="auto">
+            <a:xfrm>
+              <a:off x="2254552" y="5559882"/>
+              <a:ext cx="184766" cy="165165"/>
+            </a:xfrm>
+            <a:prstGeom prst="rect">
+              <a:avLst/>
+            </a:prstGeom>
+            <a:solidFill>
+              <a:srgbClr val="FFFFFF"/>
+            </a:solidFill>
+            <a:ln w="9525">
+              <a:noFill/>
+              <a:miter lim="800000"/>
+            </a:ln>
+          </p:spPr>
+          <p:txBody>
+            <a:bodyPr vert="horz" wrap="square" lIns="0" tIns="0" rIns="0" bIns="0" numCol="1" anchor="t" anchorCtr="0" compatLnSpc="1"/>
+            <a:p>
+              <a:pPr marL="0" marR="0" lvl="0" indent="0" algn="ctr" defTabSz="914400" rtl="0" eaLnBrk="1" fontAlgn="base" latinLnBrk="0" hangingPunct="1">
+                <a:lnSpc>
+                  <a:spcPct val="64000"/>
+                </a:lnSpc>
+                <a:spcBef>
+                  <a:spcPct val="0"/>
+                </a:spcBef>
+                <a:spcAft>
+                  <a:spcPct val="0"/>
+                </a:spcAft>
+                <a:buClrTx/>
+                <a:buSzTx/>
+                <a:buFontTx/>
+                <a:buNone/>
+              </a:pPr>
+              <a:r>
+                <a:rPr kumimoji="0" lang="en-US" altLang="zh-CN" sz="1400" b="1" i="0" u="none" strike="noStrike" cap="none" normalizeH="0" baseline="0" smtClean="0">
+                  <a:ln>
+                    <a:noFill/>
+                  </a:ln>
+                  <a:solidFill>
+                    <a:schemeClr val="tx1"/>
+                  </a:solidFill>
+                  <a:effectLst/>
+                  <a:latin typeface="Arial" panose="020B0604020202020204" pitchFamily="34" charset="0"/>
+                  <a:ea typeface="宋体" pitchFamily="2" charset="-122"/>
+                </a:rPr>
+                <a:t>e</a:t>
+              </a:r>
+              <a:endParaRPr kumimoji="0" lang="zh-CN" altLang="zh-CN" sz="1400" b="1" i="0" u="none" strike="noStrike" cap="none" normalizeH="0" baseline="0" smtClean="0">
+                <a:ln>
+                  <a:noFill/>
+                </a:ln>
+                <a:solidFill>
+                  <a:schemeClr val="tx1"/>
+                </a:solidFill>
+                <a:effectLst/>
+                <a:latin typeface="Arial" panose="020B0604020202020204" pitchFamily="34" charset="0"/>
+                <a:ea typeface="宋体" pitchFamily="2" charset="-122"/>
+              </a:endParaRPr>
+            </a:p>
+          </p:txBody>
+        </p:sp>
+        <p:sp>
+          <p:nvSpPr>
+            <p:cNvPr id="56" name="Line 42"/>
+            <p:cNvSpPr>
+              <a:spLocks noChangeShapeType="1"/>
+            </p:cNvSpPr>
+            <p:nvPr/>
+          </p:nvSpPr>
+          <p:spPr bwMode="auto">
+            <a:xfrm flipH="1">
+              <a:off x="2428860" y="5167226"/>
+              <a:ext cx="418339" cy="324098"/>
+            </a:xfrm>
+            <a:prstGeom prst="line">
+              <a:avLst/>
+            </a:prstGeom>
+            <a:noFill/>
+            <a:ln w="9525">
+              <a:solidFill>
+                <a:srgbClr val="000000"/>
+              </a:solidFill>
+              <a:round/>
+              <a:tailEnd type="none" w="sm" len="sm"/>
+            </a:ln>
+          </p:spPr>
+          <p:txBody>
+            <a:bodyPr vert="horz" wrap="square" lIns="91440" tIns="45720" rIns="91440" bIns="45720" numCol="1" anchor="t" anchorCtr="0" compatLnSpc="1"/>
+            <a:p>
+              <a:endParaRPr lang="zh-CN" altLang="en-US" sz="1400" b="1"/>
+            </a:p>
+          </p:txBody>
+        </p:sp>
+      </p:grpSp>
+      <p:cxnSp>
+        <p:nvCxnSpPr>
+          <p:cNvPr id="58" name="直接连接符 57"/>
+          <p:cNvCxnSpPr/>
+          <p:nvPr/>
+        </p:nvCxnSpPr>
+        <p:spPr bwMode="auto">
+          <a:xfrm flipV="1">
+            <a:off x="7162804" y="2498395"/>
+            <a:ext cx="1785950" cy="1588"/>
+          </a:xfrm>
+          <a:prstGeom prst="line">
+            <a:avLst/>
+          </a:prstGeom>
+          <a:solidFill>
+            <a:schemeClr val="accent1"/>
+          </a:solidFill>
+          <a:ln w="9525" cap="flat" cmpd="sng" algn="ctr">
+            <a:solidFill>
+              <a:schemeClr val="tx1"/>
+            </a:solidFill>
+            <a:prstDash val="solid"/>
+            <a:round/>
+            <a:headEnd type="none" w="med" len="med"/>
+            <a:tailEnd type="none" w="med" len="med"/>
+          </a:ln>
+          <a:effectLst/>
+        </p:spPr>
+      </p:cxnSp>
+      <p:cxnSp>
+        <p:nvCxnSpPr>
+          <p:cNvPr id="59" name="直接连接符 58"/>
+          <p:cNvCxnSpPr/>
+          <p:nvPr/>
+        </p:nvCxnSpPr>
+        <p:spPr bwMode="auto">
+          <a:xfrm>
+            <a:off x="7162804" y="2069767"/>
+            <a:ext cx="1785950" cy="1588"/>
+          </a:xfrm>
+          <a:prstGeom prst="line">
+            <a:avLst/>
+          </a:prstGeom>
+          <a:solidFill>
+            <a:schemeClr val="accent1"/>
+          </a:solidFill>
+          <a:ln w="9525" cap="flat" cmpd="sng" algn="ctr">
+            <a:solidFill>
+              <a:schemeClr val="tx1"/>
+            </a:solidFill>
+            <a:prstDash val="solid"/>
+            <a:round/>
+            <a:headEnd type="none" w="med" len="med"/>
+            <a:tailEnd type="none" w="med" len="med"/>
+          </a:ln>
+          <a:effectLst/>
+        </p:spPr>
+      </p:cxnSp>
+      <p:grpSp>
+        <p:nvGrpSpPr>
+          <p:cNvPr id="77" name="组合 76"/>
+          <p:cNvGrpSpPr/>
+          <p:nvPr/>
+        </p:nvGrpSpPr>
+        <p:grpSpPr>
+          <a:xfrm>
+            <a:off x="5876920" y="3369615"/>
+            <a:ext cx="1832556" cy="2345078"/>
+            <a:chOff x="5786446" y="3000372"/>
+            <a:chExt cx="1832556" cy="2345078"/>
+          </a:xfrm>
+        </p:grpSpPr>
+        <p:sp>
+          <p:nvSpPr>
+            <p:cNvPr id="62" name="Line 48"/>
+            <p:cNvSpPr>
+              <a:spLocks noChangeShapeType="1"/>
+            </p:cNvSpPr>
+            <p:nvPr/>
+          </p:nvSpPr>
+          <p:spPr bwMode="auto">
+            <a:xfrm>
+              <a:off x="5975928" y="3000372"/>
+              <a:ext cx="716918" cy="466974"/>
+            </a:xfrm>
+            <a:prstGeom prst="line">
+              <a:avLst/>
+            </a:prstGeom>
+            <a:noFill/>
+            <a:ln w="9525">
+              <a:solidFill>
+                <a:srgbClr val="000000"/>
+              </a:solidFill>
+              <a:round/>
+              <a:tailEnd type="none" w="sm" len="sm"/>
+            </a:ln>
+          </p:spPr>
+          <p:txBody>
+            <a:bodyPr vert="horz" wrap="square" lIns="91440" tIns="45720" rIns="91440" bIns="45720" numCol="1" anchor="t" anchorCtr="0" compatLnSpc="1"/>
+            <a:p>
+              <a:endParaRPr lang="zh-CN" altLang="en-US" sz="1400" b="1"/>
+            </a:p>
+          </p:txBody>
+        </p:sp>
+        <p:sp>
+          <p:nvSpPr>
+            <p:cNvPr id="63" name="Oval 57"/>
+            <p:cNvSpPr>
+              <a:spLocks noChangeArrowheads="1"/>
+            </p:cNvSpPr>
+            <p:nvPr/>
+          </p:nvSpPr>
+          <p:spPr bwMode="auto">
+            <a:xfrm>
+              <a:off x="6640554" y="3411252"/>
+              <a:ext cx="368371" cy="329291"/>
+            </a:xfrm>
+            <a:prstGeom prst="ellipse">
+              <a:avLst/>
+            </a:prstGeom>
+            <a:solidFill>
+              <a:srgbClr val="FFFFFF"/>
+            </a:solidFill>
+            <a:ln w="9525">
+              <a:solidFill>
+                <a:srgbClr val="000000"/>
+              </a:solidFill>
+              <a:round/>
+            </a:ln>
+          </p:spPr>
+          <p:txBody>
+            <a:bodyPr vert="horz" wrap="square" lIns="91440" tIns="45720" rIns="91440" bIns="45720" numCol="1" anchor="t" anchorCtr="0" compatLnSpc="1"/>
+            <a:p>
+              <a:endParaRPr lang="zh-CN" altLang="en-US" sz="1400" b="1"/>
+            </a:p>
+          </p:txBody>
+        </p:sp>
+        <p:sp>
+          <p:nvSpPr>
+            <p:cNvPr id="64" name="Text Box 58"/>
+            <p:cNvSpPr txBox="1">
+              <a:spLocks noChangeArrowheads="1"/>
+            </p:cNvSpPr>
+            <p:nvPr/>
+          </p:nvSpPr>
+          <p:spPr bwMode="auto">
+            <a:xfrm>
+              <a:off x="6727708" y="3504742"/>
+              <a:ext cx="184766" cy="165165"/>
+            </a:xfrm>
+            <a:prstGeom prst="rect">
+              <a:avLst/>
+            </a:prstGeom>
+            <a:solidFill>
+              <a:srgbClr val="FFFFFF"/>
+            </a:solidFill>
+            <a:ln w="9525">
+              <a:noFill/>
+              <a:miter lim="800000"/>
+            </a:ln>
+          </p:spPr>
+          <p:txBody>
+            <a:bodyPr vert="horz" wrap="square" lIns="0" tIns="0" rIns="0" bIns="0" numCol="1" anchor="t" anchorCtr="0" compatLnSpc="1"/>
+            <a:p>
+              <a:pPr marL="0" marR="0" lvl="0" indent="0" algn="ctr" defTabSz="914400" rtl="0" eaLnBrk="1" fontAlgn="base" latinLnBrk="0" hangingPunct="1">
+                <a:lnSpc>
+                  <a:spcPct val="64000"/>
+                </a:lnSpc>
+                <a:spcBef>
+                  <a:spcPct val="0"/>
+                </a:spcBef>
+                <a:spcAft>
+                  <a:spcPct val="0"/>
+                </a:spcAft>
+                <a:buClrTx/>
+                <a:buSzTx/>
+                <a:buFontTx/>
+                <a:buNone/>
+              </a:pPr>
+              <a:r>
+                <a:rPr kumimoji="0" lang="en-US" altLang="zh-CN" sz="1400" b="1" i="0" u="none" strike="noStrike" cap="none" normalizeH="0" baseline="0" smtClean="0">
+                  <a:ln>
+                    <a:noFill/>
+                  </a:ln>
+                  <a:solidFill>
+                    <a:schemeClr val="tx1"/>
+                  </a:solidFill>
+                  <a:effectLst/>
+                  <a:latin typeface="Arial" panose="020B0604020202020204" pitchFamily="34" charset="0"/>
+                  <a:ea typeface="宋体" pitchFamily="2" charset="-122"/>
+                </a:rPr>
+                <a:t>f</a:t>
+              </a:r>
+              <a:endParaRPr kumimoji="0" lang="zh-CN" altLang="zh-CN" sz="1400" b="1" i="0" u="none" strike="noStrike" cap="none" normalizeH="0" baseline="0" smtClean="0">
+                <a:ln>
+                  <a:noFill/>
+                </a:ln>
+                <a:solidFill>
+                  <a:schemeClr val="tx1"/>
+                </a:solidFill>
+                <a:effectLst/>
+                <a:latin typeface="Arial" panose="020B0604020202020204" pitchFamily="34" charset="0"/>
+                <a:ea typeface="宋体" pitchFamily="2" charset="-122"/>
+              </a:endParaRPr>
+            </a:p>
+          </p:txBody>
+        </p:sp>
+        <p:sp>
+          <p:nvSpPr>
+            <p:cNvPr id="65" name="Line 60"/>
+            <p:cNvSpPr>
+              <a:spLocks noChangeShapeType="1"/>
+            </p:cNvSpPr>
+            <p:nvPr/>
+          </p:nvSpPr>
+          <p:spPr bwMode="auto">
+            <a:xfrm flipH="1">
+              <a:off x="6431385" y="3713535"/>
+              <a:ext cx="289351" cy="264887"/>
+            </a:xfrm>
+            <a:prstGeom prst="line">
+              <a:avLst/>
+            </a:prstGeom>
+            <a:noFill/>
+            <a:ln w="9525">
+              <a:solidFill>
+                <a:srgbClr val="000000"/>
+              </a:solidFill>
+              <a:round/>
+              <a:tailEnd type="none" w="sm" len="sm"/>
+            </a:ln>
+          </p:spPr>
+          <p:txBody>
+            <a:bodyPr vert="horz" wrap="square" lIns="91440" tIns="45720" rIns="91440" bIns="45720" numCol="1" anchor="t" anchorCtr="0" compatLnSpc="1"/>
+            <a:p>
+              <a:endParaRPr lang="zh-CN" altLang="en-US" sz="1400" b="1"/>
+            </a:p>
+          </p:txBody>
+        </p:sp>
+        <p:sp>
+          <p:nvSpPr>
+            <p:cNvPr id="66" name="Oval 61"/>
+            <p:cNvSpPr>
+              <a:spLocks noChangeArrowheads="1"/>
+            </p:cNvSpPr>
+            <p:nvPr/>
+          </p:nvSpPr>
+          <p:spPr bwMode="auto">
+            <a:xfrm>
+              <a:off x="6222215" y="3975307"/>
+              <a:ext cx="368371" cy="329291"/>
+            </a:xfrm>
+            <a:prstGeom prst="ellipse">
+              <a:avLst/>
+            </a:prstGeom>
+            <a:solidFill>
+              <a:srgbClr val="FFFFFF"/>
+            </a:solidFill>
+            <a:ln w="9525">
+              <a:solidFill>
+                <a:srgbClr val="000000"/>
+              </a:solidFill>
+              <a:round/>
+            </a:ln>
+          </p:spPr>
+          <p:txBody>
+            <a:bodyPr vert="horz" wrap="square" lIns="91440" tIns="45720" rIns="91440" bIns="45720" numCol="1" anchor="t" anchorCtr="0" compatLnSpc="1"/>
+            <a:p>
+              <a:endParaRPr lang="zh-CN" altLang="en-US" sz="1400" b="1"/>
+            </a:p>
+          </p:txBody>
+        </p:sp>
+        <p:sp>
+          <p:nvSpPr>
+            <p:cNvPr id="67" name="Text Box 62"/>
+            <p:cNvSpPr txBox="1">
+              <a:spLocks noChangeArrowheads="1"/>
+            </p:cNvSpPr>
+            <p:nvPr/>
+          </p:nvSpPr>
+          <p:spPr bwMode="auto">
+            <a:xfrm>
+              <a:off x="6326800" y="4053215"/>
+              <a:ext cx="184766" cy="165165"/>
+            </a:xfrm>
+            <a:prstGeom prst="rect">
+              <a:avLst/>
+            </a:prstGeom>
+            <a:solidFill>
+              <a:srgbClr val="FFFFFF"/>
+            </a:solidFill>
+            <a:ln w="9525">
+              <a:noFill/>
+              <a:miter lim="800000"/>
+            </a:ln>
+          </p:spPr>
+          <p:txBody>
+            <a:bodyPr vert="horz" wrap="square" lIns="0" tIns="0" rIns="0" bIns="0" numCol="1" anchor="t" anchorCtr="0" compatLnSpc="1"/>
+            <a:p>
+              <a:pPr marL="0" marR="0" lvl="0" indent="0" algn="ctr" defTabSz="914400" rtl="0" eaLnBrk="1" fontAlgn="base" latinLnBrk="0" hangingPunct="1">
+                <a:lnSpc>
+                  <a:spcPct val="64000"/>
+                </a:lnSpc>
+                <a:spcBef>
+                  <a:spcPct val="0"/>
+                </a:spcBef>
+                <a:spcAft>
+                  <a:spcPct val="0"/>
+                </a:spcAft>
+                <a:buClrTx/>
+                <a:buSzTx/>
+                <a:buFontTx/>
+                <a:buNone/>
+              </a:pPr>
+              <a:r>
+                <a:rPr kumimoji="0" lang="en-US" altLang="zh-CN" sz="1400" b="1" i="0" u="none" strike="noStrike" cap="none" normalizeH="0" baseline="0" smtClean="0">
+                  <a:ln>
+                    <a:noFill/>
+                  </a:ln>
+                  <a:solidFill>
+                    <a:schemeClr val="tx1"/>
+                  </a:solidFill>
+                  <a:effectLst/>
+                  <a:latin typeface="Arial" panose="020B0604020202020204" pitchFamily="34" charset="0"/>
+                  <a:ea typeface="宋体" pitchFamily="2" charset="-122"/>
+                </a:rPr>
+                <a:t>g</a:t>
+              </a:r>
+              <a:endParaRPr kumimoji="0" lang="zh-CN" altLang="zh-CN" sz="1400" b="1" i="0" u="none" strike="noStrike" cap="none" normalizeH="0" baseline="0" smtClean="0">
+                <a:ln>
+                  <a:noFill/>
+                </a:ln>
+                <a:solidFill>
+                  <a:schemeClr val="tx1"/>
+                </a:solidFill>
+                <a:effectLst/>
+                <a:latin typeface="Arial" panose="020B0604020202020204" pitchFamily="34" charset="0"/>
+                <a:ea typeface="宋体" pitchFamily="2" charset="-122"/>
+              </a:endParaRPr>
+            </a:p>
+          </p:txBody>
+        </p:sp>
+        <p:sp>
+          <p:nvSpPr>
+            <p:cNvPr id="68" name="Line 63"/>
+            <p:cNvSpPr>
+              <a:spLocks noChangeShapeType="1"/>
+            </p:cNvSpPr>
+            <p:nvPr/>
+          </p:nvSpPr>
+          <p:spPr bwMode="auto">
+            <a:xfrm flipH="1">
+              <a:off x="5995615" y="4262008"/>
+              <a:ext cx="289351" cy="264887"/>
+            </a:xfrm>
+            <a:prstGeom prst="line">
+              <a:avLst/>
+            </a:prstGeom>
+            <a:noFill/>
+            <a:ln w="9525">
+              <a:solidFill>
+                <a:srgbClr val="000000"/>
+              </a:solidFill>
+              <a:round/>
+              <a:tailEnd type="none" w="sm" len="sm"/>
+            </a:ln>
+          </p:spPr>
+          <p:txBody>
+            <a:bodyPr vert="horz" wrap="square" lIns="91440" tIns="45720" rIns="91440" bIns="45720" numCol="1" anchor="t" anchorCtr="0" compatLnSpc="1"/>
+            <a:p>
+              <a:endParaRPr lang="zh-CN" altLang="en-US" sz="1400" b="1"/>
+            </a:p>
+          </p:txBody>
+        </p:sp>
+        <p:sp>
+          <p:nvSpPr>
+            <p:cNvPr id="69" name="Oval 64"/>
+            <p:cNvSpPr>
+              <a:spLocks noChangeArrowheads="1"/>
+            </p:cNvSpPr>
+            <p:nvPr/>
+          </p:nvSpPr>
+          <p:spPr bwMode="auto">
+            <a:xfrm>
+              <a:off x="5786446" y="4523779"/>
+              <a:ext cx="368371" cy="329291"/>
+            </a:xfrm>
+            <a:prstGeom prst="ellipse">
+              <a:avLst/>
+            </a:prstGeom>
+            <a:solidFill>
+              <a:srgbClr val="FFFFFF"/>
+            </a:solidFill>
+            <a:ln w="9525">
+              <a:solidFill>
+                <a:srgbClr val="000000"/>
+              </a:solidFill>
+              <a:round/>
+            </a:ln>
+          </p:spPr>
+          <p:txBody>
+            <a:bodyPr vert="horz" wrap="square" lIns="91440" tIns="45720" rIns="91440" bIns="45720" numCol="1" anchor="t" anchorCtr="0" compatLnSpc="1"/>
+            <a:p>
+              <a:endParaRPr lang="zh-CN" altLang="en-US" sz="1400" b="1"/>
+            </a:p>
+          </p:txBody>
+        </p:sp>
+        <p:sp>
+          <p:nvSpPr>
+            <p:cNvPr id="70" name="Text Box 65"/>
+            <p:cNvSpPr txBox="1">
+              <a:spLocks noChangeArrowheads="1"/>
+            </p:cNvSpPr>
+            <p:nvPr/>
+          </p:nvSpPr>
+          <p:spPr bwMode="auto">
+            <a:xfrm>
+              <a:off x="5891031" y="4601688"/>
+              <a:ext cx="184766" cy="165165"/>
+            </a:xfrm>
+            <a:prstGeom prst="rect">
+              <a:avLst/>
+            </a:prstGeom>
+            <a:solidFill>
+              <a:srgbClr val="FFFFFF"/>
+            </a:solidFill>
+            <a:ln w="9525">
+              <a:noFill/>
+              <a:miter lim="800000"/>
+            </a:ln>
+          </p:spPr>
+          <p:txBody>
+            <a:bodyPr vert="horz" wrap="square" lIns="0" tIns="0" rIns="0" bIns="0" numCol="1" anchor="t" anchorCtr="0" compatLnSpc="1"/>
+            <a:p>
+              <a:pPr marL="0" marR="0" lvl="0" indent="0" algn="ctr" defTabSz="914400" rtl="0" eaLnBrk="1" fontAlgn="base" latinLnBrk="0" hangingPunct="1">
+                <a:lnSpc>
+                  <a:spcPct val="64000"/>
+                </a:lnSpc>
+                <a:spcBef>
+                  <a:spcPct val="0"/>
+                </a:spcBef>
+                <a:spcAft>
+                  <a:spcPct val="0"/>
+                </a:spcAft>
+                <a:buClrTx/>
+                <a:buSzTx/>
+                <a:buFontTx/>
+                <a:buNone/>
+              </a:pPr>
+              <a:r>
+                <a:rPr kumimoji="0" lang="en-US" altLang="zh-CN" sz="1400" b="1" i="0" u="none" strike="noStrike" cap="none" normalizeH="0" baseline="0" smtClean="0">
+                  <a:ln>
+                    <a:noFill/>
+                  </a:ln>
+                  <a:solidFill>
+                    <a:schemeClr val="tx1"/>
+                  </a:solidFill>
+                  <a:effectLst/>
+                  <a:latin typeface="Arial" panose="020B0604020202020204" pitchFamily="34" charset="0"/>
+                  <a:ea typeface="宋体" pitchFamily="2" charset="-122"/>
+                </a:rPr>
+                <a:t>h</a:t>
+              </a:r>
+              <a:endParaRPr kumimoji="0" lang="zh-CN" altLang="zh-CN" sz="1400" b="1" i="0" u="none" strike="noStrike" cap="none" normalizeH="0" baseline="0" smtClean="0">
+                <a:ln>
+                  <a:noFill/>
+                </a:ln>
+                <a:solidFill>
+                  <a:schemeClr val="tx1"/>
+                </a:solidFill>
+                <a:effectLst/>
+                <a:latin typeface="Arial" panose="020B0604020202020204" pitchFamily="34" charset="0"/>
+                <a:ea typeface="宋体" pitchFamily="2" charset="-122"/>
+              </a:endParaRPr>
+            </a:p>
+          </p:txBody>
+        </p:sp>
+        <p:sp>
+          <p:nvSpPr>
+            <p:cNvPr id="71" name="Line 66"/>
+            <p:cNvSpPr>
+              <a:spLocks noChangeShapeType="1"/>
+            </p:cNvSpPr>
+            <p:nvPr/>
+          </p:nvSpPr>
+          <p:spPr bwMode="auto">
+            <a:xfrm>
+              <a:off x="6535969" y="4246427"/>
+              <a:ext cx="289351" cy="264887"/>
+            </a:xfrm>
+            <a:prstGeom prst="line">
+              <a:avLst/>
+            </a:prstGeom>
+            <a:noFill/>
+            <a:ln w="9525">
+              <a:solidFill>
+                <a:srgbClr val="000000"/>
+              </a:solidFill>
+              <a:round/>
+              <a:tailEnd type="none" w="sm" len="sm"/>
+            </a:ln>
+          </p:spPr>
+          <p:txBody>
+            <a:bodyPr vert="horz" wrap="square" lIns="91440" tIns="45720" rIns="91440" bIns="45720" numCol="1" anchor="t" anchorCtr="0" compatLnSpc="1"/>
+            <a:p>
+              <a:endParaRPr lang="zh-CN" altLang="en-US" sz="1400" b="1"/>
+            </a:p>
+          </p:txBody>
+        </p:sp>
+        <p:sp>
+          <p:nvSpPr>
+            <p:cNvPr id="72" name="Oval 67"/>
+            <p:cNvSpPr>
+              <a:spLocks noChangeArrowheads="1"/>
+            </p:cNvSpPr>
+            <p:nvPr/>
+          </p:nvSpPr>
+          <p:spPr bwMode="auto">
+            <a:xfrm>
+              <a:off x="6745139" y="4492616"/>
+              <a:ext cx="368371" cy="329291"/>
+            </a:xfrm>
+            <a:prstGeom prst="ellipse">
+              <a:avLst/>
+            </a:prstGeom>
+            <a:solidFill>
+              <a:srgbClr val="FFFFFF"/>
+            </a:solidFill>
+            <a:ln w="9525">
+              <a:solidFill>
+                <a:srgbClr val="000000"/>
+              </a:solidFill>
+              <a:round/>
+            </a:ln>
+          </p:spPr>
+          <p:txBody>
+            <a:bodyPr vert="horz" wrap="square" lIns="91440" tIns="45720" rIns="91440" bIns="45720" numCol="1" anchor="t" anchorCtr="0" compatLnSpc="1"/>
+            <a:p>
+              <a:endParaRPr lang="zh-CN" altLang="en-US" sz="1400" b="1"/>
+            </a:p>
+          </p:txBody>
+        </p:sp>
+        <p:sp>
+          <p:nvSpPr>
+            <p:cNvPr id="73" name="Text Box 68"/>
+            <p:cNvSpPr txBox="1">
+              <a:spLocks noChangeArrowheads="1"/>
+            </p:cNvSpPr>
+            <p:nvPr/>
+          </p:nvSpPr>
+          <p:spPr bwMode="auto">
+            <a:xfrm>
+              <a:off x="6849723" y="4570524"/>
+              <a:ext cx="184766" cy="165165"/>
+            </a:xfrm>
+            <a:prstGeom prst="rect">
+              <a:avLst/>
+            </a:prstGeom>
+            <a:solidFill>
+              <a:srgbClr val="FFFFFF"/>
+            </a:solidFill>
+            <a:ln w="9525">
+              <a:noFill/>
+              <a:miter lim="800000"/>
+            </a:ln>
+          </p:spPr>
+          <p:txBody>
+            <a:bodyPr vert="horz" wrap="square" lIns="0" tIns="0" rIns="0" bIns="0" numCol="1" anchor="t" anchorCtr="0" compatLnSpc="1"/>
+            <a:p>
+              <a:pPr marL="0" marR="0" lvl="0" indent="0" algn="ctr" defTabSz="914400" rtl="0" eaLnBrk="1" fontAlgn="base" latinLnBrk="0" hangingPunct="1">
+                <a:lnSpc>
+                  <a:spcPct val="64000"/>
+                </a:lnSpc>
+                <a:spcBef>
+                  <a:spcPct val="0"/>
+                </a:spcBef>
+                <a:spcAft>
+                  <a:spcPct val="0"/>
+                </a:spcAft>
+                <a:buClrTx/>
+                <a:buSzTx/>
+                <a:buFontTx/>
+                <a:buNone/>
+              </a:pPr>
+              <a:r>
+                <a:rPr kumimoji="0" lang="en-US" altLang="zh-CN" sz="1400" b="1" i="0" u="none" strike="noStrike" cap="none" normalizeH="0" baseline="0" smtClean="0">
+                  <a:ln>
+                    <a:noFill/>
+                  </a:ln>
+                  <a:solidFill>
+                    <a:schemeClr val="tx1"/>
+                  </a:solidFill>
+                  <a:effectLst/>
+                  <a:latin typeface="Arial" panose="020B0604020202020204" pitchFamily="34" charset="0"/>
+                  <a:ea typeface="宋体" pitchFamily="2" charset="-122"/>
+                </a:rPr>
+                <a:t>i</a:t>
+              </a:r>
+              <a:endParaRPr kumimoji="0" lang="zh-CN" altLang="zh-CN" sz="1400" b="1" i="0" u="none" strike="noStrike" cap="none" normalizeH="0" baseline="0" smtClean="0">
+                <a:ln>
+                  <a:noFill/>
+                </a:ln>
+                <a:solidFill>
+                  <a:schemeClr val="tx1"/>
+                </a:solidFill>
+                <a:effectLst/>
+                <a:latin typeface="Arial" panose="020B0604020202020204" pitchFamily="34" charset="0"/>
+                <a:ea typeface="宋体" pitchFamily="2" charset="-122"/>
+              </a:endParaRPr>
+            </a:p>
+          </p:txBody>
+        </p:sp>
+        <p:sp>
+          <p:nvSpPr>
+            <p:cNvPr id="74" name="Line 69"/>
+            <p:cNvSpPr>
+              <a:spLocks noChangeShapeType="1"/>
+            </p:cNvSpPr>
+            <p:nvPr/>
+          </p:nvSpPr>
+          <p:spPr bwMode="auto">
+            <a:xfrm>
+              <a:off x="7041462" y="4769969"/>
+              <a:ext cx="289351" cy="264887"/>
+            </a:xfrm>
+            <a:prstGeom prst="line">
+              <a:avLst/>
+            </a:prstGeom>
+            <a:noFill/>
+            <a:ln w="9525">
+              <a:solidFill>
+                <a:srgbClr val="000000"/>
+              </a:solidFill>
+              <a:round/>
+              <a:tailEnd type="none" w="sm" len="sm"/>
+            </a:ln>
+          </p:spPr>
+          <p:txBody>
+            <a:bodyPr vert="horz" wrap="square" lIns="91440" tIns="45720" rIns="91440" bIns="45720" numCol="1" anchor="t" anchorCtr="0" compatLnSpc="1"/>
+            <a:p>
+              <a:endParaRPr lang="zh-CN" altLang="en-US" sz="1400" b="1"/>
+            </a:p>
+          </p:txBody>
+        </p:sp>
+        <p:sp>
+          <p:nvSpPr>
+            <p:cNvPr id="75" name="Oval 70"/>
+            <p:cNvSpPr>
+              <a:spLocks noChangeArrowheads="1"/>
+            </p:cNvSpPr>
+            <p:nvPr/>
+          </p:nvSpPr>
+          <p:spPr bwMode="auto">
+            <a:xfrm>
+              <a:off x="7250631" y="5016159"/>
+              <a:ext cx="368371" cy="329291"/>
+            </a:xfrm>
+            <a:prstGeom prst="ellipse">
+              <a:avLst/>
+            </a:prstGeom>
+            <a:solidFill>
+              <a:srgbClr val="FFFFFF"/>
+            </a:solidFill>
+            <a:ln w="9525">
+              <a:solidFill>
+                <a:srgbClr val="000000"/>
+              </a:solidFill>
+              <a:round/>
+            </a:ln>
+          </p:spPr>
+          <p:txBody>
+            <a:bodyPr vert="horz" wrap="square" lIns="91440" tIns="45720" rIns="91440" bIns="45720" numCol="1" anchor="t" anchorCtr="0" compatLnSpc="1"/>
+            <a:p>
+              <a:endParaRPr lang="zh-CN" altLang="en-US" sz="1400" b="1"/>
+            </a:p>
+          </p:txBody>
+        </p:sp>
+        <p:sp>
+          <p:nvSpPr>
+            <p:cNvPr id="76" name="Text Box 71"/>
+            <p:cNvSpPr txBox="1">
+              <a:spLocks noChangeArrowheads="1"/>
+            </p:cNvSpPr>
+            <p:nvPr/>
+          </p:nvSpPr>
+          <p:spPr bwMode="auto">
+            <a:xfrm>
+              <a:off x="7355216" y="5094067"/>
+              <a:ext cx="184766" cy="165165"/>
+            </a:xfrm>
+            <a:prstGeom prst="rect">
+              <a:avLst/>
+            </a:prstGeom>
+            <a:solidFill>
+              <a:srgbClr val="FFFFFF"/>
+            </a:solidFill>
+            <a:ln w="9525">
+              <a:noFill/>
+              <a:miter lim="800000"/>
+            </a:ln>
+          </p:spPr>
+          <p:txBody>
+            <a:bodyPr vert="horz" wrap="square" lIns="0" tIns="0" rIns="0" bIns="0" numCol="1" anchor="t" anchorCtr="0" compatLnSpc="1"/>
+            <a:p>
+              <a:pPr marL="0" marR="0" lvl="0" indent="0" algn="ctr" defTabSz="914400" rtl="0" eaLnBrk="1" fontAlgn="base" latinLnBrk="0" hangingPunct="1">
+                <a:lnSpc>
+                  <a:spcPct val="64000"/>
+                </a:lnSpc>
+                <a:spcBef>
+                  <a:spcPct val="0"/>
+                </a:spcBef>
+                <a:spcAft>
+                  <a:spcPct val="0"/>
+                </a:spcAft>
+                <a:buClrTx/>
+                <a:buSzTx/>
+                <a:buFontTx/>
+                <a:buNone/>
+              </a:pPr>
+              <a:r>
+                <a:rPr kumimoji="0" lang="en-US" altLang="zh-CN" sz="1400" b="1" i="0" u="none" strike="noStrike" cap="none" normalizeH="0" baseline="0" smtClean="0">
+                  <a:ln>
+                    <a:noFill/>
+                  </a:ln>
+                  <a:solidFill>
+                    <a:schemeClr val="tx1"/>
+                  </a:solidFill>
+                  <a:effectLst/>
+                  <a:latin typeface="Arial" panose="020B0604020202020204" pitchFamily="34" charset="0"/>
+                  <a:ea typeface="宋体" pitchFamily="2" charset="-122"/>
+                </a:rPr>
+                <a:t>j</a:t>
+              </a:r>
+              <a:endParaRPr kumimoji="0" lang="zh-CN" altLang="zh-CN" sz="1400" b="1" i="0" u="none" strike="noStrike" cap="none" normalizeH="0" baseline="0" smtClean="0">
+                <a:ln>
+                  <a:noFill/>
+                </a:ln>
+                <a:solidFill>
+                  <a:schemeClr val="tx1"/>
+                </a:solidFill>
+                <a:effectLst/>
+                <a:latin typeface="Arial" panose="020B0604020202020204" pitchFamily="34" charset="0"/>
+                <a:ea typeface="宋体" pitchFamily="2" charset="-122"/>
+              </a:endParaRPr>
+            </a:p>
+          </p:txBody>
+        </p:sp>
+      </p:grpSp>
+      <p:sp>
+        <p:nvSpPr>
+          <p:cNvPr id="81" name="AutoShape 6"/>
+          <p:cNvSpPr>
+            <a:spLocks noChangeArrowheads="1"/>
+          </p:cNvSpPr>
+          <p:nvPr/>
+        </p:nvSpPr>
+        <p:spPr bwMode="auto">
+          <a:xfrm>
+            <a:off x="6591268" y="2928611"/>
+            <a:ext cx="4572032" cy="1000132"/>
+          </a:xfrm>
+          <a:prstGeom prst="cloudCallout">
+            <a:avLst>
+              <a:gd name="adj1" fmla="val -16138"/>
+              <a:gd name="adj2" fmla="val -130270"/>
+            </a:avLst>
+          </a:prstGeom>
+          <a:noFill/>
+          <a:ln w="9525">
+            <a:solidFill>
+              <a:schemeClr val="tx1"/>
+            </a:solidFill>
+            <a:round/>
+          </a:ln>
+        </p:spPr>
+        <p:txBody>
+          <a:bodyPr wrap="none"/>
+          <a:p>
+            <a:pPr algn="ctr"/>
+            <a:r>
+              <a:rPr lang="zh-CN" altLang="en-US" sz="2000" b="1" dirty="0" smtClean="0"/>
+              <a:t>左子树（或右子树）序列</a:t>
+            </a:r>
+            <a:endParaRPr lang="en-US" altLang="zh-CN" sz="2000" b="1" dirty="0" smtClean="0"/>
+          </a:p>
+          <a:p>
+            <a:pPr algn="ctr"/>
+            <a:r>
+              <a:rPr lang="zh-CN" altLang="en-US" sz="2000" b="1" dirty="0" smtClean="0">
+                <a:solidFill>
+                  <a:srgbClr val="0000FF"/>
+                </a:solidFill>
+              </a:rPr>
+              <a:t>不配套</a:t>
+            </a:r>
+            <a:r>
+              <a:rPr lang="zh-CN" altLang="en-US" sz="2000" b="1" dirty="0" smtClean="0"/>
+              <a:t>意味着什么？</a:t>
+            </a:r>
+            <a:endParaRPr lang="zh-CN" altLang="en-US" sz="2000" b="1" dirty="0">
+              <a:latin typeface="Times New Roman" panose="02020603050405020304" pitchFamily="18" charset="0"/>
+            </a:endParaRPr>
+          </a:p>
+        </p:txBody>
+      </p:sp>
+      <p:sp>
+        <p:nvSpPr>
+          <p:cNvPr id="11" name="文本框 10"/>
+          <p:cNvSpPr txBox="1"/>
+          <p:nvPr/>
+        </p:nvSpPr>
+        <p:spPr>
+          <a:xfrm>
+            <a:off x="647700" y="5830570"/>
+            <a:ext cx="5442585" cy="460375"/>
+          </a:xfrm>
+          <a:prstGeom prst="rect">
+            <a:avLst/>
+          </a:prstGeom>
+          <a:noFill/>
+        </p:spPr>
+        <p:txBody>
+          <a:bodyPr wrap="none" rtlCol="0">
+            <a:spAutoFit/>
+          </a:bodyPr>
+          <a:p>
+            <a:pPr algn="l"/>
+            <a:r>
+              <a:rPr lang="zh-CN" altLang="en-US" sz="2400">
+                <a:latin typeface="黑体" charset="0"/>
+                <a:ea typeface="黑体" charset="0"/>
+                <a:cs typeface="黑体" charset="0"/>
+              </a:rPr>
+              <a:t>从前序与中序遍历序列构造二叉树.html</a:t>
+            </a:r>
+            <a:endParaRPr lang="zh-CN" altLang="en-US" sz="2400">
+              <a:latin typeface="黑体" charset="0"/>
+              <a:ea typeface="黑体" charset="0"/>
+              <a:cs typeface="黑体" charset="0"/>
+            </a:endParaRPr>
+          </a:p>
+        </p:txBody>
+      </p:sp>
+    </p:spTree>
+  </p:cSld>
+  <p:clrMapOvr>
+    <a:masterClrMapping/>
+  </p:clrMapOvr>
+  <p:timing>
+    <p:tnLst>
+      <p:par>
+        <p:cTn id="1" dur="indefinite" restart="never" nodeType="tmRoot">
+          <p:childTnLst>
+            <p:seq concurrent="1" nextAc="seek">
+              <p:cTn id="2" dur="indefinite" nodeType="mainSeq">
+                <p:childTnLst>
+                  <p:par>
+                    <p:cTn id="3" fill="hold">
+                      <p:stCondLst>
+                        <p:cond delay="indefinite"/>
+                      </p:stCondLst>
+                      <p:childTnLst>
+                        <p:par>
+                          <p:cTn id="4" fill="hold">
+                            <p:stCondLst>
+                              <p:cond delay="0"/>
+                            </p:stCondLst>
+                            <p:childTnLst>
+                              <p:par>
+                                <p:cTn id="5" presetID="3" presetClass="entr" presetSubtype="10" fill="hold" grpId="0" nodeType="clickEffect">
+                                  <p:stCondLst>
+                                    <p:cond delay="0"/>
+                                  </p:stCondLst>
+                                  <p:childTnLst>
+                                    <p:set>
+                                      <p:cBhvr>
+                                        <p:cTn id="6" dur="1" fill="hold">
+                                          <p:stCondLst>
+                                            <p:cond delay="0"/>
+                                          </p:stCondLst>
+                                        </p:cTn>
+                                        <p:tgtEl>
+                                          <p:spTgt spid="4"/>
+                                        </p:tgtEl>
+                                        <p:attrNameLst>
+                                          <p:attrName>style.visibility</p:attrName>
+                                        </p:attrNameLst>
+                                      </p:cBhvr>
+                                      <p:to>
+                                        <p:strVal val="visible"/>
+                                      </p:to>
+                                    </p:set>
+                                    <p:animEffect transition="in" filter="blinds(horizontal)">
+                                      <p:cBhvr>
+                                        <p:cTn id="7" dur="500"/>
+                                        <p:tgtEl>
+                                          <p:spTgt spid="4"/>
+                                        </p:tgtEl>
+                                      </p:cBhvr>
+                                    </p:animEffect>
+                                  </p:childTnLst>
+                                </p:cTn>
+                              </p:par>
+                              <p:par>
+                                <p:cTn id="8" presetID="3" presetClass="entr" presetSubtype="10" fill="hold" grpId="2" nodeType="withEffect">
+                                  <p:stCondLst>
+                                    <p:cond delay="0"/>
+                                  </p:stCondLst>
+                                  <p:childTnLst>
+                                    <p:set>
+                                      <p:cBhvr>
+                                        <p:cTn id="9" dur="1" fill="hold">
+                                          <p:stCondLst>
+                                            <p:cond delay="0"/>
+                                          </p:stCondLst>
+                                        </p:cTn>
+                                        <p:tgtEl>
+                                          <p:spTgt spid="5"/>
+                                        </p:tgtEl>
+                                        <p:attrNameLst>
+                                          <p:attrName>style.visibility</p:attrName>
+                                        </p:attrNameLst>
+                                      </p:cBhvr>
+                                      <p:to>
+                                        <p:strVal val="visible"/>
+                                      </p:to>
+                                    </p:set>
+                                    <p:animEffect transition="in" filter="blinds(horizontal)">
+                                      <p:cBhvr>
+                                        <p:cTn id="10" dur="500"/>
+                                        <p:tgtEl>
+                                          <p:spTgt spid="5"/>
+                                        </p:tgtEl>
+                                      </p:cBhvr>
+                                    </p:animEffect>
+                                  </p:childTnLst>
+                                </p:cTn>
+                              </p:par>
+                              <p:par>
+                                <p:cTn id="11" presetID="3" presetClass="entr" presetSubtype="10" fill="hold" grpId="0" nodeType="withEffect">
+                                  <p:stCondLst>
+                                    <p:cond delay="0"/>
+                                  </p:stCondLst>
+                                  <p:childTnLst>
+                                    <p:set>
+                                      <p:cBhvr>
+                                        <p:cTn id="12" dur="1" fill="hold">
+                                          <p:stCondLst>
+                                            <p:cond delay="0"/>
+                                          </p:stCondLst>
+                                        </p:cTn>
+                                        <p:tgtEl>
+                                          <p:spTgt spid="6"/>
+                                        </p:tgtEl>
+                                        <p:attrNameLst>
+                                          <p:attrName>style.visibility</p:attrName>
+                                        </p:attrNameLst>
+                                      </p:cBhvr>
+                                      <p:to>
+                                        <p:strVal val="visible"/>
+                                      </p:to>
+                                    </p:set>
+                                    <p:animEffect transition="in" filter="blinds(horizontal)">
+                                      <p:cBhvr>
+                                        <p:cTn id="13" dur="500"/>
+                                        <p:tgtEl>
+                                          <p:spTgt spid="6"/>
+                                        </p:tgtEl>
+                                      </p:cBhvr>
+                                    </p:animEffect>
+                                  </p:childTnLst>
+                                </p:cTn>
+                              </p:par>
+                              <p:par>
+                                <p:cTn id="14" presetID="3" presetClass="entr" presetSubtype="10" fill="hold" grpId="0" nodeType="withEffect">
+                                  <p:stCondLst>
+                                    <p:cond delay="0"/>
+                                  </p:stCondLst>
+                                  <p:childTnLst>
+                                    <p:set>
+                                      <p:cBhvr>
+                                        <p:cTn id="15" dur="1" fill="hold">
+                                          <p:stCondLst>
+                                            <p:cond delay="0"/>
+                                          </p:stCondLst>
+                                        </p:cTn>
+                                        <p:tgtEl>
+                                          <p:spTgt spid="7"/>
+                                        </p:tgtEl>
+                                        <p:attrNameLst>
+                                          <p:attrName>style.visibility</p:attrName>
+                                        </p:attrNameLst>
+                                      </p:cBhvr>
+                                      <p:to>
+                                        <p:strVal val="visible"/>
+                                      </p:to>
+                                    </p:set>
+                                    <p:animEffect transition="in" filter="blinds(horizontal)">
+                                      <p:cBhvr>
+                                        <p:cTn id="16" dur="500"/>
+                                        <p:tgtEl>
+                                          <p:spTgt spid="7"/>
+                                        </p:tgtEl>
+                                      </p:cBhvr>
+                                    </p:animEffect>
+                                  </p:childTnLst>
+                                </p:cTn>
+                              </p:par>
+                              <p:par>
+                                <p:cTn id="17" presetID="3" presetClass="entr" presetSubtype="10" fill="hold" grpId="0" nodeType="withEffect">
+                                  <p:stCondLst>
+                                    <p:cond delay="0"/>
+                                  </p:stCondLst>
+                                  <p:childTnLst>
+                                    <p:set>
+                                      <p:cBhvr>
+                                        <p:cTn id="18" dur="1" fill="hold">
+                                          <p:stCondLst>
+                                            <p:cond delay="0"/>
+                                          </p:stCondLst>
+                                        </p:cTn>
+                                        <p:tgtEl>
+                                          <p:spTgt spid="8"/>
+                                        </p:tgtEl>
+                                        <p:attrNameLst>
+                                          <p:attrName>style.visibility</p:attrName>
+                                        </p:attrNameLst>
+                                      </p:cBhvr>
+                                      <p:to>
+                                        <p:strVal val="visible"/>
+                                      </p:to>
+                                    </p:set>
+                                    <p:animEffect transition="in" filter="blinds(horizontal)">
+                                      <p:cBhvr>
+                                        <p:cTn id="19" dur="500"/>
+                                        <p:tgtEl>
+                                          <p:spTgt spid="8"/>
+                                        </p:tgtEl>
+                                      </p:cBhvr>
+                                    </p:animEffect>
+                                  </p:childTnLst>
+                                </p:cTn>
+                              </p:par>
+                              <p:par>
+                                <p:cTn id="20" presetID="3" presetClass="entr" presetSubtype="10" fill="hold" grpId="2" nodeType="withEffect">
+                                  <p:stCondLst>
+                                    <p:cond delay="0"/>
+                                  </p:stCondLst>
+                                  <p:childTnLst>
+                                    <p:set>
+                                      <p:cBhvr>
+                                        <p:cTn id="21" dur="1" fill="hold">
+                                          <p:stCondLst>
+                                            <p:cond delay="0"/>
+                                          </p:stCondLst>
+                                        </p:cTn>
+                                        <p:tgtEl>
+                                          <p:spTgt spid="13"/>
+                                        </p:tgtEl>
+                                        <p:attrNameLst>
+                                          <p:attrName>style.visibility</p:attrName>
+                                        </p:attrNameLst>
+                                      </p:cBhvr>
+                                      <p:to>
+                                        <p:strVal val="visible"/>
+                                      </p:to>
+                                    </p:set>
+                                    <p:animEffect transition="in" filter="blinds(horizontal)">
+                                      <p:cBhvr>
+                                        <p:cTn id="22" dur="500"/>
+                                        <p:tgtEl>
+                                          <p:spTgt spid="13"/>
+                                        </p:tgtEl>
+                                      </p:cBhvr>
+                                    </p:animEffect>
+                                  </p:childTnLst>
+                                </p:cTn>
+                              </p:par>
+                            </p:childTnLst>
+                          </p:cTn>
+                        </p:par>
+                      </p:childTnLst>
+                    </p:cTn>
+                  </p:par>
+                  <p:par>
+                    <p:cTn id="23" fill="hold">
+                      <p:stCondLst>
+                        <p:cond delay="indefinite"/>
+                      </p:stCondLst>
+                      <p:childTnLst>
+                        <p:par>
+                          <p:cTn id="24" fill="hold">
+                            <p:stCondLst>
+                              <p:cond delay="0"/>
+                            </p:stCondLst>
+                            <p:childTnLst>
+                              <p:par>
+                                <p:cTn id="25" presetID="8" presetClass="emph" presetSubtype="0" fill="hold" grpId="1" nodeType="clickEffect">
+                                  <p:stCondLst>
+                                    <p:cond delay="0"/>
+                                  </p:stCondLst>
+                                  <p:childTnLst>
+                                    <p:animRot by="21600000">
+                                      <p:cBhvr>
+                                        <p:cTn id="26" dur="1000" fill="hold"/>
+                                        <p:tgtEl>
+                                          <p:spTgt spid="5"/>
+                                        </p:tgtEl>
+                                        <p:attrNameLst>
+                                          <p:attrName>r</p:attrName>
+                                        </p:attrNameLst>
+                                      </p:cBhvr>
+                                    </p:animRot>
+                                  </p:childTnLst>
+                                  <p:subTnLst>
+                                    <p:animClr>
+                                      <p:cBhvr override="childStyle">
+                                        <p:cTn dur="1" fill="hold" display="0" masterRel="nextClick" afterEffect="1"/>
+                                        <p:tgtEl>
+                                          <p:spTgt spid="5"/>
+                                        </p:tgtEl>
+                                        <p:attrNameLst>
+                                          <p:attrName>ppt_c</p:attrName>
+                                        </p:attrNameLst>
+                                      </p:cBhvr>
+                                      <p:to>
+                                        <a:schemeClr val="hlink"/>
+                                      </p:to>
+                                    </p:animClr>
+                                  </p:subTnLst>
+                                </p:cTn>
+                              </p:par>
+                            </p:childTnLst>
+                          </p:cTn>
+                        </p:par>
+                        <p:par>
+                          <p:cTn id="27" fill="hold">
+                            <p:stCondLst>
+                              <p:cond delay="1000"/>
+                            </p:stCondLst>
+                            <p:childTnLst>
+                              <p:par>
+                                <p:cTn id="28" presetID="6" presetClass="emph" presetSubtype="0" fill="hold" grpId="3" nodeType="afterEffect">
+                                  <p:stCondLst>
+                                    <p:cond delay="0"/>
+                                  </p:stCondLst>
+                                  <p:childTnLst>
+                                    <p:animScale>
+                                      <p:cBhvr>
+                                        <p:cTn id="29" dur="500" fill="hold"/>
+                                        <p:tgtEl>
+                                          <p:spTgt spid="5"/>
+                                        </p:tgtEl>
+                                      </p:cBhvr>
+                                      <p:by x="150000" y="150000"/>
+                                    </p:animScale>
+                                  </p:childTnLst>
+                                </p:cTn>
+                              </p:par>
+                            </p:childTnLst>
+                          </p:cTn>
+                        </p:par>
+                      </p:childTnLst>
+                    </p:cTn>
+                  </p:par>
+                  <p:par>
+                    <p:cTn id="30" fill="hold">
+                      <p:stCondLst>
+                        <p:cond delay="indefinite"/>
+                      </p:stCondLst>
+                      <p:childTnLst>
+                        <p:par>
+                          <p:cTn id="31" fill="hold">
+                            <p:stCondLst>
+                              <p:cond delay="0"/>
+                            </p:stCondLst>
+                            <p:childTnLst>
+                              <p:par>
+                                <p:cTn id="32" presetID="1" presetClass="entr" presetSubtype="0" fill="hold" nodeType="clickEffect">
+                                  <p:stCondLst>
+                                    <p:cond delay="0"/>
+                                  </p:stCondLst>
+                                  <p:childTnLst>
+                                    <p:set>
+                                      <p:cBhvr>
+                                        <p:cTn id="33" dur="1" fill="hold">
+                                          <p:stCondLst>
+                                            <p:cond delay="0"/>
+                                          </p:stCondLst>
+                                        </p:cTn>
+                                        <p:tgtEl>
+                                          <p:spTgt spid="37"/>
+                                        </p:tgtEl>
+                                        <p:attrNameLst>
+                                          <p:attrName>style.visibility</p:attrName>
+                                        </p:attrNameLst>
+                                      </p:cBhvr>
+                                      <p:to>
+                                        <p:strVal val="visible"/>
+                                      </p:to>
+                                    </p:set>
+                                  </p:childTnLst>
+                                </p:cTn>
+                              </p:par>
+                            </p:childTnLst>
+                          </p:cTn>
+                        </p:par>
+                      </p:childTnLst>
+                    </p:cTn>
+                  </p:par>
+                  <p:par>
+                    <p:cTn id="34" fill="hold">
+                      <p:stCondLst>
+                        <p:cond delay="indefinite"/>
+                      </p:stCondLst>
+                      <p:childTnLst>
+                        <p:par>
+                          <p:cTn id="35" fill="hold">
+                            <p:stCondLst>
+                              <p:cond delay="0"/>
+                            </p:stCondLst>
+                            <p:childTnLst>
+                              <p:par>
+                                <p:cTn id="36" presetID="8" presetClass="emph" presetSubtype="0" fill="hold" grpId="1" nodeType="clickEffect">
+                                  <p:stCondLst>
+                                    <p:cond delay="0"/>
+                                  </p:stCondLst>
+                                  <p:childTnLst>
+                                    <p:animRot by="21600000">
+                                      <p:cBhvr>
+                                        <p:cTn id="37" dur="1000" fill="hold"/>
+                                        <p:tgtEl>
+                                          <p:spTgt spid="13"/>
+                                        </p:tgtEl>
+                                        <p:attrNameLst>
+                                          <p:attrName>r</p:attrName>
+                                        </p:attrNameLst>
+                                      </p:cBhvr>
+                                    </p:animRot>
+                                  </p:childTnLst>
+                                  <p:subTnLst>
+                                    <p:animClr>
+                                      <p:cBhvr override="childStyle">
+                                        <p:cTn dur="1" fill="hold" display="0" masterRel="nextClick" afterEffect="1"/>
+                                        <p:tgtEl>
+                                          <p:spTgt spid="13"/>
+                                        </p:tgtEl>
+                                        <p:attrNameLst>
+                                          <p:attrName>ppt_c</p:attrName>
+                                        </p:attrNameLst>
+                                      </p:cBhvr>
+                                      <p:to>
+                                        <a:schemeClr val="hlink"/>
+                                      </p:to>
+                                    </p:animClr>
+                                  </p:subTnLst>
+                                </p:cTn>
+                              </p:par>
+                            </p:childTnLst>
+                          </p:cTn>
+                        </p:par>
+                        <p:par>
+                          <p:cTn id="38" fill="hold">
+                            <p:stCondLst>
+                              <p:cond delay="1000"/>
+                            </p:stCondLst>
+                            <p:childTnLst>
+                              <p:par>
+                                <p:cTn id="39" presetID="6" presetClass="emph" presetSubtype="0" fill="hold" grpId="3" nodeType="afterEffect">
+                                  <p:stCondLst>
+                                    <p:cond delay="0"/>
+                                  </p:stCondLst>
+                                  <p:childTnLst>
+                                    <p:animScale>
+                                      <p:cBhvr>
+                                        <p:cTn id="40" dur="500" fill="hold"/>
+                                        <p:tgtEl>
+                                          <p:spTgt spid="13"/>
+                                        </p:tgtEl>
+                                      </p:cBhvr>
+                                      <p:by x="150000" y="150000"/>
+                                    </p:animScale>
+                                  </p:childTnLst>
+                                </p:cTn>
+                              </p:par>
+                            </p:childTnLst>
+                          </p:cTn>
+                        </p:par>
+                      </p:childTnLst>
+                    </p:cTn>
+                  </p:par>
+                  <p:par>
+                    <p:cTn id="41" fill="hold">
+                      <p:stCondLst>
+                        <p:cond delay="indefinite"/>
+                      </p:stCondLst>
+                      <p:childTnLst>
+                        <p:par>
+                          <p:cTn id="42" fill="hold">
+                            <p:stCondLst>
+                              <p:cond delay="0"/>
+                            </p:stCondLst>
+                            <p:childTnLst>
+                              <p:par>
+                                <p:cTn id="43" presetID="6" presetClass="emph" presetSubtype="0" fill="hold" grpId="1" nodeType="clickEffect">
+                                  <p:stCondLst>
+                                    <p:cond delay="0"/>
+                                  </p:stCondLst>
+                                  <p:childTnLst>
+                                    <p:animScale>
+                                      <p:cBhvr>
+                                        <p:cTn id="44" dur="1000" fill="hold"/>
+                                        <p:tgtEl>
+                                          <p:spTgt spid="4"/>
+                                        </p:tgtEl>
+                                      </p:cBhvr>
+                                      <p:by x="150000" y="150000"/>
+                                    </p:animScale>
+                                  </p:childTnLst>
+                                  <p:subTnLst>
+                                    <p:animClr>
+                                      <p:cBhvr override="childStyle">
+                                        <p:cTn dur="1" fill="hold" display="0" masterRel="nextClick" afterEffect="1"/>
+                                        <p:tgtEl>
+                                          <p:spTgt spid="4"/>
+                                        </p:tgtEl>
+                                        <p:attrNameLst>
+                                          <p:attrName>ppt_c</p:attrName>
+                                        </p:attrNameLst>
+                                      </p:cBhvr>
+                                      <p:to>
+                                        <a:schemeClr val="tx2"/>
+                                      </p:to>
+                                    </p:animClr>
+                                  </p:subTnLst>
+                                </p:cTn>
+                              </p:par>
+                            </p:childTnLst>
+                          </p:cTn>
+                        </p:par>
+                      </p:childTnLst>
+                    </p:cTn>
+                  </p:par>
+                  <p:par>
+                    <p:cTn id="45" fill="hold">
+                      <p:stCondLst>
+                        <p:cond delay="indefinite"/>
+                      </p:stCondLst>
+                      <p:childTnLst>
+                        <p:par>
+                          <p:cTn id="46" fill="hold">
+                            <p:stCondLst>
+                              <p:cond delay="0"/>
+                            </p:stCondLst>
+                            <p:childTnLst>
+                              <p:par>
+                                <p:cTn id="47" presetID="22" presetClass="entr" presetSubtype="1" fill="hold" nodeType="clickEffect">
+                                  <p:stCondLst>
+                                    <p:cond delay="0"/>
+                                  </p:stCondLst>
+                                  <p:childTnLst>
+                                    <p:set>
+                                      <p:cBhvr>
+                                        <p:cTn id="48" dur="1" fill="hold">
+                                          <p:stCondLst>
+                                            <p:cond delay="0"/>
+                                          </p:stCondLst>
+                                        </p:cTn>
+                                        <p:tgtEl>
+                                          <p:spTgt spid="38"/>
+                                        </p:tgtEl>
+                                        <p:attrNameLst>
+                                          <p:attrName>style.visibility</p:attrName>
+                                        </p:attrNameLst>
+                                      </p:cBhvr>
+                                      <p:to>
+                                        <p:strVal val="visible"/>
+                                      </p:to>
+                                    </p:set>
+                                    <p:animEffect transition="in" filter="wipe(up)">
+                                      <p:cBhvr>
+                                        <p:cTn id="49" dur="500"/>
+                                        <p:tgtEl>
+                                          <p:spTgt spid="38"/>
+                                        </p:tgtEl>
+                                      </p:cBhvr>
+                                    </p:animEffect>
+                                  </p:childTnLst>
+                                </p:cTn>
+                              </p:par>
+                            </p:childTnLst>
+                          </p:cTn>
+                        </p:par>
+                      </p:childTnLst>
+                    </p:cTn>
+                  </p:par>
+                  <p:par>
+                    <p:cTn id="50" fill="hold">
+                      <p:stCondLst>
+                        <p:cond delay="indefinite"/>
+                      </p:stCondLst>
+                      <p:childTnLst>
+                        <p:par>
+                          <p:cTn id="51" fill="hold">
+                            <p:stCondLst>
+                              <p:cond delay="0"/>
+                            </p:stCondLst>
+                            <p:childTnLst>
+                              <p:par>
+                                <p:cTn id="52" presetID="6" presetClass="emph" presetSubtype="0" fill="hold" grpId="1" nodeType="clickEffect">
+                                  <p:stCondLst>
+                                    <p:cond delay="0"/>
+                                  </p:stCondLst>
+                                  <p:childTnLst>
+                                    <p:animScale>
+                                      <p:cBhvr>
+                                        <p:cTn id="53" dur="2000" fill="hold"/>
+                                        <p:tgtEl>
+                                          <p:spTgt spid="6"/>
+                                        </p:tgtEl>
+                                      </p:cBhvr>
+                                      <p:by x="150000" y="150000"/>
+                                    </p:animScale>
+                                  </p:childTnLst>
+                                  <p:subTnLst>
+                                    <p:animClr>
+                                      <p:cBhvr override="childStyle">
+                                        <p:cTn dur="1" fill="hold" display="0" masterRel="nextClick" afterEffect="1"/>
+                                        <p:tgtEl>
+                                          <p:spTgt spid="6"/>
+                                        </p:tgtEl>
+                                        <p:attrNameLst>
+                                          <p:attrName>ppt_c</p:attrName>
+                                        </p:attrNameLst>
+                                      </p:cBhvr>
+                                      <p:to>
+                                        <a:schemeClr val="tx2"/>
+                                      </p:to>
+                                    </p:animClr>
+                                  </p:subTnLst>
+                                </p:cTn>
+                              </p:par>
+                            </p:childTnLst>
+                          </p:cTn>
+                        </p:par>
+                      </p:childTnLst>
+                    </p:cTn>
+                  </p:par>
+                  <p:par>
+                    <p:cTn id="54" fill="hold">
+                      <p:stCondLst>
+                        <p:cond delay="indefinite"/>
+                      </p:stCondLst>
+                      <p:childTnLst>
+                        <p:par>
+                          <p:cTn id="55" fill="hold">
+                            <p:stCondLst>
+                              <p:cond delay="0"/>
+                            </p:stCondLst>
+                            <p:childTnLst>
+                              <p:par>
+                                <p:cTn id="56" presetID="6" presetClass="emph" presetSubtype="0" fill="hold" grpId="1" nodeType="clickEffect">
+                                  <p:stCondLst>
+                                    <p:cond delay="0"/>
+                                  </p:stCondLst>
+                                  <p:childTnLst>
+                                    <p:animScale>
+                                      <p:cBhvr>
+                                        <p:cTn id="57" dur="2000" fill="hold"/>
+                                        <p:tgtEl>
+                                          <p:spTgt spid="8"/>
+                                        </p:tgtEl>
+                                      </p:cBhvr>
+                                      <p:by x="150000" y="150000"/>
+                                    </p:animScale>
+                                  </p:childTnLst>
+                                  <p:subTnLst>
+                                    <p:animClr>
+                                      <p:cBhvr override="childStyle">
+                                        <p:cTn dur="1" fill="hold" display="0" masterRel="nextClick" afterEffect="1"/>
+                                        <p:tgtEl>
+                                          <p:spTgt spid="8"/>
+                                        </p:tgtEl>
+                                        <p:attrNameLst>
+                                          <p:attrName>ppt_c</p:attrName>
+                                        </p:attrNameLst>
+                                      </p:cBhvr>
+                                      <p:to>
+                                        <a:srgbClr val="006600"/>
+                                      </p:to>
+                                    </p:animClr>
+                                  </p:subTnLst>
+                                </p:cTn>
+                              </p:par>
+                            </p:childTnLst>
+                          </p:cTn>
+                        </p:par>
+                      </p:childTnLst>
+                    </p:cTn>
+                  </p:par>
+                  <p:par>
+                    <p:cTn id="58" fill="hold">
+                      <p:stCondLst>
+                        <p:cond delay="indefinite"/>
+                      </p:stCondLst>
+                      <p:childTnLst>
+                        <p:par>
+                          <p:cTn id="59" fill="hold">
+                            <p:stCondLst>
+                              <p:cond delay="0"/>
+                            </p:stCondLst>
+                            <p:childTnLst>
+                              <p:par>
+                                <p:cTn id="60" presetID="22" presetClass="entr" presetSubtype="1" fill="hold" nodeType="clickEffect">
+                                  <p:stCondLst>
+                                    <p:cond delay="0"/>
+                                  </p:stCondLst>
+                                  <p:childTnLst>
+                                    <p:set>
+                                      <p:cBhvr>
+                                        <p:cTn id="61" dur="1" fill="hold">
+                                          <p:stCondLst>
+                                            <p:cond delay="0"/>
+                                          </p:stCondLst>
+                                        </p:cTn>
+                                        <p:tgtEl>
+                                          <p:spTgt spid="39"/>
+                                        </p:tgtEl>
+                                        <p:attrNameLst>
+                                          <p:attrName>style.visibility</p:attrName>
+                                        </p:attrNameLst>
+                                      </p:cBhvr>
+                                      <p:to>
+                                        <p:strVal val="visible"/>
+                                      </p:to>
+                                    </p:set>
+                                    <p:animEffect transition="in" filter="wipe(up)">
+                                      <p:cBhvr>
+                                        <p:cTn id="62" dur="500"/>
+                                        <p:tgtEl>
+                                          <p:spTgt spid="39"/>
+                                        </p:tgtEl>
+                                      </p:cBhvr>
+                                    </p:animEffect>
+                                  </p:childTnLst>
+                                </p:cTn>
+                              </p:par>
+                            </p:childTnLst>
+                          </p:cTn>
+                        </p:par>
+                      </p:childTnLst>
+                    </p:cTn>
+                  </p:par>
+                  <p:par>
+                    <p:cTn id="63" fill="hold">
+                      <p:stCondLst>
+                        <p:cond delay="indefinite"/>
+                      </p:stCondLst>
+                      <p:childTnLst>
+                        <p:par>
+                          <p:cTn id="64" fill="hold">
+                            <p:stCondLst>
+                              <p:cond delay="0"/>
+                            </p:stCondLst>
+                            <p:childTnLst>
+                              <p:par>
+                                <p:cTn id="65" presetID="6" presetClass="emph" presetSubtype="0" fill="hold" grpId="1" nodeType="clickEffect">
+                                  <p:stCondLst>
+                                    <p:cond delay="0"/>
+                                  </p:stCondLst>
+                                  <p:childTnLst>
+                                    <p:animScale>
+                                      <p:cBhvr>
+                                        <p:cTn id="66" dur="2000" fill="hold"/>
+                                        <p:tgtEl>
+                                          <p:spTgt spid="7"/>
+                                        </p:tgtEl>
+                                      </p:cBhvr>
+                                      <p:by x="150000" y="150000"/>
+                                    </p:animScale>
+                                  </p:childTnLst>
+                                  <p:subTnLst>
+                                    <p:animClr>
+                                      <p:cBhvr override="childStyle">
+                                        <p:cTn dur="1" fill="hold" display="0" masterRel="nextClick" afterEffect="1"/>
+                                        <p:tgtEl>
+                                          <p:spTgt spid="7"/>
+                                        </p:tgtEl>
+                                        <p:attrNameLst>
+                                          <p:attrName>ppt_c</p:attrName>
+                                        </p:attrNameLst>
+                                      </p:cBhvr>
+                                      <p:to>
+                                        <a:srgbClr val="006600"/>
+                                      </p:to>
+                                    </p:animClr>
+                                  </p:subTnLst>
+                                </p:cTn>
+                              </p:par>
+                            </p:childTnLst>
+                          </p:cTn>
+                        </p:par>
+                      </p:childTnLst>
+                    </p:cTn>
+                  </p:par>
+                  <p:par>
+                    <p:cTn id="67" fill="hold">
+                      <p:stCondLst>
+                        <p:cond delay="indefinite"/>
+                      </p:stCondLst>
+                      <p:childTnLst>
+                        <p:par>
+                          <p:cTn id="68" fill="hold">
+                            <p:stCondLst>
+                              <p:cond delay="0"/>
+                            </p:stCondLst>
+                            <p:childTnLst>
+                              <p:par>
+                                <p:cTn id="69" presetID="22" presetClass="entr" presetSubtype="8" fill="hold" nodeType="clickEffect">
+                                  <p:stCondLst>
+                                    <p:cond delay="0"/>
+                                  </p:stCondLst>
+                                  <p:childTnLst>
+                                    <p:set>
+                                      <p:cBhvr>
+                                        <p:cTn id="70" dur="1" fill="hold">
+                                          <p:stCondLst>
+                                            <p:cond delay="0"/>
+                                          </p:stCondLst>
+                                        </p:cTn>
+                                        <p:tgtEl>
+                                          <p:spTgt spid="41"/>
+                                        </p:tgtEl>
+                                        <p:attrNameLst>
+                                          <p:attrName>style.visibility</p:attrName>
+                                        </p:attrNameLst>
+                                      </p:cBhvr>
+                                      <p:to>
+                                        <p:strVal val="visible"/>
+                                      </p:to>
+                                    </p:set>
+                                    <p:animEffect transition="in" filter="wipe(left)">
+                                      <p:cBhvr>
+                                        <p:cTn id="71" dur="500"/>
+                                        <p:tgtEl>
+                                          <p:spTgt spid="41"/>
+                                        </p:tgtEl>
+                                      </p:cBhvr>
+                                    </p:animEffect>
+                                  </p:childTnLst>
+                                </p:cTn>
+                              </p:par>
+                              <p:par>
+                                <p:cTn id="72" presetID="22" presetClass="entr" presetSubtype="8" fill="hold" nodeType="withEffect">
+                                  <p:stCondLst>
+                                    <p:cond delay="0"/>
+                                  </p:stCondLst>
+                                  <p:childTnLst>
+                                    <p:set>
+                                      <p:cBhvr>
+                                        <p:cTn id="73" dur="1" fill="hold">
+                                          <p:stCondLst>
+                                            <p:cond delay="0"/>
+                                          </p:stCondLst>
+                                        </p:cTn>
+                                        <p:tgtEl>
+                                          <p:spTgt spid="44"/>
+                                        </p:tgtEl>
+                                        <p:attrNameLst>
+                                          <p:attrName>style.visibility</p:attrName>
+                                        </p:attrNameLst>
+                                      </p:cBhvr>
+                                      <p:to>
+                                        <p:strVal val="visible"/>
+                                      </p:to>
+                                    </p:set>
+                                    <p:animEffect transition="in" filter="wipe(left)">
+                                      <p:cBhvr>
+                                        <p:cTn id="74" dur="500"/>
+                                        <p:tgtEl>
+                                          <p:spTgt spid="44"/>
+                                        </p:tgtEl>
+                                      </p:cBhvr>
+                                    </p:animEffect>
+                                  </p:childTnLst>
+                                </p:cTn>
+                              </p:par>
+                            </p:childTnLst>
+                          </p:cTn>
+                        </p:par>
+                      </p:childTnLst>
+                    </p:cTn>
+                  </p:par>
+                  <p:par>
+                    <p:cTn id="75" fill="hold">
+                      <p:stCondLst>
+                        <p:cond delay="indefinite"/>
+                      </p:stCondLst>
+                      <p:childTnLst>
+                        <p:par>
+                          <p:cTn id="76" fill="hold">
+                            <p:stCondLst>
+                              <p:cond delay="0"/>
+                            </p:stCondLst>
+                            <p:childTnLst>
+                              <p:par>
+                                <p:cTn id="77" presetID="9" presetClass="exit" presetSubtype="0" fill="hold" nodeType="clickEffect">
+                                  <p:stCondLst>
+                                    <p:cond delay="0"/>
+                                  </p:stCondLst>
+                                  <p:childTnLst>
+                                    <p:animEffect transition="out" filter="dissolve">
+                                      <p:cBhvr>
+                                        <p:cTn id="78" dur="500"/>
+                                        <p:tgtEl>
+                                          <p:spTgt spid="38"/>
+                                        </p:tgtEl>
+                                      </p:cBhvr>
+                                    </p:animEffect>
+                                    <p:set>
+                                      <p:cBhvr>
+                                        <p:cTn id="79" dur="1" fill="hold">
+                                          <p:stCondLst>
+                                            <p:cond delay="499"/>
+                                          </p:stCondLst>
+                                        </p:cTn>
+                                        <p:tgtEl>
+                                          <p:spTgt spid="38"/>
+                                        </p:tgtEl>
+                                        <p:attrNameLst>
+                                          <p:attrName>style.visibility</p:attrName>
+                                        </p:attrNameLst>
+                                      </p:cBhvr>
+                                      <p:to>
+                                        <p:strVal val="hidden"/>
+                                      </p:to>
+                                    </p:set>
+                                  </p:childTnLst>
+                                </p:cTn>
+                              </p:par>
+                              <p:par>
+                                <p:cTn id="80" presetID="9" presetClass="entr" presetSubtype="0" fill="hold" nodeType="withEffect">
+                                  <p:stCondLst>
+                                    <p:cond delay="0"/>
+                                  </p:stCondLst>
+                                  <p:childTnLst>
+                                    <p:set>
+                                      <p:cBhvr>
+                                        <p:cTn id="81" dur="1" fill="hold">
+                                          <p:stCondLst>
+                                            <p:cond delay="0"/>
+                                          </p:stCondLst>
+                                        </p:cTn>
+                                        <p:tgtEl>
+                                          <p:spTgt spid="57"/>
+                                        </p:tgtEl>
+                                        <p:attrNameLst>
+                                          <p:attrName>style.visibility</p:attrName>
+                                        </p:attrNameLst>
+                                      </p:cBhvr>
+                                      <p:to>
+                                        <p:strVal val="visible"/>
+                                      </p:to>
+                                    </p:set>
+                                    <p:animEffect transition="in" filter="dissolve">
+                                      <p:cBhvr>
+                                        <p:cTn id="82" dur="500"/>
+                                        <p:tgtEl>
+                                          <p:spTgt spid="57"/>
+                                        </p:tgtEl>
+                                      </p:cBhvr>
+                                    </p:animEffect>
+                                  </p:childTnLst>
+                                </p:cTn>
+                              </p:par>
+                            </p:childTnLst>
+                          </p:cTn>
+                        </p:par>
+                      </p:childTnLst>
+                    </p:cTn>
+                  </p:par>
+                  <p:par>
+                    <p:cTn id="83" fill="hold">
+                      <p:stCondLst>
+                        <p:cond delay="indefinite"/>
+                      </p:stCondLst>
+                      <p:childTnLst>
+                        <p:par>
+                          <p:cTn id="84" fill="hold">
+                            <p:stCondLst>
+                              <p:cond delay="0"/>
+                            </p:stCondLst>
+                            <p:childTnLst>
+                              <p:par>
+                                <p:cTn id="85" presetID="22" presetClass="entr" presetSubtype="8" fill="hold" nodeType="clickEffect">
+                                  <p:stCondLst>
+                                    <p:cond delay="0"/>
+                                  </p:stCondLst>
+                                  <p:childTnLst>
+                                    <p:set>
+                                      <p:cBhvr>
+                                        <p:cTn id="86" dur="1" fill="hold">
+                                          <p:stCondLst>
+                                            <p:cond delay="0"/>
+                                          </p:stCondLst>
+                                        </p:cTn>
+                                        <p:tgtEl>
+                                          <p:spTgt spid="58"/>
+                                        </p:tgtEl>
+                                        <p:attrNameLst>
+                                          <p:attrName>style.visibility</p:attrName>
+                                        </p:attrNameLst>
+                                      </p:cBhvr>
+                                      <p:to>
+                                        <p:strVal val="visible"/>
+                                      </p:to>
+                                    </p:set>
+                                    <p:animEffect transition="in" filter="wipe(left)">
+                                      <p:cBhvr>
+                                        <p:cTn id="87" dur="500"/>
+                                        <p:tgtEl>
+                                          <p:spTgt spid="58"/>
+                                        </p:tgtEl>
+                                      </p:cBhvr>
+                                    </p:animEffect>
+                                  </p:childTnLst>
+                                </p:cTn>
+                              </p:par>
+                              <p:par>
+                                <p:cTn id="88" presetID="22" presetClass="entr" presetSubtype="8" fill="hold" nodeType="withEffect">
+                                  <p:stCondLst>
+                                    <p:cond delay="0"/>
+                                  </p:stCondLst>
+                                  <p:childTnLst>
+                                    <p:set>
+                                      <p:cBhvr>
+                                        <p:cTn id="89" dur="1" fill="hold">
+                                          <p:stCondLst>
+                                            <p:cond delay="0"/>
+                                          </p:stCondLst>
+                                        </p:cTn>
+                                        <p:tgtEl>
+                                          <p:spTgt spid="59"/>
+                                        </p:tgtEl>
+                                        <p:attrNameLst>
+                                          <p:attrName>style.visibility</p:attrName>
+                                        </p:attrNameLst>
+                                      </p:cBhvr>
+                                      <p:to>
+                                        <p:strVal val="visible"/>
+                                      </p:to>
+                                    </p:set>
+                                    <p:animEffect transition="in" filter="wipe(left)">
+                                      <p:cBhvr>
+                                        <p:cTn id="90" dur="500"/>
+                                        <p:tgtEl>
+                                          <p:spTgt spid="59"/>
+                                        </p:tgtEl>
+                                      </p:cBhvr>
+                                    </p:animEffect>
+                                  </p:childTnLst>
+                                </p:cTn>
+                              </p:par>
+                            </p:childTnLst>
+                          </p:cTn>
+                        </p:par>
+                      </p:childTnLst>
+                    </p:cTn>
+                  </p:par>
+                  <p:par>
+                    <p:cTn id="91" fill="hold">
+                      <p:stCondLst>
+                        <p:cond delay="indefinite"/>
+                      </p:stCondLst>
+                      <p:childTnLst>
+                        <p:par>
+                          <p:cTn id="92" fill="hold">
+                            <p:stCondLst>
+                              <p:cond delay="0"/>
+                            </p:stCondLst>
+                            <p:childTnLst>
+                              <p:par>
+                                <p:cTn id="93" presetID="9" presetClass="exit" presetSubtype="0" fill="hold" nodeType="clickEffect">
+                                  <p:stCondLst>
+                                    <p:cond delay="0"/>
+                                  </p:stCondLst>
+                                  <p:childTnLst>
+                                    <p:animEffect transition="out" filter="dissolve">
+                                      <p:cBhvr>
+                                        <p:cTn id="94" dur="500"/>
+                                        <p:tgtEl>
+                                          <p:spTgt spid="39"/>
+                                        </p:tgtEl>
+                                      </p:cBhvr>
+                                    </p:animEffect>
+                                    <p:set>
+                                      <p:cBhvr>
+                                        <p:cTn id="95" dur="1" fill="hold">
+                                          <p:stCondLst>
+                                            <p:cond delay="499"/>
+                                          </p:stCondLst>
+                                        </p:cTn>
+                                        <p:tgtEl>
+                                          <p:spTgt spid="39"/>
+                                        </p:tgtEl>
+                                        <p:attrNameLst>
+                                          <p:attrName>style.visibility</p:attrName>
+                                        </p:attrNameLst>
+                                      </p:cBhvr>
+                                      <p:to>
+                                        <p:strVal val="hidden"/>
+                                      </p:to>
+                                    </p:set>
+                                  </p:childTnLst>
+                                </p:cTn>
+                              </p:par>
+                              <p:par>
+                                <p:cTn id="96" presetID="9" presetClass="entr" presetSubtype="0" fill="hold" nodeType="withEffect">
+                                  <p:stCondLst>
+                                    <p:cond delay="0"/>
+                                  </p:stCondLst>
+                                  <p:childTnLst>
+                                    <p:set>
+                                      <p:cBhvr>
+                                        <p:cTn id="97" dur="1" fill="hold">
+                                          <p:stCondLst>
+                                            <p:cond delay="0"/>
+                                          </p:stCondLst>
+                                        </p:cTn>
+                                        <p:tgtEl>
+                                          <p:spTgt spid="77"/>
+                                        </p:tgtEl>
+                                        <p:attrNameLst>
+                                          <p:attrName>style.visibility</p:attrName>
+                                        </p:attrNameLst>
+                                      </p:cBhvr>
+                                      <p:to>
+                                        <p:strVal val="visible"/>
+                                      </p:to>
+                                    </p:set>
+                                    <p:animEffect transition="in" filter="dissolve">
+                                      <p:cBhvr>
+                                        <p:cTn id="98" dur="500"/>
+                                        <p:tgtEl>
+                                          <p:spTgt spid="77"/>
+                                        </p:tgtEl>
+                                      </p:cBhvr>
+                                    </p:animEffect>
+                                  </p:childTnLst>
+                                </p:cTn>
+                              </p:par>
+                            </p:childTnLst>
+                          </p:cTn>
+                        </p:par>
+                      </p:childTnLst>
+                    </p:cTn>
+                  </p:par>
+                  <p:par>
+                    <p:cTn id="99" fill="hold">
+                      <p:stCondLst>
+                        <p:cond delay="indefinite"/>
+                      </p:stCondLst>
+                      <p:childTnLst>
+                        <p:par>
+                          <p:cTn id="100" fill="hold">
+                            <p:stCondLst>
+                              <p:cond delay="0"/>
+                            </p:stCondLst>
+                            <p:childTnLst>
+                              <p:par>
+                                <p:cTn id="101" presetID="22" presetClass="entr" presetSubtype="1" fill="hold" grpId="0" nodeType="clickEffect">
+                                  <p:stCondLst>
+                                    <p:cond delay="0"/>
+                                  </p:stCondLst>
+                                  <p:childTnLst>
+                                    <p:set>
+                                      <p:cBhvr>
+                                        <p:cTn id="102" dur="1" fill="hold">
+                                          <p:stCondLst>
+                                            <p:cond delay="0"/>
+                                          </p:stCondLst>
+                                        </p:cTn>
+                                        <p:tgtEl>
+                                          <p:spTgt spid="81"/>
+                                        </p:tgtEl>
+                                        <p:attrNameLst>
+                                          <p:attrName>style.visibility</p:attrName>
+                                        </p:attrNameLst>
+                                      </p:cBhvr>
+                                      <p:to>
+                                        <p:strVal val="visible"/>
+                                      </p:to>
+                                    </p:set>
+                                    <p:animEffect transition="in" filter="wipe(up)">
+                                      <p:cBhvr>
+                                        <p:cTn id="103" dur="500"/>
+                                        <p:tgtEl>
+                                          <p:spTgt spid="81"/>
+                                        </p:tgtEl>
+                                      </p:cBhvr>
+                                    </p:animEffect>
+                                  </p:childTnLst>
+                                </p:cTn>
+                              </p:par>
+                            </p:childTnLst>
+                          </p:cTn>
+                        </p:par>
+                      </p:childTnLst>
+                    </p:cTn>
+                  </p:par>
+                  <p:par>
+                    <p:cTn id="104" fill="hold">
+                      <p:stCondLst>
+                        <p:cond delay="indefinite"/>
+                      </p:stCondLst>
+                      <p:childTnLst>
+                        <p:par>
+                          <p:cTn id="105" fill="hold">
+                            <p:stCondLst>
+                              <p:cond delay="0"/>
+                            </p:stCondLst>
+                            <p:childTnLst>
+                              <p:par>
+                                <p:cTn id="106" presetID="5" presetClass="exit" presetSubtype="10" fill="hold" grpId="1" nodeType="clickEffect">
+                                  <p:stCondLst>
+                                    <p:cond delay="0"/>
+                                  </p:stCondLst>
+                                  <p:childTnLst>
+                                    <p:animEffect transition="out" filter="checkerboard(across)">
+                                      <p:cBhvr>
+                                        <p:cTn id="107" dur="500"/>
+                                        <p:tgtEl>
+                                          <p:spTgt spid="81"/>
+                                        </p:tgtEl>
+                                      </p:cBhvr>
+                                    </p:animEffect>
+                                    <p:set>
+                                      <p:cBhvr>
+                                        <p:cTn id="108" dur="1" fill="hold">
+                                          <p:stCondLst>
+                                            <p:cond delay="499"/>
+                                          </p:stCondLst>
+                                        </p:cTn>
+                                        <p:tgtEl>
+                                          <p:spTgt spid="81"/>
+                                        </p:tgtEl>
+                                        <p:attrNameLst>
+                                          <p:attrName>style.visibility</p:attrName>
+                                        </p:attrNameLst>
+                                      </p:cBhvr>
+                                      <p:to>
+                                        <p:strVal val="hidden"/>
+                                      </p:to>
+                                    </p:set>
+                                  </p:childTnLst>
+                                </p:cTn>
+                              </p:par>
+                            </p:childTnLst>
+                          </p:cTn>
+                        </p:par>
+                      </p:childTnLst>
+                    </p:cTn>
+                  </p:par>
+                  <p:par>
+                    <p:cTn id="109" fill="hold">
+                      <p:stCondLst>
+                        <p:cond delay="indefinite"/>
+                      </p:stCondLst>
+                      <p:childTnLst>
+                        <p:par>
+                          <p:cTn id="110" fill="hold">
+                            <p:stCondLst>
+                              <p:cond delay="0"/>
+                            </p:stCondLst>
+                            <p:childTnLst>
+                              <p:par>
+                                <p:cTn id="111" presetID="1" presetClass="entr" presetSubtype="0" fill="hold" grpId="0" nodeType="clickEffect">
+                                  <p:stCondLst>
+                                    <p:cond delay="0"/>
+                                  </p:stCondLst>
+                                  <p:childTnLst>
+                                    <p:set>
+                                      <p:cBhvr>
+                                        <p:cTn id="112" dur="1" fill="hold">
+                                          <p:stCondLst>
+                                            <p:cond delay="0"/>
+                                          </p:stCondLst>
+                                        </p:cTn>
+                                        <p:tgtEl>
+                                          <p:spTgt spid="11"/>
+                                        </p:tgtEl>
+                                        <p:attrNameLst>
+                                          <p:attrName>style.visibility</p:attrName>
+                                        </p:attrNameLst>
+                                      </p:cBhvr>
+                                      <p:to>
+                                        <p:strVal val="visible"/>
+                                      </p:to>
+                                    </p:set>
+                                  </p:childTnLst>
+                                </p:cTn>
+                              </p:par>
+                            </p:childTnLst>
+                          </p:cTn>
+                        </p:par>
+                      </p:childTnLst>
+                    </p:cTn>
+                  </p:par>
+                </p:childTnLst>
+              </p:cTn>
+              <p:prevCondLst>
+                <p:cond evt="onPrev" delay="0">
+                  <p:tgtEl>
+                    <p:sldTgt/>
+                  </p:tgtEl>
+                </p:cond>
+              </p:prevCondLst>
+              <p:nextCondLst>
+                <p:cond evt="onNext" delay="0">
+                  <p:tgtEl>
+                    <p:sldTgt/>
+                  </p:tgtEl>
+                </p:cond>
+              </p:nextCondLst>
+            </p:seq>
+          </p:childTnLst>
+        </p:cTn>
+      </p:par>
+    </p:tnLst>
+    <p:bldLst>
+      <p:bldP spid="4" grpId="0"/>
+      <p:bldP spid="4" grpId="1"/>
+      <p:bldP spid="5" grpId="1"/>
+      <p:bldP spid="5" grpId="2"/>
+      <p:bldP spid="5" grpId="3"/>
+      <p:bldP spid="6" grpId="0"/>
+      <p:bldP spid="6" grpId="1"/>
+      <p:bldP spid="7" grpId="0"/>
+      <p:bldP spid="7" grpId="1"/>
+      <p:bldP spid="8" grpId="0"/>
+      <p:bldP spid="8" grpId="1"/>
+      <p:bldP spid="13" grpId="1"/>
+      <p:bldP spid="13" grpId="2"/>
+      <p:bldP spid="13" grpId="3"/>
+      <p:bldP spid="81" grpId="0" bldLvl="0" animBg="1"/>
+      <p:bldP spid="81" grpId="1" bldLvl="0" animBg="1"/>
+      <p:bldP spid="11" grpId="0"/>
+    </p:bldLst>
+  </p:timing>
 </p:sld>
 </file>
 

--- a/2022秋季-数据结构-第4章-树a.pptx
+++ b/2022秋季-数据结构-第4章-树a.pptx
@@ -130,7 +130,7 @@
       </a:defRPr>
     </a:lvl9pPr>
   </p:defaultTextStyle>
-  <p:modifyVerifier cryptProviderType="rsaFull" cryptAlgorithmClass="hash" cryptAlgorithmType="typeAny" cryptAlgorithmSid="4" spinCount="100000" saltData="2c6qWBAkBhg7XsB5Weo5Ng==" hashData="SB7OfufB9V9blZFBU86aHYMzfsQ="/>
+  <p:modifyVerifier cryptProviderType="rsaFull" cryptAlgorithmClass="hash" cryptAlgorithmType="typeAny" cryptAlgorithmSid="4" spinCount="100000" saltData="bZy2v3yQi0fBMW5yuksv9w==" hashData="xnWxucxinSBzWxuQJTzz714o+RU="/>
 </p:presentation>
 </file>
 
@@ -28389,8 +28389,8 @@
         </p:nvSpPr>
         <p:spPr>
           <a:xfrm>
-            <a:off x="647700" y="5830570"/>
-            <a:ext cx="5442585" cy="460375"/>
+            <a:off x="647700" y="5385435"/>
+            <a:ext cx="5442585" cy="1198880"/>
           </a:xfrm>
           <a:prstGeom prst="rect">
             <a:avLst/>
@@ -28410,6 +28410,38 @@
                 <a:cs typeface="黑体" charset="0"/>
               </a:rPr>
               <a:t>从前序与中序遍历序列构造二叉树.html</a:t>
+            </a:r>
+            <a:endParaRPr lang="zh-CN" altLang="en-US" sz="2400">
+              <a:latin typeface="黑体" charset="0"/>
+              <a:ea typeface="黑体" charset="0"/>
+              <a:cs typeface="黑体" charset="0"/>
+            </a:endParaRPr>
+          </a:p>
+          <a:p>
+            <a:pPr algn="l"/>
+            <a:r>
+              <a:rPr lang="zh-CN" altLang="en-US" sz="2400">
+                <a:latin typeface="黑体" charset="0"/>
+                <a:ea typeface="黑体" charset="0"/>
+                <a:cs typeface="黑体" charset="0"/>
+              </a:rPr>
+              <a:t>二叉树的镜像.html</a:t>
+            </a:r>
+            <a:endParaRPr lang="zh-CN" altLang="en-US" sz="2400">
+              <a:latin typeface="黑体" charset="0"/>
+              <a:ea typeface="黑体" charset="0"/>
+              <a:cs typeface="黑体" charset="0"/>
+            </a:endParaRPr>
+          </a:p>
+          <a:p>
+            <a:pPr algn="l"/>
+            <a:r>
+              <a:rPr lang="zh-CN" altLang="en-US" sz="2400">
+                <a:latin typeface="黑体" charset="0"/>
+                <a:ea typeface="黑体" charset="0"/>
+                <a:cs typeface="黑体" charset="0"/>
+              </a:rPr>
+              <a:t>对称二叉树.html</a:t>
             </a:r>
             <a:endParaRPr lang="zh-CN" altLang="en-US" sz="2400">
               <a:latin typeface="黑体" charset="0"/>
